--- a/documents/102-CSIE-S019_PPT_EzWebGame.pptx
+++ b/documents/102-CSIE-S019_PPT_EzWebGame.pptx
@@ -4,21 +4,26 @@
   <p:sldMasterIdLst>
     <p:sldMasterId id="2147483672" r:id="rId1"/>
   </p:sldMasterIdLst>
+  <p:notesMasterIdLst>
+    <p:notesMasterId r:id="rId18"/>
+  </p:notesMasterIdLst>
   <p:sldIdLst>
     <p:sldId id="256" r:id="rId2"/>
-    <p:sldId id="257" r:id="rId3"/>
-    <p:sldId id="258" r:id="rId4"/>
+    <p:sldId id="271" r:id="rId3"/>
+    <p:sldId id="272" r:id="rId4"/>
     <p:sldId id="259" r:id="rId5"/>
     <p:sldId id="260" r:id="rId6"/>
-    <p:sldId id="263" r:id="rId7"/>
-    <p:sldId id="262" r:id="rId8"/>
-    <p:sldId id="264" r:id="rId9"/>
-    <p:sldId id="265" r:id="rId10"/>
-    <p:sldId id="266" r:id="rId11"/>
-    <p:sldId id="267" r:id="rId12"/>
-    <p:sldId id="268" r:id="rId13"/>
-    <p:sldId id="269" r:id="rId14"/>
-    <p:sldId id="270" r:id="rId15"/>
+    <p:sldId id="273" r:id="rId7"/>
+    <p:sldId id="263" r:id="rId8"/>
+    <p:sldId id="262" r:id="rId9"/>
+    <p:sldId id="264" r:id="rId10"/>
+    <p:sldId id="274" r:id="rId11"/>
+    <p:sldId id="265" r:id="rId12"/>
+    <p:sldId id="266" r:id="rId13"/>
+    <p:sldId id="267" r:id="rId14"/>
+    <p:sldId id="269" r:id="rId15"/>
+    <p:sldId id="270" r:id="rId16"/>
+    <p:sldId id="268" r:id="rId17"/>
   </p:sldIdLst>
   <p:sldSz cx="12192000" cy="6858000"/>
   <p:notesSz cx="6858000" cy="9144000"/>
@@ -3906,14 +3911,22 @@
         <a:lstStyle/>
         <a:p>
           <a:r>
-            <a:rPr lang="en-US" altLang="zh-TW" sz="1800" smtClean="0">
+            <a:rPr lang="en-US" altLang="zh-TW" sz="1800" dirty="0" err="1" smtClean="0">
               <a:latin typeface="Calibri" panose="020F0502020204030204"/>
               <a:ea typeface="新細明體" panose="02020500000000000000" pitchFamily="18" charset="-120"/>
               <a:cs typeface="+mn-cs"/>
             </a:rPr>
-            <a:t>listRoomInfos()</a:t>
+            <a:t>listRoomInfos</a:t>
           </a:r>
-          <a:endParaRPr lang="zh-TW" altLang="en-US" sz="1800">
+          <a:r>
+            <a:rPr lang="en-US" altLang="zh-TW" sz="1800" dirty="0" smtClean="0">
+              <a:latin typeface="Calibri" panose="020F0502020204030204"/>
+              <a:ea typeface="新細明體" panose="02020500000000000000" pitchFamily="18" charset="-120"/>
+              <a:cs typeface="+mn-cs"/>
+            </a:rPr>
+            <a:t>()</a:t>
+          </a:r>
+          <a:endParaRPr lang="zh-TW" altLang="en-US" sz="1800" dirty="0">
             <a:latin typeface="Calibri" panose="020F0502020204030204"/>
             <a:ea typeface="新細明體" panose="02020500000000000000" pitchFamily="18" charset="-120"/>
             <a:cs typeface="+mn-cs"/>
@@ -4491,8 +4504,8 @@
     <dgm:cxn modelId="{987A152F-3F46-4867-B136-CC7670FCCA2D}" srcId="{1A4009DF-EC3F-4C26-9D56-172FE71A2222}" destId="{7233AECB-B969-4FE1-A4FA-4111BF57CBC0}" srcOrd="0" destOrd="0" parTransId="{49461D99-E6D8-4A63-8536-AAFBF401FE37}" sibTransId="{6561EDEF-907C-4484-9691-81F2B19A47CF}"/>
     <dgm:cxn modelId="{E48B1069-652F-43CC-B7CA-1D1798848D87}" type="presOf" srcId="{3E190EBC-CB06-43CD-A006-DE156AEE2239}" destId="{4BF4C251-D64E-41E1-9C52-1A77BD0B3F30}" srcOrd="0" destOrd="1" presId="urn:microsoft.com/office/officeart/2005/8/layout/vList5"/>
     <dgm:cxn modelId="{BB792AF6-5D62-464F-8499-D079D492D285}" type="presOf" srcId="{970D3354-3A4E-4CB7-BB8E-F02BA2C4FEF1}" destId="{2B61AAD6-E531-4121-B72F-F0BD60C35DFF}" srcOrd="0" destOrd="2" presId="urn:microsoft.com/office/officeart/2005/8/layout/vList5"/>
+    <dgm:cxn modelId="{467DD670-0BDD-4518-BF8E-583551C51B6D}" type="presOf" srcId="{7D00303A-CC9C-4E30-BE83-018CB9CBE8EF}" destId="{21AF9AFE-ED21-4F8B-9812-DE2D96350964}" srcOrd="0" destOrd="0" presId="urn:microsoft.com/office/officeart/2005/8/layout/vList5"/>
     <dgm:cxn modelId="{4AED0B15-5E6F-41C3-9BCB-08AB04C4692A}" srcId="{1A4009DF-EC3F-4C26-9D56-172FE71A2222}" destId="{970D3354-3A4E-4CB7-BB8E-F02BA2C4FEF1}" srcOrd="2" destOrd="0" parTransId="{80070577-2936-4D65-8D5E-7B2AA90043FE}" sibTransId="{8B2CC2EA-FC87-4F09-82C7-2B2F2799677A}"/>
-    <dgm:cxn modelId="{467DD670-0BDD-4518-BF8E-583551C51B6D}" type="presOf" srcId="{7D00303A-CC9C-4E30-BE83-018CB9CBE8EF}" destId="{21AF9AFE-ED21-4F8B-9812-DE2D96350964}" srcOrd="0" destOrd="0" presId="urn:microsoft.com/office/officeart/2005/8/layout/vList5"/>
     <dgm:cxn modelId="{104F8966-915D-41DC-96B7-364D482132AD}" type="presOf" srcId="{AFA647CE-34F2-4754-BB88-0F280AC3D6AB}" destId="{7229C3CC-37DE-4846-9C62-5312B4F45E97}" srcOrd="0" destOrd="0" presId="urn:microsoft.com/office/officeart/2005/8/layout/vList5"/>
     <dgm:cxn modelId="{D8D50351-AA61-40F2-8DC4-2D95B2992DA9}" srcId="{AFA647CE-34F2-4754-BB88-0F280AC3D6AB}" destId="{1A4009DF-EC3F-4C26-9D56-172FE71A2222}" srcOrd="0" destOrd="0" parTransId="{83889FFC-1C32-4B77-AAD0-7B98917C0DFB}" sibTransId="{9B979F51-5927-4C63-AEB6-089BDAE897AA}"/>
     <dgm:cxn modelId="{C46E536E-D5DD-4D6F-8B94-0691975098B4}" type="presOf" srcId="{F8F718D8-BD92-4937-958C-077A3717ADC7}" destId="{97F5048E-AB88-4337-9277-5E73276002E4}" srcOrd="0" destOrd="3" presId="urn:microsoft.com/office/officeart/2005/8/layout/vList5"/>
@@ -4526,7 +4539,7 @@
   <dgm:whole/>
   <dgm:extLst>
     <a:ext uri="http://schemas.microsoft.com/office/drawing/2008/diagram">
-      <dsp:dataModelExt xmlns:dsp="http://schemas.microsoft.com/office/drawing/2008/diagram" relId="rId6" minVer="http://schemas.openxmlformats.org/drawingml/2006/diagram"/>
+      <dsp:dataModelExt xmlns:dsp="http://schemas.microsoft.com/office/drawing/2008/diagram" relId="rId7" minVer="http://schemas.openxmlformats.org/drawingml/2006/diagram"/>
     </a:ext>
   </dgm:extLst>
 </dgm:dataModel>
@@ -6082,14 +6095,22 @@
             <a:buChar char="••"/>
           </a:pPr>
           <a:r>
-            <a:rPr lang="en-US" altLang="zh-TW" sz="1800" kern="1200" smtClean="0">
+            <a:rPr lang="en-US" altLang="zh-TW" sz="1800" kern="1200" dirty="0" err="1" smtClean="0">
               <a:latin typeface="Calibri" panose="020F0502020204030204"/>
               <a:ea typeface="新細明體" panose="02020500000000000000" pitchFamily="18" charset="-120"/>
               <a:cs typeface="+mn-cs"/>
             </a:rPr>
-            <a:t>listRoomInfos()</a:t>
+            <a:t>listRoomInfos</a:t>
           </a:r>
-          <a:endParaRPr lang="zh-TW" altLang="en-US" sz="1800" kern="1200">
+          <a:r>
+            <a:rPr lang="en-US" altLang="zh-TW" sz="1800" kern="1200" dirty="0" smtClean="0">
+              <a:latin typeface="Calibri" panose="020F0502020204030204"/>
+              <a:ea typeface="新細明體" panose="02020500000000000000" pitchFamily="18" charset="-120"/>
+              <a:cs typeface="+mn-cs"/>
+            </a:rPr>
+            <a:t>()</a:t>
+          </a:r>
+          <a:endParaRPr lang="zh-TW" altLang="en-US" sz="1800" kern="1200" dirty="0">
             <a:latin typeface="Calibri" panose="020F0502020204030204"/>
             <a:ea typeface="新細明體" panose="02020500000000000000" pitchFamily="18" charset="-120"/>
             <a:cs typeface="+mn-cs"/>
@@ -13693,6 +13714,440 @@
 </dgm:styleDef>
 </file>
 
+<file path=ppt/notesMasters/notesMaster1.xml><?xml version="1.0" encoding="utf-8"?>
+<p:notesMaster xmlns:a="http://schemas.openxmlformats.org/drawingml/2006/main" xmlns:r="http://schemas.openxmlformats.org/officeDocument/2006/relationships" xmlns:p="http://schemas.openxmlformats.org/presentationml/2006/main">
+  <p:cSld>
+    <p:bg>
+      <p:bgRef idx="1001">
+        <a:schemeClr val="bg1"/>
+      </p:bgRef>
+    </p:bg>
+    <p:spTree>
+      <p:nvGrpSpPr>
+        <p:cNvPr id="1" name=""/>
+        <p:cNvGrpSpPr/>
+        <p:nvPr/>
+      </p:nvGrpSpPr>
+      <p:grpSpPr>
+        <a:xfrm>
+          <a:off x="0" y="0"/>
+          <a:ext cx="0" cy="0"/>
+          <a:chOff x="0" y="0"/>
+          <a:chExt cx="0" cy="0"/>
+        </a:xfrm>
+      </p:grpSpPr>
+      <p:sp>
+        <p:nvSpPr>
+          <p:cNvPr id="2" name="頁首版面配置區 1"/>
+          <p:cNvSpPr>
+            <a:spLocks noGrp="1"/>
+          </p:cNvSpPr>
+          <p:nvPr>
+            <p:ph type="hdr" sz="quarter"/>
+          </p:nvPr>
+        </p:nvSpPr>
+        <p:spPr>
+          <a:xfrm>
+            <a:off x="0" y="0"/>
+            <a:ext cx="2971800" cy="458788"/>
+          </a:xfrm>
+          <a:prstGeom prst="rect">
+            <a:avLst/>
+          </a:prstGeom>
+        </p:spPr>
+        <p:txBody>
+          <a:bodyPr vert="horz" lIns="91440" tIns="45720" rIns="91440" bIns="45720" rtlCol="0"/>
+          <a:lstStyle>
+            <a:lvl1pPr algn="l">
+              <a:defRPr sz="1200"/>
+            </a:lvl1pPr>
+          </a:lstStyle>
+          <a:p>
+            <a:endParaRPr lang="zh-TW" altLang="en-US"/>
+          </a:p>
+        </p:txBody>
+      </p:sp>
+      <p:sp>
+        <p:nvSpPr>
+          <p:cNvPr id="3" name="日期版面配置區 2"/>
+          <p:cNvSpPr>
+            <a:spLocks noGrp="1"/>
+          </p:cNvSpPr>
+          <p:nvPr>
+            <p:ph type="dt" idx="1"/>
+          </p:nvPr>
+        </p:nvSpPr>
+        <p:spPr>
+          <a:xfrm>
+            <a:off x="3884613" y="0"/>
+            <a:ext cx="2971800" cy="458788"/>
+          </a:xfrm>
+          <a:prstGeom prst="rect">
+            <a:avLst/>
+          </a:prstGeom>
+        </p:spPr>
+        <p:txBody>
+          <a:bodyPr vert="horz" lIns="91440" tIns="45720" rIns="91440" bIns="45720" rtlCol="0"/>
+          <a:lstStyle>
+            <a:lvl1pPr algn="r">
+              <a:defRPr sz="1200"/>
+            </a:lvl1pPr>
+          </a:lstStyle>
+          <a:p>
+            <a:fld id="{CF31BFE1-7049-4E72-B82E-63CD68E32008}" type="datetimeFigureOut">
+              <a:rPr lang="zh-TW" altLang="en-US" smtClean="0"/>
+              <a:t>2013/10/24</a:t>
+            </a:fld>
+            <a:endParaRPr lang="zh-TW" altLang="en-US"/>
+          </a:p>
+        </p:txBody>
+      </p:sp>
+      <p:sp>
+        <p:nvSpPr>
+          <p:cNvPr id="4" name="投影片圖像版面配置區 3"/>
+          <p:cNvSpPr>
+            <a:spLocks noGrp="1" noRot="1" noChangeAspect="1"/>
+          </p:cNvSpPr>
+          <p:nvPr>
+            <p:ph type="sldImg" idx="2"/>
+          </p:nvPr>
+        </p:nvSpPr>
+        <p:spPr>
+          <a:xfrm>
+            <a:off x="685800" y="1143000"/>
+            <a:ext cx="5486400" cy="3086100"/>
+          </a:xfrm>
+          <a:prstGeom prst="rect">
+            <a:avLst/>
+          </a:prstGeom>
+          <a:noFill/>
+          <a:ln w="12700">
+            <a:solidFill>
+              <a:prstClr val="black"/>
+            </a:solidFill>
+          </a:ln>
+        </p:spPr>
+        <p:txBody>
+          <a:bodyPr vert="horz" lIns="91440" tIns="45720" rIns="91440" bIns="45720" rtlCol="0" anchor="ctr"/>
+          <a:lstStyle/>
+          <a:p>
+            <a:endParaRPr lang="zh-TW" altLang="en-US"/>
+          </a:p>
+        </p:txBody>
+      </p:sp>
+      <p:sp>
+        <p:nvSpPr>
+          <p:cNvPr id="5" name="備忘稿版面配置區 4"/>
+          <p:cNvSpPr>
+            <a:spLocks noGrp="1"/>
+          </p:cNvSpPr>
+          <p:nvPr>
+            <p:ph type="body" sz="quarter" idx="3"/>
+          </p:nvPr>
+        </p:nvSpPr>
+        <p:spPr>
+          <a:xfrm>
+            <a:off x="685800" y="4400550"/>
+            <a:ext cx="5486400" cy="3600450"/>
+          </a:xfrm>
+          <a:prstGeom prst="rect">
+            <a:avLst/>
+          </a:prstGeom>
+        </p:spPr>
+        <p:txBody>
+          <a:bodyPr vert="horz" lIns="91440" tIns="45720" rIns="91440" bIns="45720" rtlCol="0"/>
+          <a:lstStyle/>
+          <a:p>
+            <a:pPr lvl="0"/>
+            <a:r>
+              <a:rPr lang="zh-TW" altLang="en-US" smtClean="0"/>
+              <a:t>按一下以編輯母片文字樣式</a:t>
+            </a:r>
+          </a:p>
+          <a:p>
+            <a:pPr lvl="1"/>
+            <a:r>
+              <a:rPr lang="zh-TW" altLang="en-US" smtClean="0"/>
+              <a:t>第二層</a:t>
+            </a:r>
+          </a:p>
+          <a:p>
+            <a:pPr lvl="2"/>
+            <a:r>
+              <a:rPr lang="zh-TW" altLang="en-US" smtClean="0"/>
+              <a:t>第三層</a:t>
+            </a:r>
+          </a:p>
+          <a:p>
+            <a:pPr lvl="3"/>
+            <a:r>
+              <a:rPr lang="zh-TW" altLang="en-US" smtClean="0"/>
+              <a:t>第四層</a:t>
+            </a:r>
+          </a:p>
+          <a:p>
+            <a:pPr lvl="4"/>
+            <a:r>
+              <a:rPr lang="zh-TW" altLang="en-US" smtClean="0"/>
+              <a:t>第五層</a:t>
+            </a:r>
+            <a:endParaRPr lang="zh-TW" altLang="en-US"/>
+          </a:p>
+        </p:txBody>
+      </p:sp>
+      <p:sp>
+        <p:nvSpPr>
+          <p:cNvPr id="6" name="頁尾版面配置區 5"/>
+          <p:cNvSpPr>
+            <a:spLocks noGrp="1"/>
+          </p:cNvSpPr>
+          <p:nvPr>
+            <p:ph type="ftr" sz="quarter" idx="4"/>
+          </p:nvPr>
+        </p:nvSpPr>
+        <p:spPr>
+          <a:xfrm>
+            <a:off x="0" y="8685213"/>
+            <a:ext cx="2971800" cy="458787"/>
+          </a:xfrm>
+          <a:prstGeom prst="rect">
+            <a:avLst/>
+          </a:prstGeom>
+        </p:spPr>
+        <p:txBody>
+          <a:bodyPr vert="horz" lIns="91440" tIns="45720" rIns="91440" bIns="45720" rtlCol="0" anchor="b"/>
+          <a:lstStyle>
+            <a:lvl1pPr algn="l">
+              <a:defRPr sz="1200"/>
+            </a:lvl1pPr>
+          </a:lstStyle>
+          <a:p>
+            <a:endParaRPr lang="zh-TW" altLang="en-US"/>
+          </a:p>
+        </p:txBody>
+      </p:sp>
+      <p:sp>
+        <p:nvSpPr>
+          <p:cNvPr id="7" name="投影片編號版面配置區 6"/>
+          <p:cNvSpPr>
+            <a:spLocks noGrp="1"/>
+          </p:cNvSpPr>
+          <p:nvPr>
+            <p:ph type="sldNum" sz="quarter" idx="5"/>
+          </p:nvPr>
+        </p:nvSpPr>
+        <p:spPr>
+          <a:xfrm>
+            <a:off x="3884613" y="8685213"/>
+            <a:ext cx="2971800" cy="458787"/>
+          </a:xfrm>
+          <a:prstGeom prst="rect">
+            <a:avLst/>
+          </a:prstGeom>
+        </p:spPr>
+        <p:txBody>
+          <a:bodyPr vert="horz" lIns="91440" tIns="45720" rIns="91440" bIns="45720" rtlCol="0" anchor="b"/>
+          <a:lstStyle>
+            <a:lvl1pPr algn="r">
+              <a:defRPr sz="1200"/>
+            </a:lvl1pPr>
+          </a:lstStyle>
+          <a:p>
+            <a:fld id="{70D098F9-21D5-4043-97B3-04EE699CD3C2}" type="slidenum">
+              <a:rPr lang="zh-TW" altLang="en-US" smtClean="0"/>
+              <a:t>‹#›</a:t>
+            </a:fld>
+            <a:endParaRPr lang="zh-TW" altLang="en-US"/>
+          </a:p>
+        </p:txBody>
+      </p:sp>
+    </p:spTree>
+    <p:extLst>
+      <p:ext uri="{BB962C8B-B14F-4D97-AF65-F5344CB8AC3E}">
+        <p14:creationId xmlns:p14="http://schemas.microsoft.com/office/powerpoint/2010/main" val="1315983309"/>
+      </p:ext>
+    </p:extLst>
+  </p:cSld>
+  <p:clrMap bg1="lt1" tx1="dk1" bg2="lt2" tx2="dk2" accent1="accent1" accent2="accent2" accent3="accent3" accent4="accent4" accent5="accent5" accent6="accent6" hlink="hlink" folHlink="folHlink"/>
+  <p:notesStyle>
+    <a:lvl1pPr marL="0" algn="l" defTabSz="914400" rtl="0" eaLnBrk="1" latinLnBrk="0" hangingPunct="1">
+      <a:defRPr sz="1200" kern="1200">
+        <a:solidFill>
+          <a:schemeClr val="tx1"/>
+        </a:solidFill>
+        <a:latin typeface="+mn-lt"/>
+        <a:ea typeface="+mn-ea"/>
+        <a:cs typeface="+mn-cs"/>
+      </a:defRPr>
+    </a:lvl1pPr>
+    <a:lvl2pPr marL="457200" algn="l" defTabSz="914400" rtl="0" eaLnBrk="1" latinLnBrk="0" hangingPunct="1">
+      <a:defRPr sz="1200" kern="1200">
+        <a:solidFill>
+          <a:schemeClr val="tx1"/>
+        </a:solidFill>
+        <a:latin typeface="+mn-lt"/>
+        <a:ea typeface="+mn-ea"/>
+        <a:cs typeface="+mn-cs"/>
+      </a:defRPr>
+    </a:lvl2pPr>
+    <a:lvl3pPr marL="914400" algn="l" defTabSz="914400" rtl="0" eaLnBrk="1" latinLnBrk="0" hangingPunct="1">
+      <a:defRPr sz="1200" kern="1200">
+        <a:solidFill>
+          <a:schemeClr val="tx1"/>
+        </a:solidFill>
+        <a:latin typeface="+mn-lt"/>
+        <a:ea typeface="+mn-ea"/>
+        <a:cs typeface="+mn-cs"/>
+      </a:defRPr>
+    </a:lvl3pPr>
+    <a:lvl4pPr marL="1371600" algn="l" defTabSz="914400" rtl="0" eaLnBrk="1" latinLnBrk="0" hangingPunct="1">
+      <a:defRPr sz="1200" kern="1200">
+        <a:solidFill>
+          <a:schemeClr val="tx1"/>
+        </a:solidFill>
+        <a:latin typeface="+mn-lt"/>
+        <a:ea typeface="+mn-ea"/>
+        <a:cs typeface="+mn-cs"/>
+      </a:defRPr>
+    </a:lvl4pPr>
+    <a:lvl5pPr marL="1828800" algn="l" defTabSz="914400" rtl="0" eaLnBrk="1" latinLnBrk="0" hangingPunct="1">
+      <a:defRPr sz="1200" kern="1200">
+        <a:solidFill>
+          <a:schemeClr val="tx1"/>
+        </a:solidFill>
+        <a:latin typeface="+mn-lt"/>
+        <a:ea typeface="+mn-ea"/>
+        <a:cs typeface="+mn-cs"/>
+      </a:defRPr>
+    </a:lvl5pPr>
+    <a:lvl6pPr marL="2286000" algn="l" defTabSz="914400" rtl="0" eaLnBrk="1" latinLnBrk="0" hangingPunct="1">
+      <a:defRPr sz="1200" kern="1200">
+        <a:solidFill>
+          <a:schemeClr val="tx1"/>
+        </a:solidFill>
+        <a:latin typeface="+mn-lt"/>
+        <a:ea typeface="+mn-ea"/>
+        <a:cs typeface="+mn-cs"/>
+      </a:defRPr>
+    </a:lvl6pPr>
+    <a:lvl7pPr marL="2743200" algn="l" defTabSz="914400" rtl="0" eaLnBrk="1" latinLnBrk="0" hangingPunct="1">
+      <a:defRPr sz="1200" kern="1200">
+        <a:solidFill>
+          <a:schemeClr val="tx1"/>
+        </a:solidFill>
+        <a:latin typeface="+mn-lt"/>
+        <a:ea typeface="+mn-ea"/>
+        <a:cs typeface="+mn-cs"/>
+      </a:defRPr>
+    </a:lvl7pPr>
+    <a:lvl8pPr marL="3200400" algn="l" defTabSz="914400" rtl="0" eaLnBrk="1" latinLnBrk="0" hangingPunct="1">
+      <a:defRPr sz="1200" kern="1200">
+        <a:solidFill>
+          <a:schemeClr val="tx1"/>
+        </a:solidFill>
+        <a:latin typeface="+mn-lt"/>
+        <a:ea typeface="+mn-ea"/>
+        <a:cs typeface="+mn-cs"/>
+      </a:defRPr>
+    </a:lvl8pPr>
+    <a:lvl9pPr marL="3657600" algn="l" defTabSz="914400" rtl="0" eaLnBrk="1" latinLnBrk="0" hangingPunct="1">
+      <a:defRPr sz="1200" kern="1200">
+        <a:solidFill>
+          <a:schemeClr val="tx1"/>
+        </a:solidFill>
+        <a:latin typeface="+mn-lt"/>
+        <a:ea typeface="+mn-ea"/>
+        <a:cs typeface="+mn-cs"/>
+      </a:defRPr>
+    </a:lvl9pPr>
+  </p:notesStyle>
+</p:notesMaster>
+</file>
+
+<file path=ppt/notesSlides/notesSlide1.xml><?xml version="1.0" encoding="utf-8"?>
+<p:notes xmlns:a="http://schemas.openxmlformats.org/drawingml/2006/main" xmlns:r="http://schemas.openxmlformats.org/officeDocument/2006/relationships" xmlns:p="http://schemas.openxmlformats.org/presentationml/2006/main">
+  <p:cSld>
+    <p:spTree>
+      <p:nvGrpSpPr>
+        <p:cNvPr id="1" name=""/>
+        <p:cNvGrpSpPr/>
+        <p:nvPr/>
+      </p:nvGrpSpPr>
+      <p:grpSpPr>
+        <a:xfrm>
+          <a:off x="0" y="0"/>
+          <a:ext cx="0" cy="0"/>
+          <a:chOff x="0" y="0"/>
+          <a:chExt cx="0" cy="0"/>
+        </a:xfrm>
+      </p:grpSpPr>
+      <p:sp>
+        <p:nvSpPr>
+          <p:cNvPr id="2" name="投影片圖像版面配置區 1"/>
+          <p:cNvSpPr>
+            <a:spLocks noGrp="1" noRot="1" noChangeAspect="1"/>
+          </p:cNvSpPr>
+          <p:nvPr>
+            <p:ph type="sldImg"/>
+          </p:nvPr>
+        </p:nvSpPr>
+        <p:spPr/>
+      </p:sp>
+      <p:sp>
+        <p:nvSpPr>
+          <p:cNvPr id="3" name="備忘稿版面配置區 2"/>
+          <p:cNvSpPr>
+            <a:spLocks noGrp="1"/>
+          </p:cNvSpPr>
+          <p:nvPr>
+            <p:ph type="body" idx="1"/>
+          </p:nvPr>
+        </p:nvSpPr>
+        <p:spPr/>
+        <p:txBody>
+          <a:bodyPr/>
+          <a:lstStyle/>
+          <a:p>
+            <a:endParaRPr lang="zh-TW" altLang="en-US" dirty="0"/>
+          </a:p>
+        </p:txBody>
+      </p:sp>
+      <p:sp>
+        <p:nvSpPr>
+          <p:cNvPr id="4" name="投影片編號版面配置區 3"/>
+          <p:cNvSpPr>
+            <a:spLocks noGrp="1"/>
+          </p:cNvSpPr>
+          <p:nvPr>
+            <p:ph type="sldNum" sz="quarter" idx="10"/>
+          </p:nvPr>
+        </p:nvSpPr>
+        <p:spPr/>
+        <p:txBody>
+          <a:bodyPr/>
+          <a:lstStyle/>
+          <a:p>
+            <a:fld id="{70D098F9-21D5-4043-97B3-04EE699CD3C2}" type="slidenum">
+              <a:rPr lang="zh-TW" altLang="en-US" smtClean="0"/>
+              <a:t>12</a:t>
+            </a:fld>
+            <a:endParaRPr lang="zh-TW" altLang="en-US"/>
+          </a:p>
+        </p:txBody>
+      </p:sp>
+    </p:spTree>
+    <p:extLst>
+      <p:ext uri="{BB962C8B-B14F-4D97-AF65-F5344CB8AC3E}">
+        <p14:creationId xmlns:p14="http://schemas.microsoft.com/office/powerpoint/2010/main" val="3858943955"/>
+      </p:ext>
+    </p:extLst>
+  </p:cSld>
+  <p:clrMapOvr>
+    <a:masterClrMapping/>
+  </p:clrMapOvr>
+</p:notes>
+</file>
+
 <file path=ppt/slideLayouts/slideLayout1.xml><?xml version="1.0" encoding="utf-8"?>
 <p:sldLayout xmlns:a="http://schemas.openxmlformats.org/drawingml/2006/main" xmlns:r="http://schemas.openxmlformats.org/officeDocument/2006/relationships" xmlns:p="http://schemas.openxmlformats.org/presentationml/2006/main" showMasterSp="0" type="title" preserve="1">
   <p:cSld name="標題投影片">
@@ -14024,7 +14479,7 @@
           <a:p>
             <a:fld id="{70B41AD2-F4B6-467E-B7C0-2C0CCA660A64}" type="datetimeFigureOut">
               <a:rPr lang="zh-TW" altLang="en-US" smtClean="0"/>
-              <a:t>2013/10/20</a:t>
+              <a:t>2013/10/24</a:t>
             </a:fld>
             <a:endParaRPr lang="zh-TW" altLang="en-US"/>
           </a:p>
@@ -14348,7 +14803,7 @@
           <a:p>
             <a:fld id="{70B41AD2-F4B6-467E-B7C0-2C0CCA660A64}" type="datetimeFigureOut">
               <a:rPr lang="zh-TW" altLang="en-US" smtClean="0"/>
-              <a:t>2013/10/20</a:t>
+              <a:t>2013/10/24</a:t>
             </a:fld>
             <a:endParaRPr lang="zh-TW" altLang="en-US"/>
           </a:p>
@@ -14596,7 +15051,7 @@
           <a:p>
             <a:fld id="{70B41AD2-F4B6-467E-B7C0-2C0CCA660A64}" type="datetimeFigureOut">
               <a:rPr lang="zh-TW" altLang="en-US" smtClean="0"/>
-              <a:t>2013/10/20</a:t>
+              <a:t>2013/10/24</a:t>
             </a:fld>
             <a:endParaRPr lang="zh-TW" altLang="en-US"/>
           </a:p>
@@ -14935,7 +15390,7 @@
           <a:p>
             <a:fld id="{70B41AD2-F4B6-467E-B7C0-2C0CCA660A64}" type="datetimeFigureOut">
               <a:rPr lang="zh-TW" altLang="en-US" smtClean="0"/>
-              <a:t>2013/10/20</a:t>
+              <a:t>2013/10/24</a:t>
             </a:fld>
             <a:endParaRPr lang="zh-TW" altLang="en-US"/>
           </a:p>
@@ -15282,7 +15737,7 @@
           <a:p>
             <a:fld id="{70B41AD2-F4B6-467E-B7C0-2C0CCA660A64}" type="datetimeFigureOut">
               <a:rPr lang="zh-TW" altLang="en-US" smtClean="0"/>
-              <a:t>2013/10/20</a:t>
+              <a:t>2013/10/24</a:t>
             </a:fld>
             <a:endParaRPr lang="zh-TW" altLang="en-US"/>
           </a:p>
@@ -15656,7 +16111,7 @@
           <a:p>
             <a:fld id="{70B41AD2-F4B6-467E-B7C0-2C0CCA660A64}" type="datetimeFigureOut">
               <a:rPr lang="zh-TW" altLang="en-US" smtClean="0"/>
-              <a:t>2013/10/20</a:t>
+              <a:t>2013/10/24</a:t>
             </a:fld>
             <a:endParaRPr lang="zh-TW" altLang="en-US"/>
           </a:p>
@@ -16126,7 +16581,7 @@
           <a:p>
             <a:fld id="{70B41AD2-F4B6-467E-B7C0-2C0CCA660A64}" type="datetimeFigureOut">
               <a:rPr lang="zh-TW" altLang="en-US" smtClean="0"/>
-              <a:t>2013/10/20</a:t>
+              <a:t>2013/10/24</a:t>
             </a:fld>
             <a:endParaRPr lang="zh-TW" altLang="en-US"/>
           </a:p>
@@ -16331,7 +16786,7 @@
           <a:p>
             <a:fld id="{70B41AD2-F4B6-467E-B7C0-2C0CCA660A64}" type="datetimeFigureOut">
               <a:rPr lang="zh-TW" altLang="en-US" smtClean="0"/>
-              <a:t>2013/10/20</a:t>
+              <a:t>2013/10/24</a:t>
             </a:fld>
             <a:endParaRPr lang="zh-TW" altLang="en-US"/>
           </a:p>
@@ -16542,7 +16997,7 @@
           <a:p>
             <a:fld id="{70B41AD2-F4B6-467E-B7C0-2C0CCA660A64}" type="datetimeFigureOut">
               <a:rPr lang="zh-TW" altLang="en-US" smtClean="0"/>
-              <a:t>2013/10/20</a:t>
+              <a:t>2013/10/24</a:t>
             </a:fld>
             <a:endParaRPr lang="zh-TW" altLang="en-US"/>
           </a:p>
@@ -16774,7 +17229,7 @@
           <a:p>
             <a:fld id="{70B41AD2-F4B6-467E-B7C0-2C0CCA660A64}" type="datetimeFigureOut">
               <a:rPr lang="zh-TW" altLang="en-US" smtClean="0"/>
-              <a:t>2013/10/20</a:t>
+              <a:t>2013/10/24</a:t>
             </a:fld>
             <a:endParaRPr lang="zh-TW" altLang="en-US"/>
           </a:p>
@@ -17022,7 +17477,7 @@
           <a:p>
             <a:fld id="{70B41AD2-F4B6-467E-B7C0-2C0CCA660A64}" type="datetimeFigureOut">
               <a:rPr lang="zh-TW" altLang="en-US" smtClean="0"/>
-              <a:t>2013/10/20</a:t>
+              <a:t>2013/10/24</a:t>
             </a:fld>
             <a:endParaRPr lang="zh-TW" altLang="en-US"/>
           </a:p>
@@ -17320,7 +17775,7 @@
           <a:p>
             <a:fld id="{70B41AD2-F4B6-467E-B7C0-2C0CCA660A64}" type="datetimeFigureOut">
               <a:rPr lang="zh-TW" altLang="en-US" smtClean="0"/>
-              <a:t>2013/10/20</a:t>
+              <a:t>2013/10/24</a:t>
             </a:fld>
             <a:endParaRPr lang="zh-TW" altLang="en-US"/>
           </a:p>
@@ -17714,7 +18169,7 @@
           <a:p>
             <a:fld id="{70B41AD2-F4B6-467E-B7C0-2C0CCA660A64}" type="datetimeFigureOut">
               <a:rPr lang="zh-TW" altLang="en-US" smtClean="0"/>
-              <a:t>2013/10/20</a:t>
+              <a:t>2013/10/24</a:t>
             </a:fld>
             <a:endParaRPr lang="zh-TW" altLang="en-US"/>
           </a:p>
@@ -17863,7 +18318,7 @@
           <a:p>
             <a:fld id="{70B41AD2-F4B6-467E-B7C0-2C0CCA660A64}" type="datetimeFigureOut">
               <a:rPr lang="zh-TW" altLang="en-US" smtClean="0"/>
-              <a:t>2013/10/20</a:t>
+              <a:t>2013/10/24</a:t>
             </a:fld>
             <a:endParaRPr lang="zh-TW" altLang="en-US"/>
           </a:p>
@@ -17989,7 +18444,7 @@
           <a:p>
             <a:fld id="{70B41AD2-F4B6-467E-B7C0-2C0CCA660A64}" type="datetimeFigureOut">
               <a:rPr lang="zh-TW" altLang="en-US" smtClean="0"/>
-              <a:t>2013/10/20</a:t>
+              <a:t>2013/10/24</a:t>
             </a:fld>
             <a:endParaRPr lang="zh-TW" altLang="en-US"/>
           </a:p>
@@ -18244,7 +18699,7 @@
           <a:p>
             <a:fld id="{70B41AD2-F4B6-467E-B7C0-2C0CCA660A64}" type="datetimeFigureOut">
               <a:rPr lang="zh-TW" altLang="en-US" smtClean="0"/>
-              <a:t>2013/10/20</a:t>
+              <a:t>2013/10/24</a:t>
             </a:fld>
             <a:endParaRPr lang="zh-TW" altLang="en-US"/>
           </a:p>
@@ -18559,7 +19014,7 @@
           <a:p>
             <a:fld id="{70B41AD2-F4B6-467E-B7C0-2C0CCA660A64}" type="datetimeFigureOut">
               <a:rPr lang="zh-TW" altLang="en-US" smtClean="0"/>
-              <a:t>2013/10/20</a:t>
+              <a:t>2013/10/24</a:t>
             </a:fld>
             <a:endParaRPr lang="zh-TW" altLang="en-US"/>
           </a:p>
@@ -18910,7 +19365,7 @@
           <a:p>
             <a:fld id="{70B41AD2-F4B6-467E-B7C0-2C0CCA660A64}" type="datetimeFigureOut">
               <a:rPr lang="zh-TW" altLang="en-US" smtClean="0"/>
-              <a:t>2013/10/20</a:t>
+              <a:t>2013/10/24</a:t>
             </a:fld>
             <a:endParaRPr lang="zh-TW" altLang="en-US"/>
           </a:p>
@@ -19524,21 +19979,7 @@
                 <a:ea typeface="+mn-ea"/>
                 <a:cs typeface="+mn-cs"/>
               </a:rPr>
-              <a:t>專題</a:t>
-            </a:r>
-            <a:r>
-              <a:rPr lang="zh-TW" altLang="zh-TW" sz="2000" kern="1200" dirty="0" smtClean="0">
-                <a:solidFill>
-                  <a:schemeClr val="tx1">
-                    <a:tint val="75000"/>
-                  </a:schemeClr>
-                </a:solidFill>
-                <a:effectLst/>
-                <a:latin typeface="+mn-lt"/>
-                <a:ea typeface="+mn-ea"/>
-                <a:cs typeface="+mn-cs"/>
-              </a:rPr>
-              <a:t>編號：</a:t>
+              <a:t>專題編號：</a:t>
             </a:r>
             <a:r>
               <a:rPr lang="en-US" altLang="zh-TW" sz="2000" kern="1200" dirty="0" smtClean="0">
@@ -19693,17 +20134,6 @@
               </a:rPr>
               <a:t>學期</a:t>
             </a:r>
-            <a:endParaRPr lang="zh-TW" altLang="zh-TW" sz="2000" kern="1200" dirty="0" smtClean="0">
-              <a:solidFill>
-                <a:schemeClr val="tx1">
-                  <a:tint val="75000"/>
-                </a:schemeClr>
-              </a:solidFill>
-              <a:effectLst/>
-              <a:latin typeface="+mn-lt"/>
-              <a:ea typeface="+mn-ea"/>
-              <a:cs typeface="+mn-cs"/>
-            </a:endParaRPr>
           </a:p>
           <a:p>
             <a:r>
@@ -19734,21 +20164,7 @@
                 <a:ea typeface="+mn-ea"/>
                 <a:cs typeface="+mn-cs"/>
               </a:rPr>
-              <a:t>專題參與</a:t>
-            </a:r>
-            <a:r>
-              <a:rPr lang="zh-TW" altLang="zh-TW" sz="2000" kern="1200" dirty="0" smtClean="0">
-                <a:solidFill>
-                  <a:schemeClr val="tx1">
-                    <a:tint val="75000"/>
-                  </a:schemeClr>
-                </a:solidFill>
-                <a:effectLst/>
-                <a:latin typeface="+mn-lt"/>
-                <a:ea typeface="+mn-ea"/>
-                <a:cs typeface="+mn-cs"/>
-              </a:rPr>
-              <a:t>人員</a:t>
+              <a:t>專題參與人員</a:t>
             </a:r>
             <a:endParaRPr lang="en-US" altLang="zh-TW" sz="2000" kern="1200" dirty="0" smtClean="0">
               <a:solidFill>
@@ -19854,6 +20270,209 @@
 </file>
 
 <file path=ppt/slides/slide10.xml><?xml version="1.0" encoding="utf-8"?>
+<p:sld xmlns:a="http://schemas.openxmlformats.org/drawingml/2006/main" xmlns:r="http://schemas.openxmlformats.org/officeDocument/2006/relationships" xmlns:p="http://schemas.openxmlformats.org/presentationml/2006/main">
+  <p:cSld>
+    <p:spTree>
+      <p:nvGrpSpPr>
+        <p:cNvPr id="1" name=""/>
+        <p:cNvGrpSpPr/>
+        <p:nvPr/>
+      </p:nvGrpSpPr>
+      <p:grpSpPr>
+        <a:xfrm>
+          <a:off x="0" y="0"/>
+          <a:ext cx="0" cy="0"/>
+          <a:chOff x="0" y="0"/>
+          <a:chExt cx="0" cy="0"/>
+        </a:xfrm>
+      </p:grpSpPr>
+      <p:sp>
+        <p:nvSpPr>
+          <p:cNvPr id="2" name="標題 1"/>
+          <p:cNvSpPr>
+            <a:spLocks noGrp="1"/>
+          </p:cNvSpPr>
+          <p:nvPr>
+            <p:ph type="title"/>
+          </p:nvPr>
+        </p:nvSpPr>
+        <p:spPr/>
+        <p:txBody>
+          <a:bodyPr>
+            <a:normAutofit/>
+          </a:bodyPr>
+          <a:lstStyle/>
+          <a:p>
+            <a:r>
+              <a:rPr lang="en-US" altLang="zh-TW" b="1" dirty="0" err="1" smtClean="0">
+                <a:solidFill>
+                  <a:schemeClr val="tx1"/>
+                </a:solidFill>
+              </a:rPr>
+              <a:t>EzWebChecker</a:t>
+            </a:r>
+            <a:endParaRPr lang="zh-TW" altLang="en-US" dirty="0"/>
+          </a:p>
+        </p:txBody>
+      </p:sp>
+      <p:pic>
+        <p:nvPicPr>
+          <p:cNvPr id="8" name="內容版面配置區 7"/>
+          <p:cNvPicPr>
+            <a:picLocks noGrp="1" noChangeAspect="1"/>
+          </p:cNvPicPr>
+          <p:nvPr>
+            <p:ph idx="1"/>
+          </p:nvPr>
+        </p:nvPicPr>
+        <p:blipFill>
+          <a:blip r:embed="rId2"/>
+          <a:stretch>
+            <a:fillRect/>
+          </a:stretch>
+        </p:blipFill>
+        <p:spPr>
+          <a:xfrm>
+            <a:off x="3555360" y="2557463"/>
+            <a:ext cx="5081279" cy="3317875"/>
+          </a:xfrm>
+          <a:prstGeom prst="rect">
+            <a:avLst/>
+          </a:prstGeom>
+        </p:spPr>
+      </p:pic>
+    </p:spTree>
+    <p:extLst>
+      <p:ext uri="{BB962C8B-B14F-4D97-AF65-F5344CB8AC3E}">
+        <p14:creationId xmlns:p14="http://schemas.microsoft.com/office/powerpoint/2010/main" val="124196207"/>
+      </p:ext>
+    </p:extLst>
+  </p:cSld>
+  <p:clrMapOvr>
+    <a:masterClrMapping/>
+  </p:clrMapOvr>
+  <p:timing>
+    <p:tnLst>
+      <p:par>
+        <p:cTn id="1" dur="indefinite" restart="never" nodeType="tmRoot"/>
+      </p:par>
+    </p:tnLst>
+  </p:timing>
+</p:sld>
+</file>
+
+<file path=ppt/slides/slide11.xml><?xml version="1.0" encoding="utf-8"?>
+<p:sld xmlns:a="http://schemas.openxmlformats.org/drawingml/2006/main" xmlns:r="http://schemas.openxmlformats.org/officeDocument/2006/relationships" xmlns:p="http://schemas.openxmlformats.org/presentationml/2006/main">
+  <p:cSld>
+    <p:spTree>
+      <p:nvGrpSpPr>
+        <p:cNvPr id="1" name=""/>
+        <p:cNvGrpSpPr/>
+        <p:nvPr/>
+      </p:nvGrpSpPr>
+      <p:grpSpPr>
+        <a:xfrm>
+          <a:off x="0" y="0"/>
+          <a:ext cx="0" cy="0"/>
+          <a:chOff x="0" y="0"/>
+          <a:chExt cx="0" cy="0"/>
+        </a:xfrm>
+      </p:grpSpPr>
+      <p:sp>
+        <p:nvSpPr>
+          <p:cNvPr id="2" name="標題 1"/>
+          <p:cNvSpPr>
+            <a:spLocks noGrp="1"/>
+          </p:cNvSpPr>
+          <p:nvPr>
+            <p:ph type="title"/>
+          </p:nvPr>
+        </p:nvSpPr>
+        <p:spPr/>
+        <p:txBody>
+          <a:bodyPr/>
+          <a:lstStyle/>
+          <a:p>
+            <a:r>
+              <a:rPr lang="en-US" altLang="zh-TW" dirty="0" err="1" smtClean="0"/>
+              <a:t>EzWebChecker</a:t>
+            </a:r>
+            <a:endParaRPr lang="zh-TW" altLang="en-US" dirty="0"/>
+          </a:p>
+        </p:txBody>
+      </p:sp>
+      <p:sp>
+        <p:nvSpPr>
+          <p:cNvPr id="3" name="內容版面配置區 2"/>
+          <p:cNvSpPr>
+            <a:spLocks noGrp="1"/>
+          </p:cNvSpPr>
+          <p:nvPr>
+            <p:ph idx="1"/>
+          </p:nvPr>
+        </p:nvSpPr>
+        <p:spPr/>
+        <p:txBody>
+          <a:bodyPr/>
+          <a:lstStyle/>
+          <a:p>
+            <a:pPr marL="0" indent="0">
+              <a:lnSpc>
+                <a:spcPct val="200000"/>
+              </a:lnSpc>
+              <a:buNone/>
+            </a:pPr>
+            <a:r>
+              <a:rPr lang="zh-TW" altLang="en-US" b="1" dirty="0" smtClean="0"/>
+              <a:t>主要流程圖</a:t>
+            </a:r>
+            <a:endParaRPr lang="zh-TW" altLang="en-US" b="1" dirty="0"/>
+          </a:p>
+        </p:txBody>
+      </p:sp>
+      <p:graphicFrame>
+        <p:nvGraphicFramePr>
+          <p:cNvPr id="6" name="資料庫圖表 5"/>
+          <p:cNvGraphicFramePr/>
+          <p:nvPr>
+            <p:extLst>
+              <p:ext uri="{D42A27DB-BD31-4B8C-83A1-F6EECF244321}">
+                <p14:modId xmlns:p14="http://schemas.microsoft.com/office/powerpoint/2010/main" val="2394754621"/>
+              </p:ext>
+            </p:extLst>
+          </p:nvPr>
+        </p:nvGraphicFramePr>
+        <p:xfrm>
+          <a:off x="2218545" y="2556932"/>
+          <a:ext cx="6595671" cy="3485095"/>
+        </p:xfrm>
+        <a:graphic>
+          <a:graphicData uri="http://schemas.openxmlformats.org/drawingml/2006/diagram">
+            <dgm:relIds xmlns:dgm="http://schemas.openxmlformats.org/drawingml/2006/diagram" xmlns:r="http://schemas.openxmlformats.org/officeDocument/2006/relationships" r:dm="rId2" r:lo="rId3" r:qs="rId4" r:cs="rId5"/>
+          </a:graphicData>
+        </a:graphic>
+      </p:graphicFrame>
+    </p:spTree>
+    <p:extLst>
+      <p:ext uri="{BB962C8B-B14F-4D97-AF65-F5344CB8AC3E}">
+        <p14:creationId xmlns:p14="http://schemas.microsoft.com/office/powerpoint/2010/main" val="3178160144"/>
+      </p:ext>
+    </p:extLst>
+  </p:cSld>
+  <p:clrMapOvr>
+    <a:masterClrMapping/>
+  </p:clrMapOvr>
+  <p:timing>
+    <p:tnLst>
+      <p:par>
+        <p:cTn id="1" dur="indefinite" restart="never" nodeType="tmRoot"/>
+      </p:par>
+    </p:tnLst>
+  </p:timing>
+</p:sld>
+</file>
+
+<file path=ppt/slides/slide12.xml><?xml version="1.0" encoding="utf-8"?>
 <p:sld xmlns:a="http://schemas.openxmlformats.org/drawingml/2006/main" xmlns:r="http://schemas.openxmlformats.org/officeDocument/2006/relationships" xmlns:p="http://schemas.openxmlformats.org/presentationml/2006/main">
   <p:cSld>
     <p:spTree>
@@ -19997,7 +20616,7 @@
         </p:xfrm>
         <a:graphic>
           <a:graphicData uri="http://schemas.openxmlformats.org/drawingml/2006/diagram">
-            <dgm:relIds xmlns:dgm="http://schemas.openxmlformats.org/drawingml/2006/diagram" xmlns:r="http://schemas.openxmlformats.org/officeDocument/2006/relationships" r:dm="rId2" r:lo="rId3" r:qs="rId4" r:cs="rId5"/>
+            <dgm:relIds xmlns:dgm="http://schemas.openxmlformats.org/drawingml/2006/diagram" xmlns:r="http://schemas.openxmlformats.org/officeDocument/2006/relationships" r:dm="rId3" r:lo="rId4" r:qs="rId5" r:cs="rId6"/>
           </a:graphicData>
         </a:graphic>
       </p:graphicFrame>
@@ -20021,7 +20640,7 @@
 </p:sld>
 </file>
 
-<file path=ppt/slides/slide11.xml><?xml version="1.0" encoding="utf-8"?>
+<file path=ppt/slides/slide13.xml><?xml version="1.0" encoding="utf-8"?>
 <p:sld xmlns:a="http://schemas.openxmlformats.org/drawingml/2006/main" xmlns:r="http://schemas.openxmlformats.org/officeDocument/2006/relationships" xmlns:p="http://schemas.openxmlformats.org/presentationml/2006/main">
   <p:cSld>
     <p:spTree>
@@ -20236,7 +20855,396 @@
 </p:sld>
 </file>
 
-<file path=ppt/slides/slide12.xml><?xml version="1.0" encoding="utf-8"?>
+<file path=ppt/slides/slide14.xml><?xml version="1.0" encoding="utf-8"?>
+<p:sld xmlns:a="http://schemas.openxmlformats.org/drawingml/2006/main" xmlns:r="http://schemas.openxmlformats.org/officeDocument/2006/relationships" xmlns:p="http://schemas.openxmlformats.org/presentationml/2006/main">
+  <p:cSld>
+    <p:spTree>
+      <p:nvGrpSpPr>
+        <p:cNvPr id="1" name=""/>
+        <p:cNvGrpSpPr/>
+        <p:nvPr/>
+      </p:nvGrpSpPr>
+      <p:grpSpPr>
+        <a:xfrm>
+          <a:off x="0" y="0"/>
+          <a:ext cx="0" cy="0"/>
+          <a:chOff x="0" y="0"/>
+          <a:chExt cx="0" cy="0"/>
+        </a:xfrm>
+      </p:grpSpPr>
+      <p:sp>
+        <p:nvSpPr>
+          <p:cNvPr id="2" name="標題 1"/>
+          <p:cNvSpPr>
+            <a:spLocks noGrp="1"/>
+          </p:cNvSpPr>
+          <p:nvPr>
+            <p:ph type="title"/>
+          </p:nvPr>
+        </p:nvSpPr>
+        <p:spPr/>
+        <p:txBody>
+          <a:bodyPr/>
+          <a:lstStyle/>
+          <a:p>
+            <a:r>
+              <a:rPr lang="zh-TW" altLang="en-US" dirty="0" smtClean="0"/>
+              <a:t>結論</a:t>
+            </a:r>
+            <a:endParaRPr lang="zh-TW" altLang="en-US" dirty="0"/>
+          </a:p>
+        </p:txBody>
+      </p:sp>
+      <p:sp>
+        <p:nvSpPr>
+          <p:cNvPr id="4" name="文字版面配置區 3"/>
+          <p:cNvSpPr>
+            <a:spLocks noGrp="1"/>
+          </p:cNvSpPr>
+          <p:nvPr>
+            <p:ph type="body" idx="1"/>
+          </p:nvPr>
+        </p:nvSpPr>
+        <p:spPr/>
+        <p:txBody>
+          <a:bodyPr/>
+          <a:lstStyle/>
+          <a:p>
+            <a:endParaRPr lang="zh-TW" altLang="en-US"/>
+          </a:p>
+        </p:txBody>
+      </p:sp>
+    </p:spTree>
+    <p:extLst>
+      <p:ext uri="{BB962C8B-B14F-4D97-AF65-F5344CB8AC3E}">
+        <p14:creationId xmlns:p14="http://schemas.microsoft.com/office/powerpoint/2010/main" val="2674560414"/>
+      </p:ext>
+    </p:extLst>
+  </p:cSld>
+  <p:clrMapOvr>
+    <a:masterClrMapping/>
+  </p:clrMapOvr>
+  <p:timing>
+    <p:tnLst>
+      <p:par>
+        <p:cTn id="1" dur="indefinite" restart="never" nodeType="tmRoot"/>
+      </p:par>
+    </p:tnLst>
+  </p:timing>
+</p:sld>
+</file>
+
+<file path=ppt/slides/slide15.xml><?xml version="1.0" encoding="utf-8"?>
+<p:sld xmlns:a="http://schemas.openxmlformats.org/drawingml/2006/main" xmlns:r="http://schemas.openxmlformats.org/officeDocument/2006/relationships" xmlns:p="http://schemas.openxmlformats.org/presentationml/2006/main">
+  <p:cSld>
+    <p:spTree>
+      <p:nvGrpSpPr>
+        <p:cNvPr id="1" name=""/>
+        <p:cNvGrpSpPr/>
+        <p:nvPr/>
+      </p:nvGrpSpPr>
+      <p:grpSpPr>
+        <a:xfrm>
+          <a:off x="0" y="0"/>
+          <a:ext cx="0" cy="0"/>
+          <a:chOff x="0" y="0"/>
+          <a:chExt cx="0" cy="0"/>
+        </a:xfrm>
+      </p:grpSpPr>
+      <p:sp>
+        <p:nvSpPr>
+          <p:cNvPr id="2" name="標題 1"/>
+          <p:cNvSpPr>
+            <a:spLocks noGrp="1"/>
+          </p:cNvSpPr>
+          <p:nvPr>
+            <p:ph type="title"/>
+          </p:nvPr>
+        </p:nvSpPr>
+        <p:spPr/>
+        <p:txBody>
+          <a:bodyPr/>
+          <a:lstStyle/>
+          <a:p>
+            <a:r>
+              <a:rPr lang="zh-TW" altLang="en-US" dirty="0" smtClean="0"/>
+              <a:t>參考文獻</a:t>
+            </a:r>
+            <a:endParaRPr lang="zh-TW" altLang="en-US" dirty="0"/>
+          </a:p>
+        </p:txBody>
+      </p:sp>
+      <p:sp>
+        <p:nvSpPr>
+          <p:cNvPr id="3" name="內容版面配置區 2"/>
+          <p:cNvSpPr>
+            <a:spLocks noGrp="1"/>
+          </p:cNvSpPr>
+          <p:nvPr>
+            <p:ph idx="1"/>
+          </p:nvPr>
+        </p:nvSpPr>
+        <p:spPr/>
+        <p:txBody>
+          <a:bodyPr>
+            <a:noAutofit/>
+          </a:bodyPr>
+          <a:lstStyle/>
+          <a:p>
+            <a:pPr>
+              <a:lnSpc>
+                <a:spcPct val="200000"/>
+              </a:lnSpc>
+            </a:pPr>
+            <a:r>
+              <a:rPr lang="en-US" altLang="zh-TW" sz="1600" b="1" kern="1200" dirty="0" smtClean="0">
+                <a:solidFill>
+                  <a:schemeClr val="tx1"/>
+                </a:solidFill>
+                <a:effectLst/>
+              </a:rPr>
+              <a:t>Comet Programing</a:t>
+            </a:r>
+            <a:r>
+              <a:rPr lang="en-US" altLang="zh-TW" sz="1600" dirty="0" smtClean="0">
+                <a:solidFill>
+                  <a:schemeClr val="tx1"/>
+                </a:solidFill>
+              </a:rPr>
+              <a:t>			</a:t>
+            </a:r>
+            <a:r>
+              <a:rPr lang="en-US" altLang="zh-TW" sz="1600" kern="1200" dirty="0" smtClean="0">
+                <a:solidFill>
+                  <a:schemeClr val="tx1"/>
+                </a:solidFill>
+                <a:effectLst/>
+                <a:hlinkClick r:id="rId2"/>
+              </a:rPr>
+              <a:t>www.en.wikipedia.org/wiki/Comet_(programming)</a:t>
+            </a:r>
+            <a:endParaRPr lang="zh-TW" altLang="zh-TW" sz="1600" kern="1200" dirty="0" smtClean="0">
+              <a:solidFill>
+                <a:schemeClr val="tx1"/>
+              </a:solidFill>
+              <a:effectLst/>
+            </a:endParaRPr>
+          </a:p>
+          <a:p>
+            <a:pPr>
+              <a:lnSpc>
+                <a:spcPct val="200000"/>
+              </a:lnSpc>
+            </a:pPr>
+            <a:r>
+              <a:rPr lang="en-US" altLang="zh-TW" sz="1600" b="1" kern="1200" dirty="0" err="1" smtClean="0">
+                <a:solidFill>
+                  <a:schemeClr val="tx1"/>
+                </a:solidFill>
+                <a:effectLst/>
+              </a:rPr>
+              <a:t>CodeIgniter</a:t>
+            </a:r>
+            <a:r>
+              <a:rPr lang="en-US" altLang="zh-TW" sz="1600" dirty="0">
+                <a:solidFill>
+                  <a:schemeClr val="tx1"/>
+                </a:solidFill>
+              </a:rPr>
+              <a:t>	</a:t>
+            </a:r>
+            <a:r>
+              <a:rPr lang="en-US" altLang="zh-TW" sz="1600" dirty="0" smtClean="0">
+                <a:solidFill>
+                  <a:schemeClr val="tx1"/>
+                </a:solidFill>
+              </a:rPr>
+              <a:t>				</a:t>
+            </a:r>
+            <a:r>
+              <a:rPr lang="en-US" altLang="zh-TW" sz="1600" kern="1200" dirty="0" smtClean="0">
+                <a:solidFill>
+                  <a:schemeClr val="tx1"/>
+                </a:solidFill>
+                <a:effectLst/>
+                <a:hlinkClick r:id="rId3"/>
+              </a:rPr>
+              <a:t>http://www.codeigniter.org.tw</a:t>
+            </a:r>
+            <a:endParaRPr lang="zh-TW" altLang="zh-TW" sz="1600" kern="1200" dirty="0" smtClean="0">
+              <a:solidFill>
+                <a:schemeClr val="tx1"/>
+              </a:solidFill>
+              <a:effectLst/>
+            </a:endParaRPr>
+          </a:p>
+          <a:p>
+            <a:pPr>
+              <a:lnSpc>
+                <a:spcPct val="200000"/>
+              </a:lnSpc>
+            </a:pPr>
+            <a:r>
+              <a:rPr lang="en-US" altLang="zh-TW" sz="1600" b="1" kern="1200" dirty="0" smtClean="0">
+                <a:solidFill>
+                  <a:schemeClr val="tx1"/>
+                </a:solidFill>
+                <a:effectLst/>
+              </a:rPr>
+              <a:t>Bootstrap</a:t>
+            </a:r>
+            <a:r>
+              <a:rPr lang="en-US" altLang="zh-TW" sz="1600" b="1" dirty="0">
+                <a:solidFill>
+                  <a:schemeClr val="tx1"/>
+                </a:solidFill>
+              </a:rPr>
+              <a:t>	</a:t>
+            </a:r>
+            <a:r>
+              <a:rPr lang="en-US" altLang="zh-TW" sz="1600" dirty="0" smtClean="0">
+                <a:solidFill>
+                  <a:schemeClr val="tx1"/>
+                </a:solidFill>
+              </a:rPr>
+              <a:t>				</a:t>
+            </a:r>
+            <a:r>
+              <a:rPr lang="en-US" altLang="zh-TW" sz="1600" kern="1200" dirty="0" smtClean="0">
+                <a:solidFill>
+                  <a:schemeClr val="tx1"/>
+                </a:solidFill>
+                <a:effectLst/>
+                <a:hlinkClick r:id="rId4"/>
+              </a:rPr>
+              <a:t>http://getbootstrap.com/</a:t>
+            </a:r>
+            <a:endParaRPr lang="zh-TW" altLang="zh-TW" sz="1600" kern="1200" dirty="0" smtClean="0">
+              <a:solidFill>
+                <a:schemeClr val="tx1"/>
+              </a:solidFill>
+              <a:effectLst/>
+            </a:endParaRPr>
+          </a:p>
+          <a:p>
+            <a:pPr>
+              <a:lnSpc>
+                <a:spcPct val="200000"/>
+              </a:lnSpc>
+            </a:pPr>
+            <a:r>
+              <a:rPr lang="en-US" altLang="zh-TW" sz="1600" b="1" kern="1200" dirty="0" smtClean="0">
+                <a:solidFill>
+                  <a:schemeClr val="tx1"/>
+                </a:solidFill>
+                <a:effectLst/>
+              </a:rPr>
+              <a:t>HTML5 Canvas</a:t>
+            </a:r>
+            <a:r>
+              <a:rPr lang="en-US" altLang="zh-TW" sz="1600" b="1" dirty="0">
+                <a:solidFill>
+                  <a:schemeClr val="tx1"/>
+                </a:solidFill>
+              </a:rPr>
+              <a:t>	</a:t>
+            </a:r>
+            <a:r>
+              <a:rPr lang="en-US" altLang="zh-TW" sz="1600" dirty="0" smtClean="0">
+                <a:solidFill>
+                  <a:schemeClr val="tx1"/>
+                </a:solidFill>
+              </a:rPr>
+              <a:t>			</a:t>
+            </a:r>
+            <a:r>
+              <a:rPr lang="en-US" altLang="zh-TW" sz="1600" kern="1200" dirty="0" smtClean="0">
+                <a:solidFill>
+                  <a:schemeClr val="tx1"/>
+                </a:solidFill>
+                <a:effectLst/>
+                <a:hlinkClick r:id="rId5"/>
+              </a:rPr>
+              <a:t>http://www.w3schools.com/tags/ref_can vas.asp</a:t>
+            </a:r>
+            <a:endParaRPr lang="zh-TW" altLang="zh-TW" sz="1600" kern="1200" dirty="0" smtClean="0">
+              <a:solidFill>
+                <a:schemeClr val="tx1"/>
+              </a:solidFill>
+              <a:effectLst/>
+            </a:endParaRPr>
+          </a:p>
+          <a:p>
+            <a:pPr>
+              <a:lnSpc>
+                <a:spcPct val="200000"/>
+              </a:lnSpc>
+            </a:pPr>
+            <a:r>
+              <a:rPr lang="en-US" altLang="zh-TW" sz="1600" b="1" kern="1200" dirty="0" smtClean="0">
+                <a:solidFill>
+                  <a:schemeClr val="tx1"/>
+                </a:solidFill>
+                <a:effectLst/>
+              </a:rPr>
+              <a:t>HTML5 Server Sent Events</a:t>
+            </a:r>
+            <a:r>
+              <a:rPr lang="en-US" altLang="zh-TW" sz="1600" dirty="0">
+                <a:solidFill>
+                  <a:schemeClr val="tx1"/>
+                </a:solidFill>
+              </a:rPr>
+              <a:t>	</a:t>
+            </a:r>
+            <a:r>
+              <a:rPr lang="en-US" altLang="zh-TW" sz="1600" dirty="0" smtClean="0">
+                <a:solidFill>
+                  <a:schemeClr val="tx1"/>
+                </a:solidFill>
+              </a:rPr>
+              <a:t>	</a:t>
+            </a:r>
+            <a:r>
+              <a:rPr lang="en-US" altLang="zh-TW" sz="1600" kern="1200" dirty="0" smtClean="0">
+                <a:solidFill>
+                  <a:schemeClr val="tx1"/>
+                </a:solidFill>
+                <a:effectLst/>
+                <a:hlinkClick r:id="rId6"/>
+              </a:rPr>
+              <a:t>http://www.w3schools.com/html/html5_serversentevents.asp</a:t>
+            </a:r>
+            <a:endParaRPr lang="zh-TW" altLang="zh-TW" sz="1600" kern="1200" dirty="0" smtClean="0">
+              <a:solidFill>
+                <a:schemeClr val="tx1"/>
+              </a:solidFill>
+              <a:effectLst/>
+            </a:endParaRPr>
+          </a:p>
+        </p:txBody>
+      </p:sp>
+    </p:spTree>
+    <p:extLst>
+      <p:ext uri="{BB962C8B-B14F-4D97-AF65-F5344CB8AC3E}">
+        <p14:creationId xmlns:p14="http://schemas.microsoft.com/office/powerpoint/2010/main" val="2199283846"/>
+      </p:ext>
+    </p:extLst>
+  </p:cSld>
+  <p:clrMapOvr>
+    <a:masterClrMapping/>
+  </p:clrMapOvr>
+  <p:timing>
+    <p:tnLst>
+      <p:par>
+        <p:cTn id="1" dur="indefinite" restart="never" nodeType="tmRoot"/>
+      </p:par>
+    </p:tnLst>
+  </p:timing>
+</p:sld>
+</file>
+
+<file path=ppt/slides/slide16.xml><?xml version="1.0" encoding="utf-8"?>
 <p:sld xmlns:a="http://schemas.openxmlformats.org/drawingml/2006/main" xmlns:r="http://schemas.openxmlformats.org/officeDocument/2006/relationships" xmlns:p="http://schemas.openxmlformats.org/presentationml/2006/main">
   <p:cSld>
     <p:spTree>
@@ -20318,531 +21326,6 @@
 </p:sld>
 </file>
 
-<file path=ppt/slides/slide13.xml><?xml version="1.0" encoding="utf-8"?>
-<p:sld xmlns:a="http://schemas.openxmlformats.org/drawingml/2006/main" xmlns:r="http://schemas.openxmlformats.org/officeDocument/2006/relationships" xmlns:p="http://schemas.openxmlformats.org/presentationml/2006/main">
-  <p:cSld>
-    <p:spTree>
-      <p:nvGrpSpPr>
-        <p:cNvPr id="1" name=""/>
-        <p:cNvGrpSpPr/>
-        <p:nvPr/>
-      </p:nvGrpSpPr>
-      <p:grpSpPr>
-        <a:xfrm>
-          <a:off x="0" y="0"/>
-          <a:ext cx="0" cy="0"/>
-          <a:chOff x="0" y="0"/>
-          <a:chExt cx="0" cy="0"/>
-        </a:xfrm>
-      </p:grpSpPr>
-      <p:sp>
-        <p:nvSpPr>
-          <p:cNvPr id="2" name="標題 1"/>
-          <p:cNvSpPr>
-            <a:spLocks noGrp="1"/>
-          </p:cNvSpPr>
-          <p:nvPr>
-            <p:ph type="title"/>
-          </p:nvPr>
-        </p:nvSpPr>
-        <p:spPr/>
-        <p:txBody>
-          <a:bodyPr/>
-          <a:lstStyle/>
-          <a:p>
-            <a:r>
-              <a:rPr lang="zh-TW" altLang="en-US" dirty="0" smtClean="0"/>
-              <a:t>結論</a:t>
-            </a:r>
-            <a:endParaRPr lang="zh-TW" altLang="en-US" dirty="0"/>
-          </a:p>
-        </p:txBody>
-      </p:sp>
-      <p:sp>
-        <p:nvSpPr>
-          <p:cNvPr id="3" name="內容版面配置區 2"/>
-          <p:cNvSpPr>
-            <a:spLocks noGrp="1"/>
-          </p:cNvSpPr>
-          <p:nvPr>
-            <p:ph idx="1"/>
-          </p:nvPr>
-        </p:nvSpPr>
-        <p:spPr/>
-        <p:txBody>
-          <a:bodyPr>
-            <a:normAutofit fontScale="92500"/>
-          </a:bodyPr>
-          <a:lstStyle/>
-          <a:p>
-            <a:pPr marL="0" marR="0" indent="0" algn="l" defTabSz="914400" rtl="0" eaLnBrk="1" fontAlgn="auto" latinLnBrk="0" hangingPunct="1">
-              <a:lnSpc>
-                <a:spcPct val="200000"/>
-              </a:lnSpc>
-              <a:spcBef>
-                <a:spcPts val="1000"/>
-              </a:spcBef>
-              <a:spcAft>
-                <a:spcPts val="0"/>
-              </a:spcAft>
-              <a:buClrTx/>
-              <a:buSzTx/>
-              <a:buNone/>
-              <a:tabLst/>
-              <a:defRPr/>
-            </a:pPr>
-            <a:r>
-              <a:rPr lang="en-US" altLang="zh-TW" sz="2800" kern="1200" dirty="0" err="1" smtClean="0">
-                <a:solidFill>
-                  <a:schemeClr val="tx1"/>
-                </a:solidFill>
-                <a:effectLst/>
-                <a:latin typeface="+mn-lt"/>
-                <a:ea typeface="+mn-ea"/>
-                <a:cs typeface="+mn-cs"/>
-              </a:rPr>
-              <a:t>EzWebGame</a:t>
-            </a:r>
-            <a:r>
-              <a:rPr lang="zh-TW" altLang="zh-TW" sz="2800" kern="1200" dirty="0" smtClean="0">
-                <a:solidFill>
-                  <a:schemeClr val="tx1"/>
-                </a:solidFill>
-                <a:effectLst/>
-                <a:latin typeface="+mn-lt"/>
-                <a:ea typeface="+mn-ea"/>
-                <a:cs typeface="+mn-cs"/>
-              </a:rPr>
-              <a:t>成功的提供一個方便開發前端網頁遊戲的架框。不過讓開發者能減少在後端心力的同時，也意味著大部分程式碼會暴露在前端上。該如何確保安全性是一個值得後續研究的議題。</a:t>
-            </a:r>
-          </a:p>
-        </p:txBody>
-      </p:sp>
-    </p:spTree>
-    <p:extLst>
-      <p:ext uri="{BB962C8B-B14F-4D97-AF65-F5344CB8AC3E}">
-        <p14:creationId xmlns:p14="http://schemas.microsoft.com/office/powerpoint/2010/main" val="2674560414"/>
-      </p:ext>
-    </p:extLst>
-  </p:cSld>
-  <p:clrMapOvr>
-    <a:masterClrMapping/>
-  </p:clrMapOvr>
-  <p:timing>
-    <p:tnLst>
-      <p:par>
-        <p:cTn id="1" dur="indefinite" restart="never" nodeType="tmRoot"/>
-      </p:par>
-    </p:tnLst>
-  </p:timing>
-</p:sld>
-</file>
-
-<file path=ppt/slides/slide14.xml><?xml version="1.0" encoding="utf-8"?>
-<p:sld xmlns:a="http://schemas.openxmlformats.org/drawingml/2006/main" xmlns:r="http://schemas.openxmlformats.org/officeDocument/2006/relationships" xmlns:p="http://schemas.openxmlformats.org/presentationml/2006/main">
-  <p:cSld>
-    <p:spTree>
-      <p:nvGrpSpPr>
-        <p:cNvPr id="1" name=""/>
-        <p:cNvGrpSpPr/>
-        <p:nvPr/>
-      </p:nvGrpSpPr>
-      <p:grpSpPr>
-        <a:xfrm>
-          <a:off x="0" y="0"/>
-          <a:ext cx="0" cy="0"/>
-          <a:chOff x="0" y="0"/>
-          <a:chExt cx="0" cy="0"/>
-        </a:xfrm>
-      </p:grpSpPr>
-      <p:sp>
-        <p:nvSpPr>
-          <p:cNvPr id="2" name="標題 1"/>
-          <p:cNvSpPr>
-            <a:spLocks noGrp="1"/>
-          </p:cNvSpPr>
-          <p:nvPr>
-            <p:ph type="title"/>
-          </p:nvPr>
-        </p:nvSpPr>
-        <p:spPr/>
-        <p:txBody>
-          <a:bodyPr/>
-          <a:lstStyle/>
-          <a:p>
-            <a:r>
-              <a:rPr lang="zh-TW" altLang="en-US" dirty="0" smtClean="0"/>
-              <a:t>參考文獻</a:t>
-            </a:r>
-            <a:endParaRPr lang="zh-TW" altLang="en-US" dirty="0"/>
-          </a:p>
-        </p:txBody>
-      </p:sp>
-      <p:sp>
-        <p:nvSpPr>
-          <p:cNvPr id="3" name="內容版面配置區 2"/>
-          <p:cNvSpPr>
-            <a:spLocks noGrp="1"/>
-          </p:cNvSpPr>
-          <p:nvPr>
-            <p:ph idx="1"/>
-          </p:nvPr>
-        </p:nvSpPr>
-        <p:spPr/>
-        <p:txBody>
-          <a:bodyPr>
-            <a:noAutofit/>
-          </a:bodyPr>
-          <a:lstStyle/>
-          <a:p>
-            <a:pPr>
-              <a:lnSpc>
-                <a:spcPct val="200000"/>
-              </a:lnSpc>
-            </a:pPr>
-            <a:r>
-              <a:rPr lang="en-US" altLang="zh-TW" sz="1600" b="1" kern="1200" dirty="0" smtClean="0">
-                <a:solidFill>
-                  <a:schemeClr val="tx1"/>
-                </a:solidFill>
-                <a:effectLst/>
-              </a:rPr>
-              <a:t>Comet </a:t>
-            </a:r>
-            <a:r>
-              <a:rPr lang="en-US" altLang="zh-TW" sz="1600" b="1" kern="1200" dirty="0" smtClean="0">
-                <a:solidFill>
-                  <a:schemeClr val="tx1"/>
-                </a:solidFill>
-                <a:effectLst/>
-              </a:rPr>
-              <a:t>Programing</a:t>
-            </a:r>
-            <a:r>
-              <a:rPr lang="en-US" altLang="zh-TW" sz="1600" dirty="0" smtClean="0">
-                <a:solidFill>
-                  <a:schemeClr val="tx1"/>
-                </a:solidFill>
-              </a:rPr>
-              <a:t>	</a:t>
-            </a:r>
-            <a:r>
-              <a:rPr lang="en-US" altLang="zh-TW" sz="1600" dirty="0" smtClean="0">
-                <a:solidFill>
-                  <a:schemeClr val="tx1"/>
-                </a:solidFill>
-              </a:rPr>
-              <a:t>		</a:t>
-            </a:r>
-            <a:r>
-              <a:rPr lang="en-US" altLang="zh-TW" sz="1600" kern="1200" dirty="0" smtClean="0">
-                <a:solidFill>
-                  <a:schemeClr val="tx1"/>
-                </a:solidFill>
-                <a:effectLst/>
-                <a:hlinkClick r:id="rId2"/>
-              </a:rPr>
-              <a:t>www.en.wikipedia.org/wiki/Comet</a:t>
-            </a:r>
-            <a:r>
-              <a:rPr lang="en-US" altLang="zh-TW" sz="1600" kern="1200" dirty="0" smtClean="0">
-                <a:solidFill>
-                  <a:schemeClr val="tx1"/>
-                </a:solidFill>
-                <a:effectLst/>
-                <a:hlinkClick r:id="rId2"/>
-              </a:rPr>
-              <a:t>_(programming)</a:t>
-            </a:r>
-            <a:endParaRPr lang="zh-TW" altLang="zh-TW" sz="1600" kern="1200" dirty="0" smtClean="0">
-              <a:solidFill>
-                <a:schemeClr val="tx1"/>
-              </a:solidFill>
-              <a:effectLst/>
-            </a:endParaRPr>
-          </a:p>
-          <a:p>
-            <a:pPr>
-              <a:lnSpc>
-                <a:spcPct val="200000"/>
-              </a:lnSpc>
-            </a:pPr>
-            <a:r>
-              <a:rPr lang="en-US" altLang="zh-TW" sz="1600" b="1" kern="1200" dirty="0" err="1" smtClean="0">
-                <a:solidFill>
-                  <a:schemeClr val="tx1"/>
-                </a:solidFill>
-                <a:effectLst/>
-              </a:rPr>
-              <a:t>CodeIgniter</a:t>
-            </a:r>
-            <a:r>
-              <a:rPr lang="en-US" altLang="zh-TW" sz="1600" dirty="0">
-                <a:solidFill>
-                  <a:schemeClr val="tx1"/>
-                </a:solidFill>
-              </a:rPr>
-              <a:t>	</a:t>
-            </a:r>
-            <a:r>
-              <a:rPr lang="en-US" altLang="zh-TW" sz="1600" dirty="0" smtClean="0">
-                <a:solidFill>
-                  <a:schemeClr val="tx1"/>
-                </a:solidFill>
-              </a:rPr>
-              <a:t>				</a:t>
-            </a:r>
-            <a:r>
-              <a:rPr lang="en-US" altLang="zh-TW" sz="1600" kern="1200" dirty="0" smtClean="0">
-                <a:solidFill>
-                  <a:schemeClr val="tx1"/>
-                </a:solidFill>
-                <a:effectLst/>
-                <a:hlinkClick r:id="rId3"/>
-              </a:rPr>
-              <a:t>http</a:t>
-            </a:r>
-            <a:r>
-              <a:rPr lang="en-US" altLang="zh-TW" sz="1600" kern="1200" dirty="0" smtClean="0">
-                <a:solidFill>
-                  <a:schemeClr val="tx1"/>
-                </a:solidFill>
-                <a:effectLst/>
-                <a:hlinkClick r:id="rId3"/>
-              </a:rPr>
-              <a:t>://www.codeigniter.org.tw</a:t>
-            </a:r>
-            <a:endParaRPr lang="zh-TW" altLang="zh-TW" sz="1600" kern="1200" dirty="0" smtClean="0">
-              <a:solidFill>
-                <a:schemeClr val="tx1"/>
-              </a:solidFill>
-              <a:effectLst/>
-            </a:endParaRPr>
-          </a:p>
-          <a:p>
-            <a:pPr>
-              <a:lnSpc>
-                <a:spcPct val="200000"/>
-              </a:lnSpc>
-            </a:pPr>
-            <a:r>
-              <a:rPr lang="en-US" altLang="zh-TW" sz="1600" b="1" kern="1200" dirty="0" smtClean="0">
-                <a:solidFill>
-                  <a:schemeClr val="tx1"/>
-                </a:solidFill>
-                <a:effectLst/>
-              </a:rPr>
-              <a:t>Bootstrap</a:t>
-            </a:r>
-            <a:r>
-              <a:rPr lang="en-US" altLang="zh-TW" sz="1600" b="1" dirty="0">
-                <a:solidFill>
-                  <a:schemeClr val="tx1"/>
-                </a:solidFill>
-              </a:rPr>
-              <a:t>	</a:t>
-            </a:r>
-            <a:r>
-              <a:rPr lang="en-US" altLang="zh-TW" sz="1600" dirty="0" smtClean="0">
-                <a:solidFill>
-                  <a:schemeClr val="tx1"/>
-                </a:solidFill>
-              </a:rPr>
-              <a:t>				</a:t>
-            </a:r>
-            <a:r>
-              <a:rPr lang="en-US" altLang="zh-TW" sz="1600" kern="1200" dirty="0" smtClean="0">
-                <a:solidFill>
-                  <a:schemeClr val="tx1"/>
-                </a:solidFill>
-                <a:effectLst/>
-                <a:hlinkClick r:id="rId4"/>
-              </a:rPr>
-              <a:t>http</a:t>
-            </a:r>
-            <a:r>
-              <a:rPr lang="en-US" altLang="zh-TW" sz="1600" kern="1200" dirty="0" smtClean="0">
-                <a:solidFill>
-                  <a:schemeClr val="tx1"/>
-                </a:solidFill>
-                <a:effectLst/>
-                <a:hlinkClick r:id="rId4"/>
-              </a:rPr>
-              <a:t>://getbootstrap.com/</a:t>
-            </a:r>
-            <a:endParaRPr lang="zh-TW" altLang="zh-TW" sz="1600" kern="1200" dirty="0" smtClean="0">
-              <a:solidFill>
-                <a:schemeClr val="tx1"/>
-              </a:solidFill>
-              <a:effectLst/>
-            </a:endParaRPr>
-          </a:p>
-          <a:p>
-            <a:pPr>
-              <a:lnSpc>
-                <a:spcPct val="200000"/>
-              </a:lnSpc>
-            </a:pPr>
-            <a:r>
-              <a:rPr lang="en-US" altLang="zh-TW" sz="1600" b="1" kern="1200" dirty="0" smtClean="0">
-                <a:solidFill>
-                  <a:schemeClr val="tx1"/>
-                </a:solidFill>
-                <a:effectLst/>
-              </a:rPr>
-              <a:t>HTML5 </a:t>
-            </a:r>
-            <a:r>
-              <a:rPr lang="en-US" altLang="zh-TW" sz="1600" b="1" kern="1200" dirty="0" smtClean="0">
-                <a:solidFill>
-                  <a:schemeClr val="tx1"/>
-                </a:solidFill>
-                <a:effectLst/>
-              </a:rPr>
-              <a:t>Canvas</a:t>
-            </a:r>
-            <a:r>
-              <a:rPr lang="en-US" altLang="zh-TW" sz="1600" b="1" dirty="0">
-                <a:solidFill>
-                  <a:schemeClr val="tx1"/>
-                </a:solidFill>
-              </a:rPr>
-              <a:t>	</a:t>
-            </a:r>
-            <a:r>
-              <a:rPr lang="en-US" altLang="zh-TW" sz="1600" dirty="0" smtClean="0">
-                <a:solidFill>
-                  <a:schemeClr val="tx1"/>
-                </a:solidFill>
-              </a:rPr>
-              <a:t>			</a:t>
-            </a:r>
-            <a:r>
-              <a:rPr lang="en-US" altLang="zh-TW" sz="1600" kern="1200" dirty="0" smtClean="0">
-                <a:solidFill>
-                  <a:schemeClr val="tx1"/>
-                </a:solidFill>
-                <a:effectLst/>
-                <a:hlinkClick r:id="rId5"/>
-              </a:rPr>
-              <a:t>http</a:t>
-            </a:r>
-            <a:r>
-              <a:rPr lang="en-US" altLang="zh-TW" sz="1600" kern="1200" dirty="0" smtClean="0">
-                <a:solidFill>
-                  <a:schemeClr val="tx1"/>
-                </a:solidFill>
-                <a:effectLst/>
-                <a:hlinkClick r:id="rId5"/>
-              </a:rPr>
-              <a:t>://www.w3schools.com/tags/ref_can vas.asp</a:t>
-            </a:r>
-            <a:endParaRPr lang="zh-TW" altLang="zh-TW" sz="1600" kern="1200" dirty="0" smtClean="0">
-              <a:solidFill>
-                <a:schemeClr val="tx1"/>
-              </a:solidFill>
-              <a:effectLst/>
-            </a:endParaRPr>
-          </a:p>
-          <a:p>
-            <a:pPr>
-              <a:lnSpc>
-                <a:spcPct val="200000"/>
-              </a:lnSpc>
-            </a:pPr>
-            <a:r>
-              <a:rPr lang="en-US" altLang="zh-TW" sz="1600" b="1" kern="1200" dirty="0" smtClean="0">
-                <a:solidFill>
-                  <a:schemeClr val="tx1"/>
-                </a:solidFill>
-                <a:effectLst/>
-              </a:rPr>
-              <a:t>HTML5 Server Sent </a:t>
-            </a:r>
-            <a:r>
-              <a:rPr lang="en-US" altLang="zh-TW" sz="1600" b="1" kern="1200" dirty="0" smtClean="0">
-                <a:solidFill>
-                  <a:schemeClr val="tx1"/>
-                </a:solidFill>
-                <a:effectLst/>
-              </a:rPr>
-              <a:t>Events</a:t>
-            </a:r>
-            <a:r>
-              <a:rPr lang="en-US" altLang="zh-TW" sz="1600" dirty="0">
-                <a:solidFill>
-                  <a:schemeClr val="tx1"/>
-                </a:solidFill>
-              </a:rPr>
-              <a:t>	</a:t>
-            </a:r>
-            <a:r>
-              <a:rPr lang="en-US" altLang="zh-TW" sz="1600" dirty="0" smtClean="0">
-                <a:solidFill>
-                  <a:schemeClr val="tx1"/>
-                </a:solidFill>
-              </a:rPr>
-              <a:t>	</a:t>
-            </a:r>
-            <a:r>
-              <a:rPr lang="en-US" altLang="zh-TW" sz="1600" kern="1200" dirty="0" smtClean="0">
-                <a:solidFill>
-                  <a:schemeClr val="tx1"/>
-                </a:solidFill>
-                <a:effectLst/>
-                <a:hlinkClick r:id="rId6"/>
-              </a:rPr>
-              <a:t>http</a:t>
-            </a:r>
-            <a:r>
-              <a:rPr lang="en-US" altLang="zh-TW" sz="1600" kern="1200" dirty="0" smtClean="0">
-                <a:solidFill>
-                  <a:schemeClr val="tx1"/>
-                </a:solidFill>
-                <a:effectLst/>
-                <a:hlinkClick r:id="rId6"/>
-              </a:rPr>
-              <a:t>://</a:t>
-            </a:r>
-            <a:r>
-              <a:rPr lang="en-US" altLang="zh-TW" sz="1600" kern="1200" dirty="0" smtClean="0">
-                <a:solidFill>
-                  <a:schemeClr val="tx1"/>
-                </a:solidFill>
-                <a:effectLst/>
-                <a:hlinkClick r:id="rId6"/>
-              </a:rPr>
-              <a:t>www.w3schools.com/html/html5_serversentevents.asp</a:t>
-            </a:r>
-            <a:endParaRPr lang="zh-TW" altLang="zh-TW" sz="1600" kern="1200" dirty="0" smtClean="0">
-              <a:solidFill>
-                <a:schemeClr val="tx1"/>
-              </a:solidFill>
-              <a:effectLst/>
-            </a:endParaRPr>
-          </a:p>
-        </p:txBody>
-      </p:sp>
-    </p:spTree>
-    <p:extLst>
-      <p:ext uri="{BB962C8B-B14F-4D97-AF65-F5344CB8AC3E}">
-        <p14:creationId xmlns:p14="http://schemas.microsoft.com/office/powerpoint/2010/main" val="2199283846"/>
-      </p:ext>
-    </p:extLst>
-  </p:cSld>
-  <p:clrMapOvr>
-    <a:masterClrMapping/>
-  </p:clrMapOvr>
-  <p:timing>
-    <p:tnLst>
-      <p:par>
-        <p:cTn id="1" dur="indefinite" restart="never" nodeType="tmRoot"/>
-      </p:par>
-    </p:tnLst>
-  </p:timing>
-</p:sld>
-</file>
-
 <file path=ppt/slides/slide2.xml><?xml version="1.0" encoding="utf-8"?>
 <p:sld xmlns:a="http://schemas.openxmlformats.org/drawingml/2006/main" xmlns:r="http://schemas.openxmlformats.org/officeDocument/2006/relationships" xmlns:p="http://schemas.openxmlformats.org/presentationml/2006/main">
   <p:cSld>
@@ -20862,6 +21345,52 @@
       </p:grpSpPr>
       <p:sp>
         <p:nvSpPr>
+          <p:cNvPr id="9" name="矩形 8"/>
+          <p:cNvSpPr/>
+          <p:nvPr/>
+        </p:nvSpPr>
+        <p:spPr>
+          <a:xfrm>
+            <a:off x="4781858" y="2488367"/>
+            <a:ext cx="5306522" cy="3057994"/>
+          </a:xfrm>
+          <a:prstGeom prst="rect">
+            <a:avLst/>
+          </a:prstGeom>
+          <a:solidFill>
+            <a:srgbClr val="CCFFFF"/>
+          </a:solidFill>
+          <a:ln>
+            <a:solidFill>
+              <a:srgbClr val="FFFF00"/>
+            </a:solidFill>
+          </a:ln>
+        </p:spPr>
+        <p:style>
+          <a:lnRef idx="1">
+            <a:schemeClr val="dk1"/>
+          </a:lnRef>
+          <a:fillRef idx="2">
+            <a:schemeClr val="dk1"/>
+          </a:fillRef>
+          <a:effectRef idx="1">
+            <a:schemeClr val="dk1"/>
+          </a:effectRef>
+          <a:fontRef idx="minor">
+            <a:schemeClr val="dk1"/>
+          </a:fontRef>
+        </p:style>
+        <p:txBody>
+          <a:bodyPr rtlCol="0" anchor="ctr"/>
+          <a:lstStyle/>
+          <a:p>
+            <a:pPr algn="ctr"/>
+            <a:endParaRPr lang="zh-TW" altLang="en-US"/>
+          </a:p>
+        </p:txBody>
+      </p:sp>
+      <p:sp>
+        <p:nvSpPr>
           <p:cNvPr id="2" name="標題 1"/>
           <p:cNvSpPr>
             <a:spLocks noGrp="1"/>
@@ -20876,8 +21405,16 @@
           <a:lstStyle/>
           <a:p>
             <a:r>
+              <a:rPr lang="en-US" altLang="zh-TW" dirty="0" smtClean="0"/>
+              <a:t>Web</a:t>
+            </a:r>
+            <a:r>
               <a:rPr lang="zh-TW" altLang="en-US" dirty="0" smtClean="0"/>
-              <a:t>緣由與目的</a:t>
+              <a:t> </a:t>
+            </a:r>
+            <a:r>
+              <a:rPr lang="en-US" altLang="zh-TW" dirty="0" smtClean="0"/>
+              <a:t>Game</a:t>
             </a:r>
             <a:endParaRPr lang="zh-TW" altLang="en-US" dirty="0"/>
           </a:p>
@@ -20885,75 +21422,293 @@
       </p:sp>
       <p:sp>
         <p:nvSpPr>
-          <p:cNvPr id="5" name="文字版面配置區 4"/>
-          <p:cNvSpPr>
-            <a:spLocks noGrp="1"/>
-          </p:cNvSpPr>
-          <p:nvPr>
-            <p:ph type="body" idx="4294967295"/>
-          </p:nvPr>
+          <p:cNvPr id="3" name="橢圓 2"/>
+          <p:cNvSpPr/>
+          <p:nvPr/>
         </p:nvSpPr>
         <p:spPr>
           <a:xfrm>
-            <a:off x="1295402" y="2473376"/>
-            <a:ext cx="9601196" cy="3882453"/>
+            <a:off x="4866805" y="2683239"/>
+            <a:ext cx="2458387" cy="1184223"/>
           </a:xfrm>
+          <a:prstGeom prst="ellipse">
+            <a:avLst/>
+          </a:prstGeom>
+        </p:spPr>
+        <p:style>
+          <a:lnRef idx="3">
+            <a:schemeClr val="lt1"/>
+          </a:lnRef>
+          <a:fillRef idx="1">
+            <a:schemeClr val="accent3"/>
+          </a:fillRef>
+          <a:effectRef idx="1">
+            <a:schemeClr val="accent3"/>
+          </a:effectRef>
+          <a:fontRef idx="minor">
+            <a:schemeClr val="lt1"/>
+          </a:fontRef>
+        </p:style>
+        <p:txBody>
+          <a:bodyPr rtlCol="0" anchor="ctr"/>
+          <a:lstStyle/>
+          <a:p>
+            <a:pPr algn="ctr"/>
+            <a:r>
+              <a:rPr lang="zh-TW" altLang="en-US" dirty="0" smtClean="0"/>
+              <a:t>登入認證</a:t>
+            </a:r>
+            <a:endParaRPr lang="zh-TW" altLang="en-US" dirty="0"/>
+          </a:p>
+        </p:txBody>
+      </p:sp>
+      <p:sp>
+        <p:nvSpPr>
+          <p:cNvPr id="4" name="橢圓 3"/>
+          <p:cNvSpPr/>
+          <p:nvPr/>
+        </p:nvSpPr>
+        <p:spPr>
+          <a:xfrm>
+            <a:off x="4866805" y="4049839"/>
+            <a:ext cx="2458387" cy="1184223"/>
+          </a:xfrm>
+          <a:prstGeom prst="ellipse">
+            <a:avLst/>
+          </a:prstGeom>
+        </p:spPr>
+        <p:style>
+          <a:lnRef idx="3">
+            <a:schemeClr val="lt1"/>
+          </a:lnRef>
+          <a:fillRef idx="1">
+            <a:schemeClr val="accent3"/>
+          </a:fillRef>
+          <a:effectRef idx="1">
+            <a:schemeClr val="accent3"/>
+          </a:effectRef>
+          <a:fontRef idx="minor">
+            <a:schemeClr val="lt1"/>
+          </a:fontRef>
+        </p:style>
+        <p:txBody>
+          <a:bodyPr rtlCol="0" anchor="ctr"/>
+          <a:lstStyle/>
+          <a:p>
+            <a:pPr algn="ctr"/>
+            <a:r>
+              <a:rPr lang="zh-TW" altLang="en-US" dirty="0" smtClean="0"/>
+              <a:t>訊息交換</a:t>
+            </a:r>
+            <a:endParaRPr lang="zh-TW" altLang="en-US" dirty="0"/>
+          </a:p>
+        </p:txBody>
+      </p:sp>
+      <p:sp>
+        <p:nvSpPr>
+          <p:cNvPr id="5" name="橢圓 4"/>
+          <p:cNvSpPr/>
+          <p:nvPr/>
+        </p:nvSpPr>
+        <p:spPr>
+          <a:xfrm>
+            <a:off x="2323473" y="2683239"/>
+            <a:ext cx="2458387" cy="1184223"/>
+          </a:xfrm>
+          <a:prstGeom prst="ellipse">
+            <a:avLst/>
+          </a:prstGeom>
+        </p:spPr>
+        <p:style>
+          <a:lnRef idx="3">
+            <a:schemeClr val="lt1"/>
+          </a:lnRef>
+          <a:fillRef idx="1">
+            <a:schemeClr val="accent3"/>
+          </a:fillRef>
+          <a:effectRef idx="1">
+            <a:schemeClr val="accent3"/>
+          </a:effectRef>
+          <a:fontRef idx="minor">
+            <a:schemeClr val="lt1"/>
+          </a:fontRef>
+        </p:style>
+        <p:txBody>
+          <a:bodyPr rtlCol="0" anchor="ctr"/>
+          <a:lstStyle/>
+          <a:p>
+            <a:pPr algn="ctr"/>
+            <a:r>
+              <a:rPr lang="en-US" altLang="zh-TW" dirty="0" smtClean="0"/>
+              <a:t>UI/UX</a:t>
+            </a:r>
+            <a:endParaRPr lang="zh-TW" altLang="en-US" dirty="0"/>
+          </a:p>
+        </p:txBody>
+      </p:sp>
+      <p:sp>
+        <p:nvSpPr>
+          <p:cNvPr id="6" name="橢圓 5"/>
+          <p:cNvSpPr/>
+          <p:nvPr/>
+        </p:nvSpPr>
+        <p:spPr>
+          <a:xfrm>
+            <a:off x="2323471" y="4049840"/>
+            <a:ext cx="2458387" cy="1184223"/>
+          </a:xfrm>
+          <a:prstGeom prst="ellipse">
+            <a:avLst/>
+          </a:prstGeom>
+        </p:spPr>
+        <p:style>
+          <a:lnRef idx="3">
+            <a:schemeClr val="lt1"/>
+          </a:lnRef>
+          <a:fillRef idx="1">
+            <a:schemeClr val="accent3"/>
+          </a:fillRef>
+          <a:effectRef idx="1">
+            <a:schemeClr val="accent3"/>
+          </a:effectRef>
+          <a:fontRef idx="minor">
+            <a:schemeClr val="lt1"/>
+          </a:fontRef>
+        </p:style>
+        <p:txBody>
+          <a:bodyPr rtlCol="0" anchor="ctr"/>
+          <a:lstStyle/>
+          <a:p>
+            <a:pPr algn="ctr"/>
+            <a:r>
+              <a:rPr lang="zh-TW" altLang="en-US" dirty="0" smtClean="0"/>
+              <a:t>遊戲內</a:t>
+            </a:r>
+            <a:r>
+              <a:rPr lang="zh-TW" altLang="en-US" dirty="0"/>
+              <a:t>容</a:t>
+            </a:r>
+          </a:p>
+        </p:txBody>
+      </p:sp>
+      <p:sp>
+        <p:nvSpPr>
+          <p:cNvPr id="7" name="橢圓 6"/>
+          <p:cNvSpPr/>
+          <p:nvPr/>
+        </p:nvSpPr>
+        <p:spPr>
+          <a:xfrm>
+            <a:off x="7410137" y="2683239"/>
+            <a:ext cx="2458387" cy="1184223"/>
+          </a:xfrm>
+          <a:prstGeom prst="ellipse">
+            <a:avLst/>
+          </a:prstGeom>
+        </p:spPr>
+        <p:style>
+          <a:lnRef idx="3">
+            <a:schemeClr val="lt1"/>
+          </a:lnRef>
+          <a:fillRef idx="1">
+            <a:schemeClr val="accent3"/>
+          </a:fillRef>
+          <a:effectRef idx="1">
+            <a:schemeClr val="accent3"/>
+          </a:effectRef>
+          <a:fontRef idx="minor">
+            <a:schemeClr val="lt1"/>
+          </a:fontRef>
+        </p:style>
+        <p:txBody>
+          <a:bodyPr rtlCol="0" anchor="ctr"/>
+          <a:lstStyle/>
+          <a:p>
+            <a:pPr algn="ctr"/>
+            <a:r>
+              <a:rPr lang="zh-TW" altLang="en-US" dirty="0" smtClean="0"/>
+              <a:t>房間管理</a:t>
+            </a:r>
+            <a:endParaRPr lang="zh-TW" altLang="en-US" dirty="0"/>
+          </a:p>
+        </p:txBody>
+      </p:sp>
+      <p:sp>
+        <p:nvSpPr>
+          <p:cNvPr id="8" name="橢圓 7"/>
+          <p:cNvSpPr/>
+          <p:nvPr/>
+        </p:nvSpPr>
+        <p:spPr>
+          <a:xfrm>
+            <a:off x="7410137" y="4049840"/>
+            <a:ext cx="2458387" cy="1184223"/>
+          </a:xfrm>
+          <a:prstGeom prst="ellipse">
+            <a:avLst/>
+          </a:prstGeom>
+        </p:spPr>
+        <p:style>
+          <a:lnRef idx="3">
+            <a:schemeClr val="lt1"/>
+          </a:lnRef>
+          <a:fillRef idx="1">
+            <a:schemeClr val="accent3"/>
+          </a:fillRef>
+          <a:effectRef idx="1">
+            <a:schemeClr val="accent3"/>
+          </a:effectRef>
+          <a:fontRef idx="minor">
+            <a:schemeClr val="lt1"/>
+          </a:fontRef>
+        </p:style>
+        <p:txBody>
+          <a:bodyPr rtlCol="0" anchor="ctr"/>
+          <a:lstStyle/>
+          <a:p>
+            <a:pPr algn="ctr"/>
+            <a:r>
+              <a:rPr lang="zh-TW" altLang="en-US" dirty="0" smtClean="0"/>
+              <a:t>回合控制</a:t>
+            </a:r>
+            <a:endParaRPr lang="zh-TW" altLang="en-US" dirty="0"/>
+          </a:p>
+        </p:txBody>
+      </p:sp>
+      <p:sp>
+        <p:nvSpPr>
+          <p:cNvPr id="10" name="文字方塊 9"/>
+          <p:cNvSpPr txBox="1"/>
+          <p:nvPr/>
+        </p:nvSpPr>
+        <p:spPr>
+          <a:xfrm>
+            <a:off x="4107301" y="1249344"/>
+            <a:ext cx="2203559" cy="769441"/>
+          </a:xfrm>
+          <a:prstGeom prst="rect">
+            <a:avLst/>
+          </a:prstGeom>
+          <a:noFill/>
         </p:spPr>
         <p:txBody>
-          <a:bodyPr/>
+          <a:bodyPr wrap="square" rtlCol="0">
+            <a:spAutoFit/>
+          </a:bodyPr>
           <a:lstStyle/>
           <a:p>
-            <a:pPr marL="0" indent="0">
-              <a:lnSpc>
-                <a:spcPct val="200000"/>
-              </a:lnSpc>
-              <a:buNone/>
-            </a:pPr>
             <a:r>
-              <a:rPr lang="en-US" altLang="zh-TW" dirty="0" smtClean="0"/>
-              <a:t>	</a:t>
+              <a:rPr lang="en-US" altLang="zh-TW" sz="4400" dirty="0" err="1" smtClean="0"/>
+              <a:t>Ez</a:t>
             </a:r>
-            <a:r>
-              <a:rPr lang="zh-TW" altLang="en-US" dirty="0" smtClean="0"/>
-              <a:t>隨著</a:t>
-            </a:r>
-            <a:r>
-              <a:rPr lang="en-US" altLang="zh-TW" dirty="0" smtClean="0"/>
-              <a:t>Web Game</a:t>
-            </a:r>
-            <a:r>
-              <a:rPr lang="zh-TW" altLang="en-US" dirty="0" smtClean="0"/>
-              <a:t>的流行以及</a:t>
-            </a:r>
-            <a:r>
-              <a:rPr lang="en-US" altLang="zh-TW" dirty="0" smtClean="0"/>
-              <a:t>HTML5 2D Canvas</a:t>
-            </a:r>
-            <a:r>
-              <a:rPr lang="zh-TW" altLang="en-US" dirty="0" smtClean="0"/>
-              <a:t>技術的崛起，開發者對於快速開發網頁遊戲的需求趨於明顯。我們想要建構一個平台，讓開發者能夠很輕易並快速的開發網頁遊戲。於是</a:t>
-            </a:r>
-            <a:r>
-              <a:rPr lang="en-US" altLang="zh-TW" dirty="0" err="1" smtClean="0"/>
-              <a:t>EzWebGame</a:t>
-            </a:r>
-            <a:r>
-              <a:rPr lang="zh-TW" altLang="en-US" dirty="0" smtClean="0"/>
-              <a:t>因此誕生了。</a:t>
-            </a:r>
-          </a:p>
-          <a:p>
-            <a:pPr marL="0" indent="0">
-              <a:buNone/>
-            </a:pPr>
-            <a:endParaRPr lang="zh-TW" altLang="en-US" dirty="0"/>
+            <a:endParaRPr lang="zh-TW" altLang="en-US" sz="4400" dirty="0"/>
           </a:p>
         </p:txBody>
       </p:sp>
     </p:spTree>
     <p:extLst>
       <p:ext uri="{BB962C8B-B14F-4D97-AF65-F5344CB8AC3E}">
-        <p14:creationId xmlns:p14="http://schemas.microsoft.com/office/powerpoint/2010/main" val="1146544805"/>
+        <p14:creationId xmlns:p14="http://schemas.microsoft.com/office/powerpoint/2010/main" val="3009653602"/>
       </p:ext>
     </p:extLst>
   </p:cSld>
@@ -20963,9 +21718,358 @@
   <p:timing>
     <p:tnLst>
       <p:par>
-        <p:cTn id="1" dur="indefinite" restart="never" nodeType="tmRoot"/>
+        <p:cTn id="1" dur="indefinite" restart="never" nodeType="tmRoot">
+          <p:childTnLst>
+            <p:seq concurrent="1" nextAc="seek">
+              <p:cTn id="2" dur="indefinite" nodeType="mainSeq">
+                <p:childTnLst>
+                  <p:par>
+                    <p:cTn id="3" fill="hold">
+                      <p:stCondLst>
+                        <p:cond delay="indefinite"/>
+                      </p:stCondLst>
+                      <p:childTnLst>
+                        <p:par>
+                          <p:cTn id="4" fill="hold">
+                            <p:stCondLst>
+                              <p:cond delay="0"/>
+                            </p:stCondLst>
+                            <p:childTnLst>
+                              <p:par>
+                                <p:cTn id="5" presetID="16" presetClass="entr" presetSubtype="21" fill="hold" grpId="0" nodeType="clickEffect">
+                                  <p:stCondLst>
+                                    <p:cond delay="0"/>
+                                  </p:stCondLst>
+                                  <p:childTnLst>
+                                    <p:set>
+                                      <p:cBhvr>
+                                        <p:cTn id="6" dur="1" fill="hold">
+                                          <p:stCondLst>
+                                            <p:cond delay="0"/>
+                                          </p:stCondLst>
+                                        </p:cTn>
+                                        <p:tgtEl>
+                                          <p:spTgt spid="3"/>
+                                        </p:tgtEl>
+                                        <p:attrNameLst>
+                                          <p:attrName>style.visibility</p:attrName>
+                                        </p:attrNameLst>
+                                      </p:cBhvr>
+                                      <p:to>
+                                        <p:strVal val="visible"/>
+                                      </p:to>
+                                    </p:set>
+                                    <p:animEffect transition="in" filter="barn(inVertical)">
+                                      <p:cBhvr>
+                                        <p:cTn id="7" dur="500"/>
+                                        <p:tgtEl>
+                                          <p:spTgt spid="3"/>
+                                        </p:tgtEl>
+                                      </p:cBhvr>
+                                    </p:animEffect>
+                                  </p:childTnLst>
+                                </p:cTn>
+                              </p:par>
+                              <p:par>
+                                <p:cTn id="8" presetID="16" presetClass="entr" presetSubtype="21" fill="hold" grpId="0" nodeType="withEffect">
+                                  <p:stCondLst>
+                                    <p:cond delay="0"/>
+                                  </p:stCondLst>
+                                  <p:childTnLst>
+                                    <p:set>
+                                      <p:cBhvr>
+                                        <p:cTn id="9" dur="1" fill="hold">
+                                          <p:stCondLst>
+                                            <p:cond delay="0"/>
+                                          </p:stCondLst>
+                                        </p:cTn>
+                                        <p:tgtEl>
+                                          <p:spTgt spid="4"/>
+                                        </p:tgtEl>
+                                        <p:attrNameLst>
+                                          <p:attrName>style.visibility</p:attrName>
+                                        </p:attrNameLst>
+                                      </p:cBhvr>
+                                      <p:to>
+                                        <p:strVal val="visible"/>
+                                      </p:to>
+                                    </p:set>
+                                    <p:animEffect transition="in" filter="barn(inVertical)">
+                                      <p:cBhvr>
+                                        <p:cTn id="10" dur="500"/>
+                                        <p:tgtEl>
+                                          <p:spTgt spid="4"/>
+                                        </p:tgtEl>
+                                      </p:cBhvr>
+                                    </p:animEffect>
+                                  </p:childTnLst>
+                                </p:cTn>
+                              </p:par>
+                              <p:par>
+                                <p:cTn id="11" presetID="16" presetClass="entr" presetSubtype="21" fill="hold" grpId="0" nodeType="withEffect">
+                                  <p:stCondLst>
+                                    <p:cond delay="0"/>
+                                  </p:stCondLst>
+                                  <p:childTnLst>
+                                    <p:set>
+                                      <p:cBhvr>
+                                        <p:cTn id="12" dur="1" fill="hold">
+                                          <p:stCondLst>
+                                            <p:cond delay="0"/>
+                                          </p:stCondLst>
+                                        </p:cTn>
+                                        <p:tgtEl>
+                                          <p:spTgt spid="5"/>
+                                        </p:tgtEl>
+                                        <p:attrNameLst>
+                                          <p:attrName>style.visibility</p:attrName>
+                                        </p:attrNameLst>
+                                      </p:cBhvr>
+                                      <p:to>
+                                        <p:strVal val="visible"/>
+                                      </p:to>
+                                    </p:set>
+                                    <p:animEffect transition="in" filter="barn(inVertical)">
+                                      <p:cBhvr>
+                                        <p:cTn id="13" dur="500"/>
+                                        <p:tgtEl>
+                                          <p:spTgt spid="5"/>
+                                        </p:tgtEl>
+                                      </p:cBhvr>
+                                    </p:animEffect>
+                                  </p:childTnLst>
+                                </p:cTn>
+                              </p:par>
+                              <p:par>
+                                <p:cTn id="14" presetID="16" presetClass="entr" presetSubtype="21" fill="hold" grpId="0" nodeType="withEffect">
+                                  <p:stCondLst>
+                                    <p:cond delay="0"/>
+                                  </p:stCondLst>
+                                  <p:childTnLst>
+                                    <p:set>
+                                      <p:cBhvr>
+                                        <p:cTn id="15" dur="1" fill="hold">
+                                          <p:stCondLst>
+                                            <p:cond delay="0"/>
+                                          </p:stCondLst>
+                                        </p:cTn>
+                                        <p:tgtEl>
+                                          <p:spTgt spid="6"/>
+                                        </p:tgtEl>
+                                        <p:attrNameLst>
+                                          <p:attrName>style.visibility</p:attrName>
+                                        </p:attrNameLst>
+                                      </p:cBhvr>
+                                      <p:to>
+                                        <p:strVal val="visible"/>
+                                      </p:to>
+                                    </p:set>
+                                    <p:animEffect transition="in" filter="barn(inVertical)">
+                                      <p:cBhvr>
+                                        <p:cTn id="16" dur="500"/>
+                                        <p:tgtEl>
+                                          <p:spTgt spid="6"/>
+                                        </p:tgtEl>
+                                      </p:cBhvr>
+                                    </p:animEffect>
+                                  </p:childTnLst>
+                                </p:cTn>
+                              </p:par>
+                              <p:par>
+                                <p:cTn id="17" presetID="16" presetClass="entr" presetSubtype="21" fill="hold" grpId="0" nodeType="withEffect">
+                                  <p:stCondLst>
+                                    <p:cond delay="0"/>
+                                  </p:stCondLst>
+                                  <p:childTnLst>
+                                    <p:set>
+                                      <p:cBhvr>
+                                        <p:cTn id="18" dur="1" fill="hold">
+                                          <p:stCondLst>
+                                            <p:cond delay="0"/>
+                                          </p:stCondLst>
+                                        </p:cTn>
+                                        <p:tgtEl>
+                                          <p:spTgt spid="7"/>
+                                        </p:tgtEl>
+                                        <p:attrNameLst>
+                                          <p:attrName>style.visibility</p:attrName>
+                                        </p:attrNameLst>
+                                      </p:cBhvr>
+                                      <p:to>
+                                        <p:strVal val="visible"/>
+                                      </p:to>
+                                    </p:set>
+                                    <p:animEffect transition="in" filter="barn(inVertical)">
+                                      <p:cBhvr>
+                                        <p:cTn id="19" dur="500"/>
+                                        <p:tgtEl>
+                                          <p:spTgt spid="7"/>
+                                        </p:tgtEl>
+                                      </p:cBhvr>
+                                    </p:animEffect>
+                                  </p:childTnLst>
+                                </p:cTn>
+                              </p:par>
+                              <p:par>
+                                <p:cTn id="20" presetID="16" presetClass="entr" presetSubtype="21" fill="hold" grpId="0" nodeType="withEffect">
+                                  <p:stCondLst>
+                                    <p:cond delay="0"/>
+                                  </p:stCondLst>
+                                  <p:childTnLst>
+                                    <p:set>
+                                      <p:cBhvr>
+                                        <p:cTn id="21" dur="1" fill="hold">
+                                          <p:stCondLst>
+                                            <p:cond delay="0"/>
+                                          </p:stCondLst>
+                                        </p:cTn>
+                                        <p:tgtEl>
+                                          <p:spTgt spid="8"/>
+                                        </p:tgtEl>
+                                        <p:attrNameLst>
+                                          <p:attrName>style.visibility</p:attrName>
+                                        </p:attrNameLst>
+                                      </p:cBhvr>
+                                      <p:to>
+                                        <p:strVal val="visible"/>
+                                      </p:to>
+                                    </p:set>
+                                    <p:animEffect transition="in" filter="barn(inVertical)">
+                                      <p:cBhvr>
+                                        <p:cTn id="22" dur="500"/>
+                                        <p:tgtEl>
+                                          <p:spTgt spid="8"/>
+                                        </p:tgtEl>
+                                      </p:cBhvr>
+                                    </p:animEffect>
+                                  </p:childTnLst>
+                                </p:cTn>
+                              </p:par>
+                            </p:childTnLst>
+                          </p:cTn>
+                        </p:par>
+                      </p:childTnLst>
+                    </p:cTn>
+                  </p:par>
+                  <p:par>
+                    <p:cTn id="23" fill="hold">
+                      <p:stCondLst>
+                        <p:cond delay="indefinite"/>
+                      </p:stCondLst>
+                      <p:childTnLst>
+                        <p:par>
+                          <p:cTn id="24" fill="hold">
+                            <p:stCondLst>
+                              <p:cond delay="0"/>
+                            </p:stCondLst>
+                            <p:childTnLst>
+                              <p:par>
+                                <p:cTn id="25" presetID="10" presetClass="entr" presetSubtype="0" fill="hold" grpId="0" nodeType="clickEffect">
+                                  <p:stCondLst>
+                                    <p:cond delay="0"/>
+                                  </p:stCondLst>
+                                  <p:childTnLst>
+                                    <p:set>
+                                      <p:cBhvr>
+                                        <p:cTn id="26" dur="1" fill="hold">
+                                          <p:stCondLst>
+                                            <p:cond delay="0"/>
+                                          </p:stCondLst>
+                                        </p:cTn>
+                                        <p:tgtEl>
+                                          <p:spTgt spid="10"/>
+                                        </p:tgtEl>
+                                        <p:attrNameLst>
+                                          <p:attrName>style.visibility</p:attrName>
+                                        </p:attrNameLst>
+                                      </p:cBhvr>
+                                      <p:to>
+                                        <p:strVal val="visible"/>
+                                      </p:to>
+                                    </p:set>
+                                    <p:animEffect transition="in" filter="fade">
+                                      <p:cBhvr>
+                                        <p:cTn id="27" dur="500"/>
+                                        <p:tgtEl>
+                                          <p:spTgt spid="10"/>
+                                        </p:tgtEl>
+                                      </p:cBhvr>
+                                    </p:animEffect>
+                                  </p:childTnLst>
+                                </p:cTn>
+                              </p:par>
+                              <p:par>
+                                <p:cTn id="28" presetID="10" presetClass="entr" presetSubtype="0" fill="hold" grpId="0" nodeType="withEffect">
+                                  <p:stCondLst>
+                                    <p:cond delay="0"/>
+                                  </p:stCondLst>
+                                  <p:childTnLst>
+                                    <p:set>
+                                      <p:cBhvr>
+                                        <p:cTn id="29" dur="1" fill="hold">
+                                          <p:stCondLst>
+                                            <p:cond delay="0"/>
+                                          </p:stCondLst>
+                                        </p:cTn>
+                                        <p:tgtEl>
+                                          <p:spTgt spid="9"/>
+                                        </p:tgtEl>
+                                        <p:attrNameLst>
+                                          <p:attrName>style.visibility</p:attrName>
+                                        </p:attrNameLst>
+                                      </p:cBhvr>
+                                      <p:to>
+                                        <p:strVal val="visible"/>
+                                      </p:to>
+                                    </p:set>
+                                    <p:animEffect transition="in" filter="fade">
+                                      <p:cBhvr>
+                                        <p:cTn id="30" dur="500"/>
+                                        <p:tgtEl>
+                                          <p:spTgt spid="9"/>
+                                        </p:tgtEl>
+                                      </p:cBhvr>
+                                    </p:animEffect>
+                                  </p:childTnLst>
+                                </p:cTn>
+                              </p:par>
+                            </p:childTnLst>
+                          </p:cTn>
+                        </p:par>
+                      </p:childTnLst>
+                    </p:cTn>
+                  </p:par>
+                </p:childTnLst>
+              </p:cTn>
+              <p:prevCondLst>
+                <p:cond evt="onPrev" delay="0">
+                  <p:tgtEl>
+                    <p:sldTgt/>
+                  </p:tgtEl>
+                </p:cond>
+              </p:prevCondLst>
+              <p:nextCondLst>
+                <p:cond evt="onNext" delay="0">
+                  <p:tgtEl>
+                    <p:sldTgt/>
+                  </p:tgtEl>
+                </p:cond>
+              </p:nextCondLst>
+            </p:seq>
+          </p:childTnLst>
+        </p:cTn>
       </p:par>
     </p:tnLst>
+    <p:bldLst>
+      <p:bldP spid="9" grpId="0" animBg="1"/>
+      <p:bldP spid="3" grpId="0" animBg="1"/>
+      <p:bldP spid="4" grpId="0" animBg="1"/>
+      <p:bldP spid="5" grpId="0" animBg="1"/>
+      <p:bldP spid="6" grpId="0" animBg="1"/>
+      <p:bldP spid="7" grpId="0" animBg="1"/>
+      <p:bldP spid="8" grpId="0" animBg="1"/>
+      <p:bldP spid="10" grpId="0"/>
+    </p:bldLst>
   </p:timing>
 </p:sld>
 </file>
@@ -20999,186 +22103,55 @@
         </p:nvSpPr>
         <p:spPr/>
         <p:txBody>
-          <a:bodyPr>
-            <a:normAutofit/>
-          </a:bodyPr>
+          <a:bodyPr/>
           <a:lstStyle/>
           <a:p>
             <a:r>
-              <a:rPr lang="zh-TW" altLang="en-US" dirty="0" smtClean="0"/>
-              <a:t>緣由與目的</a:t>
+              <a:rPr lang="en-US" altLang="zh-TW" dirty="0" err="1" smtClean="0"/>
+              <a:t>EzWebGame</a:t>
+            </a:r>
+            <a:r>
+              <a:rPr lang="en-US" altLang="zh-TW" dirty="0" smtClean="0"/>
+              <a:t> Web</a:t>
             </a:r>
             <a:endParaRPr lang="zh-TW" altLang="en-US" dirty="0"/>
           </a:p>
         </p:txBody>
       </p:sp>
-      <p:sp>
-        <p:nvSpPr>
-          <p:cNvPr id="3" name="文字版面配置區 2"/>
-          <p:cNvSpPr>
-            <a:spLocks noGrp="1"/>
-          </p:cNvSpPr>
-          <p:nvPr>
-            <p:ph type="body" idx="4294967295"/>
-          </p:nvPr>
-        </p:nvSpPr>
+      <p:pic>
+        <p:nvPicPr>
+          <p:cNvPr id="5" name="圖片 4" descr="畫面剪輯"/>
+          <p:cNvPicPr>
+            <a:picLocks noChangeAspect="1"/>
+          </p:cNvPicPr>
+          <p:nvPr/>
+        </p:nvPicPr>
+        <p:blipFill>
+          <a:blip r:embed="rId2">
+            <a:extLst>
+              <a:ext uri="{28A0092B-C50C-407E-A947-70E740481C1C}">
+                <a14:useLocalDpi xmlns:a14="http://schemas.microsoft.com/office/drawing/2010/main" val="0"/>
+              </a:ext>
+            </a:extLst>
+          </a:blip>
+          <a:stretch>
+            <a:fillRect/>
+          </a:stretch>
+        </p:blipFill>
         <p:spPr>
           <a:xfrm>
-            <a:off x="1295402" y="2506662"/>
-            <a:ext cx="9601196" cy="3699266"/>
+            <a:off x="2800605" y="2509097"/>
+            <a:ext cx="6590790" cy="3591899"/>
           </a:xfrm>
+          <a:prstGeom prst="rect">
+            <a:avLst/>
+          </a:prstGeom>
         </p:spPr>
-        <p:txBody>
-          <a:bodyPr/>
-          <a:lstStyle/>
-          <a:p>
-            <a:pPr marL="0" marR="0" indent="0" algn="l" defTabSz="914400" rtl="0" eaLnBrk="1" fontAlgn="auto" latinLnBrk="0" hangingPunct="1">
-              <a:lnSpc>
-                <a:spcPct val="200000"/>
-              </a:lnSpc>
-              <a:spcBef>
-                <a:spcPts val="1000"/>
-              </a:spcBef>
-              <a:spcAft>
-                <a:spcPts val="0"/>
-              </a:spcAft>
-              <a:buClrTx/>
-              <a:buSzTx/>
-              <a:buFont typeface="Arial" panose="020B0604020202020204" pitchFamily="34" charset="0"/>
-              <a:buNone/>
-              <a:tabLst/>
-              <a:defRPr/>
-            </a:pPr>
-            <a:r>
-              <a:rPr lang="en-US" altLang="zh-TW" sz="2800" kern="1200" dirty="0" smtClean="0">
-                <a:solidFill>
-                  <a:schemeClr val="tx1"/>
-                </a:solidFill>
-                <a:effectLst/>
-                <a:latin typeface="+mn-lt"/>
-                <a:ea typeface="+mn-ea"/>
-                <a:cs typeface="+mn-cs"/>
-              </a:rPr>
-              <a:t>	</a:t>
-            </a:r>
-            <a:r>
-              <a:rPr lang="zh-TW" altLang="zh-TW" sz="2800" kern="1200" dirty="0" smtClean="0">
-                <a:solidFill>
-                  <a:schemeClr val="tx1"/>
-                </a:solidFill>
-                <a:effectLst/>
-                <a:latin typeface="+mn-lt"/>
-                <a:ea typeface="+mn-ea"/>
-                <a:cs typeface="+mn-cs"/>
-              </a:rPr>
-              <a:t>建</a:t>
-            </a:r>
-            <a:r>
-              <a:rPr lang="zh-TW" altLang="zh-TW" sz="2800" kern="1200" dirty="0" smtClean="0">
-                <a:solidFill>
-                  <a:schemeClr val="tx1"/>
-                </a:solidFill>
-                <a:effectLst/>
-                <a:latin typeface="+mn-lt"/>
-                <a:ea typeface="+mn-ea"/>
-                <a:cs typeface="+mn-cs"/>
-              </a:rPr>
-              <a:t>構一個對開發者友善的平台。將繁複的</a:t>
-            </a:r>
-            <a:r>
-              <a:rPr lang="en-US" altLang="zh-TW" sz="2800" kern="1200" dirty="0" smtClean="0">
-                <a:solidFill>
-                  <a:schemeClr val="tx1"/>
-                </a:solidFill>
-                <a:effectLst/>
-                <a:latin typeface="+mn-lt"/>
-                <a:ea typeface="+mn-ea"/>
-                <a:cs typeface="+mn-cs"/>
-              </a:rPr>
-              <a:t>message</a:t>
-            </a:r>
-            <a:r>
-              <a:rPr lang="zh-TW" altLang="zh-TW" sz="2800" kern="1200" dirty="0" smtClean="0">
-                <a:solidFill>
-                  <a:schemeClr val="tx1"/>
-                </a:solidFill>
-                <a:effectLst/>
-                <a:latin typeface="+mn-lt"/>
-                <a:ea typeface="+mn-ea"/>
-                <a:cs typeface="+mn-cs"/>
-              </a:rPr>
-              <a:t>溝通、回合控制、遊戲房間控制以及認證授權全部包裝起來。並釋出前端</a:t>
-            </a:r>
-            <a:r>
-              <a:rPr lang="en-US" altLang="zh-TW" sz="2800" kern="1200" dirty="0" err="1" smtClean="0">
-                <a:solidFill>
-                  <a:schemeClr val="tx1"/>
-                </a:solidFill>
-                <a:effectLst/>
-                <a:latin typeface="+mn-lt"/>
-                <a:ea typeface="+mn-ea"/>
-                <a:cs typeface="+mn-cs"/>
-              </a:rPr>
-              <a:t>EzWebGame</a:t>
-            </a:r>
-            <a:r>
-              <a:rPr lang="en-US" altLang="zh-TW" sz="2800" kern="1200" dirty="0" smtClean="0">
-                <a:solidFill>
-                  <a:schemeClr val="tx1"/>
-                </a:solidFill>
-                <a:effectLst/>
-                <a:latin typeface="+mn-lt"/>
-                <a:ea typeface="+mn-ea"/>
-                <a:cs typeface="+mn-cs"/>
-              </a:rPr>
-              <a:t> Library</a:t>
-            </a:r>
-            <a:r>
-              <a:rPr lang="zh-TW" altLang="zh-TW" sz="2800" kern="1200" dirty="0" smtClean="0">
-                <a:solidFill>
-                  <a:schemeClr val="tx1"/>
-                </a:solidFill>
-                <a:effectLst/>
-                <a:latin typeface="+mn-lt"/>
-                <a:ea typeface="+mn-ea"/>
-                <a:cs typeface="+mn-cs"/>
-              </a:rPr>
-              <a:t>讓開發者能以用</a:t>
-            </a:r>
-            <a:r>
-              <a:rPr lang="en-US" altLang="zh-TW" sz="2800" kern="1200" dirty="0" smtClean="0">
-                <a:solidFill>
-                  <a:schemeClr val="tx1"/>
-                </a:solidFill>
-                <a:effectLst/>
-                <a:latin typeface="+mn-lt"/>
-                <a:ea typeface="+mn-ea"/>
-                <a:cs typeface="+mn-cs"/>
-              </a:rPr>
-              <a:t>event trigger</a:t>
-            </a:r>
-            <a:r>
-              <a:rPr lang="zh-TW" altLang="zh-TW" sz="2800" kern="1200" dirty="0" smtClean="0">
-                <a:solidFill>
-                  <a:schemeClr val="tx1"/>
-                </a:solidFill>
-                <a:effectLst/>
-                <a:latin typeface="+mn-lt"/>
-                <a:ea typeface="+mn-ea"/>
-                <a:cs typeface="+mn-cs"/>
-              </a:rPr>
-              <a:t>的模式來開發遊戲。</a:t>
-            </a:r>
-            <a:endParaRPr lang="zh-TW" altLang="zh-TW" dirty="0" smtClean="0">
-              <a:effectLst/>
-            </a:endParaRPr>
-          </a:p>
-        </p:txBody>
-      </p:sp>
+      </p:pic>
     </p:spTree>
     <p:extLst>
       <p:ext uri="{BB962C8B-B14F-4D97-AF65-F5344CB8AC3E}">
-        <p14:creationId xmlns:p14="http://schemas.microsoft.com/office/powerpoint/2010/main" val="2178217069"/>
+        <p14:creationId xmlns:p14="http://schemas.microsoft.com/office/powerpoint/2010/main" val="335846180"/>
       </p:ext>
     </p:extLst>
   </p:cSld>
@@ -21441,6 +22414,177 @@
           <a:lstStyle/>
           <a:p>
             <a:r>
+              <a:rPr lang="zh-TW" altLang="en-US" dirty="0"/>
+              <a:t>相關背景與技術</a:t>
+            </a:r>
+          </a:p>
+        </p:txBody>
+      </p:sp>
+      <p:sp>
+        <p:nvSpPr>
+          <p:cNvPr id="3" name="內容版面配置區 2"/>
+          <p:cNvSpPr>
+            <a:spLocks noGrp="1"/>
+          </p:cNvSpPr>
+          <p:nvPr>
+            <p:ph idx="1"/>
+          </p:nvPr>
+        </p:nvSpPr>
+        <p:spPr/>
+        <p:txBody>
+          <a:bodyPr/>
+          <a:lstStyle/>
+          <a:p>
+            <a:pPr marL="0" lvl="0" indent="0">
+              <a:lnSpc>
+                <a:spcPct val="250000"/>
+              </a:lnSpc>
+              <a:buNone/>
+            </a:pPr>
+            <a:r>
+              <a:rPr lang="en-US" altLang="zh-TW" b="1" dirty="0" smtClean="0">
+                <a:solidFill>
+                  <a:schemeClr val="tx1"/>
+                </a:solidFill>
+              </a:rPr>
+              <a:t>Semaphores</a:t>
+            </a:r>
+            <a:r>
+              <a:rPr lang="zh-TW" altLang="zh-TW" b="1" dirty="0" smtClean="0">
+                <a:solidFill>
+                  <a:schemeClr val="tx1"/>
+                </a:solidFill>
+              </a:rPr>
+              <a:t> </a:t>
+            </a:r>
+            <a:r>
+              <a:rPr lang="zh-TW" altLang="zh-TW" b="1" dirty="0">
+                <a:solidFill>
+                  <a:schemeClr val="tx1"/>
+                </a:solidFill>
+              </a:rPr>
+              <a:t>programming</a:t>
+            </a:r>
+          </a:p>
+          <a:p>
+            <a:pPr>
+              <a:lnSpc>
+                <a:spcPct val="150000"/>
+              </a:lnSpc>
+            </a:pPr>
+            <a:r>
+              <a:rPr lang="zh-TW" altLang="zh-TW" dirty="0" smtClean="0">
+                <a:solidFill>
+                  <a:schemeClr val="tx1"/>
+                </a:solidFill>
+              </a:rPr>
+              <a:t>使用</a:t>
+            </a:r>
+            <a:r>
+              <a:rPr lang="en-US" altLang="zh-TW" dirty="0" smtClean="0">
+                <a:solidFill>
+                  <a:schemeClr val="tx1"/>
+                </a:solidFill>
+              </a:rPr>
+              <a:t>Semaphores</a:t>
+            </a:r>
+            <a:r>
+              <a:rPr lang="zh-TW" altLang="en-US" dirty="0" smtClean="0">
+                <a:solidFill>
+                  <a:schemeClr val="tx1"/>
+                </a:solidFill>
+              </a:rPr>
+              <a:t>來處理</a:t>
+            </a:r>
+            <a:r>
+              <a:rPr lang="en-US" altLang="zh-TW" dirty="0" smtClean="0">
+                <a:solidFill>
+                  <a:schemeClr val="tx1"/>
+                </a:solidFill>
+              </a:rPr>
+              <a:t>message queue</a:t>
+            </a:r>
+            <a:r>
+              <a:rPr lang="zh-TW" altLang="en-US" dirty="0" smtClean="0">
+                <a:solidFill>
+                  <a:schemeClr val="tx1"/>
+                </a:solidFill>
+              </a:rPr>
+              <a:t>及</a:t>
+            </a:r>
+            <a:r>
+              <a:rPr lang="en-US" altLang="zh-TW" dirty="0" smtClean="0">
+                <a:solidFill>
+                  <a:schemeClr val="tx1"/>
+                </a:solidFill>
+              </a:rPr>
+              <a:t>key</a:t>
+            </a:r>
+            <a:r>
+              <a:rPr lang="zh-TW" altLang="en-US" dirty="0" smtClean="0">
+                <a:solidFill>
+                  <a:schemeClr val="tx1"/>
+                </a:solidFill>
+              </a:rPr>
+              <a:t>的正確性</a:t>
+            </a:r>
+            <a:endParaRPr lang="zh-TW" altLang="en-US" dirty="0"/>
+          </a:p>
+        </p:txBody>
+      </p:sp>
+    </p:spTree>
+    <p:extLst>
+      <p:ext uri="{BB962C8B-B14F-4D97-AF65-F5344CB8AC3E}">
+        <p14:creationId xmlns:p14="http://schemas.microsoft.com/office/powerpoint/2010/main" val="2234783384"/>
+      </p:ext>
+    </p:extLst>
+  </p:cSld>
+  <p:clrMapOvr>
+    <a:masterClrMapping/>
+  </p:clrMapOvr>
+  <p:timing>
+    <p:tnLst>
+      <p:par>
+        <p:cTn id="1" dur="indefinite" restart="never" nodeType="tmRoot"/>
+      </p:par>
+    </p:tnLst>
+  </p:timing>
+</p:sld>
+</file>
+
+<file path=ppt/slides/slide7.xml><?xml version="1.0" encoding="utf-8"?>
+<p:sld xmlns:a="http://schemas.openxmlformats.org/drawingml/2006/main" xmlns:r="http://schemas.openxmlformats.org/officeDocument/2006/relationships" xmlns:p="http://schemas.openxmlformats.org/presentationml/2006/main">
+  <p:cSld>
+    <p:spTree>
+      <p:nvGrpSpPr>
+        <p:cNvPr id="1" name=""/>
+        <p:cNvGrpSpPr/>
+        <p:nvPr/>
+      </p:nvGrpSpPr>
+      <p:grpSpPr>
+        <a:xfrm>
+          <a:off x="0" y="0"/>
+          <a:ext cx="0" cy="0"/>
+          <a:chOff x="0" y="0"/>
+          <a:chExt cx="0" cy="0"/>
+        </a:xfrm>
+      </p:grpSpPr>
+      <p:sp>
+        <p:nvSpPr>
+          <p:cNvPr id="2" name="標題 1"/>
+          <p:cNvSpPr>
+            <a:spLocks noGrp="1"/>
+          </p:cNvSpPr>
+          <p:nvPr>
+            <p:ph type="title"/>
+          </p:nvPr>
+        </p:nvSpPr>
+        <p:spPr/>
+        <p:txBody>
+          <a:bodyPr/>
+          <a:lstStyle/>
+          <a:p>
+            <a:r>
               <a:rPr lang="zh-TW" altLang="en-US" dirty="0" smtClean="0"/>
               <a:t>相關背景與技術</a:t>
             </a:r>
@@ -21535,7 +22679,7 @@
 </p:sld>
 </file>
 
-<file path=ppt/slides/slide7.xml><?xml version="1.0" encoding="utf-8"?>
+<file path=ppt/slides/slide8.xml><?xml version="1.0" encoding="utf-8"?>
 <p:sld xmlns:a="http://schemas.openxmlformats.org/drawingml/2006/main" xmlns:r="http://schemas.openxmlformats.org/officeDocument/2006/relationships" xmlns:p="http://schemas.openxmlformats.org/presentationml/2006/main">
   <p:cSld>
     <p:spTree>
@@ -21651,7 +22795,7 @@
 </p:sld>
 </file>
 
-<file path=ppt/slides/slide8.xml><?xml version="1.0" encoding="utf-8"?>
+<file path=ppt/slides/slide9.xml><?xml version="1.0" encoding="utf-8"?>
 <p:sld xmlns:a="http://schemas.openxmlformats.org/drawingml/2006/main" xmlns:r="http://schemas.openxmlformats.org/officeDocument/2006/relationships" xmlns:p="http://schemas.openxmlformats.org/presentationml/2006/main">
   <p:cSld>
     <p:spTree>
@@ -21812,117 +22956,6 @@
     <p:extLst>
       <p:ext uri="{BB962C8B-B14F-4D97-AF65-F5344CB8AC3E}">
         <p14:creationId xmlns:p14="http://schemas.microsoft.com/office/powerpoint/2010/main" val="3132471760"/>
-      </p:ext>
-    </p:extLst>
-  </p:cSld>
-  <p:clrMapOvr>
-    <a:masterClrMapping/>
-  </p:clrMapOvr>
-  <p:timing>
-    <p:tnLst>
-      <p:par>
-        <p:cTn id="1" dur="indefinite" restart="never" nodeType="tmRoot"/>
-      </p:par>
-    </p:tnLst>
-  </p:timing>
-</p:sld>
-</file>
-
-<file path=ppt/slides/slide9.xml><?xml version="1.0" encoding="utf-8"?>
-<p:sld xmlns:a="http://schemas.openxmlformats.org/drawingml/2006/main" xmlns:r="http://schemas.openxmlformats.org/officeDocument/2006/relationships" xmlns:p="http://schemas.openxmlformats.org/presentationml/2006/main">
-  <p:cSld>
-    <p:spTree>
-      <p:nvGrpSpPr>
-        <p:cNvPr id="1" name=""/>
-        <p:cNvGrpSpPr/>
-        <p:nvPr/>
-      </p:nvGrpSpPr>
-      <p:grpSpPr>
-        <a:xfrm>
-          <a:off x="0" y="0"/>
-          <a:ext cx="0" cy="0"/>
-          <a:chOff x="0" y="0"/>
-          <a:chExt cx="0" cy="0"/>
-        </a:xfrm>
-      </p:grpSpPr>
-      <p:sp>
-        <p:nvSpPr>
-          <p:cNvPr id="2" name="標題 1"/>
-          <p:cNvSpPr>
-            <a:spLocks noGrp="1"/>
-          </p:cNvSpPr>
-          <p:nvPr>
-            <p:ph type="title"/>
-          </p:nvPr>
-        </p:nvSpPr>
-        <p:spPr/>
-        <p:txBody>
-          <a:bodyPr/>
-          <a:lstStyle/>
-          <a:p>
-            <a:r>
-              <a:rPr lang="en-US" altLang="zh-TW" dirty="0" err="1" smtClean="0"/>
-              <a:t>EzWebChecker</a:t>
-            </a:r>
-            <a:endParaRPr lang="zh-TW" altLang="en-US" dirty="0"/>
-          </a:p>
-        </p:txBody>
-      </p:sp>
-      <p:sp>
-        <p:nvSpPr>
-          <p:cNvPr id="3" name="內容版面配置區 2"/>
-          <p:cNvSpPr>
-            <a:spLocks noGrp="1"/>
-          </p:cNvSpPr>
-          <p:nvPr>
-            <p:ph idx="1"/>
-          </p:nvPr>
-        </p:nvSpPr>
-        <p:spPr/>
-        <p:txBody>
-          <a:bodyPr/>
-          <a:lstStyle/>
-          <a:p>
-            <a:pPr marL="0" indent="0">
-              <a:lnSpc>
-                <a:spcPct val="200000"/>
-              </a:lnSpc>
-              <a:buNone/>
-            </a:pPr>
-            <a:r>
-              <a:rPr lang="zh-TW" altLang="en-US" b="1" dirty="0" smtClean="0"/>
-              <a:t>主要流程圖</a:t>
-            </a:r>
-            <a:endParaRPr lang="zh-TW" altLang="en-US" b="1" dirty="0"/>
-          </a:p>
-        </p:txBody>
-      </p:sp>
-      <p:graphicFrame>
-        <p:nvGraphicFramePr>
-          <p:cNvPr id="6" name="資料庫圖表 5"/>
-          <p:cNvGraphicFramePr/>
-          <p:nvPr>
-            <p:extLst>
-              <p:ext uri="{D42A27DB-BD31-4B8C-83A1-F6EECF244321}">
-                <p14:modId xmlns:p14="http://schemas.microsoft.com/office/powerpoint/2010/main" val="2394754621"/>
-              </p:ext>
-            </p:extLst>
-          </p:nvPr>
-        </p:nvGraphicFramePr>
-        <p:xfrm>
-          <a:off x="2218545" y="2556932"/>
-          <a:ext cx="6595671" cy="3485095"/>
-        </p:xfrm>
-        <a:graphic>
-          <a:graphicData uri="http://schemas.openxmlformats.org/drawingml/2006/diagram">
-            <dgm:relIds xmlns:dgm="http://schemas.openxmlformats.org/drawingml/2006/diagram" xmlns:r="http://schemas.openxmlformats.org/officeDocument/2006/relationships" r:dm="rId2" r:lo="rId3" r:qs="rId4" r:cs="rId5"/>
-          </a:graphicData>
-        </a:graphic>
-      </p:graphicFrame>
-    </p:spTree>
-    <p:extLst>
-      <p:ext uri="{BB962C8B-B14F-4D97-AF65-F5344CB8AC3E}">
-        <p14:creationId xmlns:p14="http://schemas.microsoft.com/office/powerpoint/2010/main" val="3178160144"/>
       </p:ext>
     </p:extLst>
   </p:cSld>
@@ -22170,4 +23203,265 @@
     </a:ext>
   </a:extLst>
 </a:theme>
+</file>
+
+<file path=ppt/theme/theme2.xml><?xml version="1.0" encoding="utf-8"?>
+<a:theme xmlns:a="http://schemas.openxmlformats.org/drawingml/2006/main" name="Office 佈景主題">
+  <a:themeElements>
+    <a:clrScheme name="Office">
+      <a:dk1>
+        <a:sysClr val="windowText" lastClr="000000"/>
+      </a:dk1>
+      <a:lt1>
+        <a:sysClr val="window" lastClr="FFFFFF"/>
+      </a:lt1>
+      <a:dk2>
+        <a:srgbClr val="44546A"/>
+      </a:dk2>
+      <a:lt2>
+        <a:srgbClr val="E7E6E6"/>
+      </a:lt2>
+      <a:accent1>
+        <a:srgbClr val="5B9BD5"/>
+      </a:accent1>
+      <a:accent2>
+        <a:srgbClr val="ED7D31"/>
+      </a:accent2>
+      <a:accent3>
+        <a:srgbClr val="A5A5A5"/>
+      </a:accent3>
+      <a:accent4>
+        <a:srgbClr val="FFC000"/>
+      </a:accent4>
+      <a:accent5>
+        <a:srgbClr val="4472C4"/>
+      </a:accent5>
+      <a:accent6>
+        <a:srgbClr val="70AD47"/>
+      </a:accent6>
+      <a:hlink>
+        <a:srgbClr val="0563C1"/>
+      </a:hlink>
+      <a:folHlink>
+        <a:srgbClr val="954F72"/>
+      </a:folHlink>
+    </a:clrScheme>
+    <a:fontScheme name="Office">
+      <a:majorFont>
+        <a:latin typeface="Calibri Light" panose="020F0302020204030204"/>
+        <a:ea typeface=""/>
+        <a:cs typeface=""/>
+        <a:font script="Jpan" typeface="ＭＳ Ｐゴシック"/>
+        <a:font script="Hang" typeface="맑은 고딕"/>
+        <a:font script="Hans" typeface="宋体"/>
+        <a:font script="Hant" typeface="新細明體"/>
+        <a:font script="Arab" typeface="Times New Roman"/>
+        <a:font script="Hebr" typeface="Times New Roman"/>
+        <a:font script="Thai" typeface="Angsana New"/>
+        <a:font script="Ethi" typeface="Nyala"/>
+        <a:font script="Beng" typeface="Vrinda"/>
+        <a:font script="Gujr" typeface="Shruti"/>
+        <a:font script="Khmr" typeface="MoolBoran"/>
+        <a:font script="Knda" typeface="Tunga"/>
+        <a:font script="Guru" typeface="Raavi"/>
+        <a:font script="Cans" typeface="Euphemia"/>
+        <a:font script="Cher" typeface="Plantagenet Cherokee"/>
+        <a:font script="Yiii" typeface="Microsoft Yi Baiti"/>
+        <a:font script="Tibt" typeface="Microsoft Himalaya"/>
+        <a:font script="Thaa" typeface="MV Boli"/>
+        <a:font script="Deva" typeface="Mangal"/>
+        <a:font script="Telu" typeface="Gautami"/>
+        <a:font script="Taml" typeface="Latha"/>
+        <a:font script="Syrc" typeface="Estrangelo Edessa"/>
+        <a:font script="Orya" typeface="Kalinga"/>
+        <a:font script="Mlym" typeface="Kartika"/>
+        <a:font script="Laoo" typeface="DokChampa"/>
+        <a:font script="Sinh" typeface="Iskoola Pota"/>
+        <a:font script="Mong" typeface="Mongolian Baiti"/>
+        <a:font script="Viet" typeface="Times New Roman"/>
+        <a:font script="Uigh" typeface="Microsoft Uighur"/>
+        <a:font script="Geor" typeface="Sylfaen"/>
+      </a:majorFont>
+      <a:minorFont>
+        <a:latin typeface="Calibri" panose="020F0502020204030204"/>
+        <a:ea typeface=""/>
+        <a:cs typeface=""/>
+        <a:font script="Jpan" typeface="ＭＳ Ｐゴシック"/>
+        <a:font script="Hang" typeface="맑은 고딕"/>
+        <a:font script="Hans" typeface="宋体"/>
+        <a:font script="Hant" typeface="新細明體"/>
+        <a:font script="Arab" typeface="Arial"/>
+        <a:font script="Hebr" typeface="Arial"/>
+        <a:font script="Thai" typeface="Cordia New"/>
+        <a:font script="Ethi" typeface="Nyala"/>
+        <a:font script="Beng" typeface="Vrinda"/>
+        <a:font script="Gujr" typeface="Shruti"/>
+        <a:font script="Khmr" typeface="DaunPenh"/>
+        <a:font script="Knda" typeface="Tunga"/>
+        <a:font script="Guru" typeface="Raavi"/>
+        <a:font script="Cans" typeface="Euphemia"/>
+        <a:font script="Cher" typeface="Plantagenet Cherokee"/>
+        <a:font script="Yiii" typeface="Microsoft Yi Baiti"/>
+        <a:font script="Tibt" typeface="Microsoft Himalaya"/>
+        <a:font script="Thaa" typeface="MV Boli"/>
+        <a:font script="Deva" typeface="Mangal"/>
+        <a:font script="Telu" typeface="Gautami"/>
+        <a:font script="Taml" typeface="Latha"/>
+        <a:font script="Syrc" typeface="Estrangelo Edessa"/>
+        <a:font script="Orya" typeface="Kalinga"/>
+        <a:font script="Mlym" typeface="Kartika"/>
+        <a:font script="Laoo" typeface="DokChampa"/>
+        <a:font script="Sinh" typeface="Iskoola Pota"/>
+        <a:font script="Mong" typeface="Mongolian Baiti"/>
+        <a:font script="Viet" typeface="Arial"/>
+        <a:font script="Uigh" typeface="Microsoft Uighur"/>
+        <a:font script="Geor" typeface="Sylfaen"/>
+      </a:minorFont>
+    </a:fontScheme>
+    <a:fmtScheme name="Office">
+      <a:fillStyleLst>
+        <a:solidFill>
+          <a:schemeClr val="phClr"/>
+        </a:solidFill>
+        <a:gradFill rotWithShape="1">
+          <a:gsLst>
+            <a:gs pos="0">
+              <a:schemeClr val="phClr">
+                <a:lumMod val="110000"/>
+                <a:satMod val="105000"/>
+                <a:tint val="67000"/>
+              </a:schemeClr>
+            </a:gs>
+            <a:gs pos="50000">
+              <a:schemeClr val="phClr">
+                <a:lumMod val="105000"/>
+                <a:satMod val="103000"/>
+                <a:tint val="73000"/>
+              </a:schemeClr>
+            </a:gs>
+            <a:gs pos="100000">
+              <a:schemeClr val="phClr">
+                <a:lumMod val="105000"/>
+                <a:satMod val="109000"/>
+                <a:tint val="81000"/>
+              </a:schemeClr>
+            </a:gs>
+          </a:gsLst>
+          <a:lin ang="5400000" scaled="0"/>
+        </a:gradFill>
+        <a:gradFill rotWithShape="1">
+          <a:gsLst>
+            <a:gs pos="0">
+              <a:schemeClr val="phClr">
+                <a:satMod val="103000"/>
+                <a:lumMod val="102000"/>
+                <a:tint val="94000"/>
+              </a:schemeClr>
+            </a:gs>
+            <a:gs pos="50000">
+              <a:schemeClr val="phClr">
+                <a:satMod val="110000"/>
+                <a:lumMod val="100000"/>
+                <a:shade val="100000"/>
+              </a:schemeClr>
+            </a:gs>
+            <a:gs pos="100000">
+              <a:schemeClr val="phClr">
+                <a:lumMod val="99000"/>
+                <a:satMod val="120000"/>
+                <a:shade val="78000"/>
+              </a:schemeClr>
+            </a:gs>
+          </a:gsLst>
+          <a:lin ang="5400000" scaled="0"/>
+        </a:gradFill>
+      </a:fillStyleLst>
+      <a:lnStyleLst>
+        <a:ln w="6350" cap="flat" cmpd="sng" algn="ctr">
+          <a:solidFill>
+            <a:schemeClr val="phClr"/>
+          </a:solidFill>
+          <a:prstDash val="solid"/>
+          <a:miter lim="800000"/>
+        </a:ln>
+        <a:ln w="12700" cap="flat" cmpd="sng" algn="ctr">
+          <a:solidFill>
+            <a:schemeClr val="phClr"/>
+          </a:solidFill>
+          <a:prstDash val="solid"/>
+          <a:miter lim="800000"/>
+        </a:ln>
+        <a:ln w="19050" cap="flat" cmpd="sng" algn="ctr">
+          <a:solidFill>
+            <a:schemeClr val="phClr"/>
+          </a:solidFill>
+          <a:prstDash val="solid"/>
+          <a:miter lim="800000"/>
+        </a:ln>
+      </a:lnStyleLst>
+      <a:effectStyleLst>
+        <a:effectStyle>
+          <a:effectLst/>
+        </a:effectStyle>
+        <a:effectStyle>
+          <a:effectLst/>
+        </a:effectStyle>
+        <a:effectStyle>
+          <a:effectLst>
+            <a:outerShdw blurRad="57150" dist="19050" dir="5400000" algn="ctr" rotWithShape="0">
+              <a:srgbClr val="000000">
+                <a:alpha val="63000"/>
+              </a:srgbClr>
+            </a:outerShdw>
+          </a:effectLst>
+        </a:effectStyle>
+      </a:effectStyleLst>
+      <a:bgFillStyleLst>
+        <a:solidFill>
+          <a:schemeClr val="phClr"/>
+        </a:solidFill>
+        <a:solidFill>
+          <a:schemeClr val="phClr">
+            <a:tint val="95000"/>
+            <a:satMod val="170000"/>
+          </a:schemeClr>
+        </a:solidFill>
+        <a:gradFill rotWithShape="1">
+          <a:gsLst>
+            <a:gs pos="0">
+              <a:schemeClr val="phClr">
+                <a:tint val="93000"/>
+                <a:satMod val="150000"/>
+                <a:shade val="98000"/>
+                <a:lumMod val="102000"/>
+              </a:schemeClr>
+            </a:gs>
+            <a:gs pos="50000">
+              <a:schemeClr val="phClr">
+                <a:tint val="98000"/>
+                <a:satMod val="130000"/>
+                <a:shade val="90000"/>
+                <a:lumMod val="103000"/>
+              </a:schemeClr>
+            </a:gs>
+            <a:gs pos="100000">
+              <a:schemeClr val="phClr">
+                <a:shade val="63000"/>
+                <a:satMod val="120000"/>
+              </a:schemeClr>
+            </a:gs>
+          </a:gsLst>
+          <a:lin ang="5400000" scaled="0"/>
+        </a:gradFill>
+      </a:bgFillStyleLst>
+    </a:fmtScheme>
+  </a:themeElements>
+  <a:objectDefaults/>
+  <a:extraClrSchemeLst/>
+  <a:extLst>
+    <a:ext uri="{05A4C25C-085E-4340-85A3-A5531E510DB2}">
+      <thm15:themeFamily xmlns:thm15="http://schemas.microsoft.com/office/thememl/2012/main" name="Office Theme" id="{62F939B6-93AF-4DB8-9C6B-D6C7DFDC589F}" vid="{4A3C46E8-61CC-4603-A589-7422A47A8E4A}"/>
+    </a:ext>
+  </a:extLst>
+</a:theme>
 </file>
--- a/documents/102-CSIE-S019_PPT_EzWebGame.pptx
+++ b/documents/102-CSIE-S019_PPT_EzWebGame.pptx
@@ -3761,14 +3761,22 @@
         <a:lstStyle/>
         <a:p>
           <a:r>
-            <a:rPr lang="en-US" altLang="zh-TW" sz="1800" smtClean="0">
+            <a:rPr lang="en-US" altLang="zh-TW" sz="1800" dirty="0" err="1" smtClean="0">
               <a:latin typeface="Calibri" panose="020F0502020204030204"/>
               <a:ea typeface="新細明體" panose="02020500000000000000" pitchFamily="18" charset="-120"/>
               <a:cs typeface="+mn-cs"/>
             </a:rPr>
-            <a:t>onLoginSuccess()</a:t>
+            <a:t>onLoginSuccess</a:t>
           </a:r>
-          <a:endParaRPr lang="zh-TW" altLang="en-US" sz="1800">
+          <a:r>
+            <a:rPr lang="en-US" altLang="zh-TW" sz="1800" dirty="0" smtClean="0">
+              <a:latin typeface="Calibri" panose="020F0502020204030204"/>
+              <a:ea typeface="新細明體" panose="02020500000000000000" pitchFamily="18" charset="-120"/>
+              <a:cs typeface="+mn-cs"/>
+            </a:rPr>
+            <a:t>()</a:t>
+          </a:r>
+          <a:endParaRPr lang="zh-TW" altLang="en-US" sz="1800" dirty="0">
             <a:latin typeface="Calibri" panose="020F0502020204030204"/>
             <a:ea typeface="新細明體" panose="02020500000000000000" pitchFamily="18" charset="-120"/>
             <a:cs typeface="+mn-cs"/>
@@ -3861,14 +3869,22 @@
         <a:lstStyle/>
         <a:p>
           <a:r>
-            <a:rPr lang="en-US" altLang="zh-TW" sz="1800" smtClean="0">
+            <a:rPr lang="en-US" altLang="zh-TW" sz="1800" dirty="0" err="1" smtClean="0">
               <a:latin typeface="Calibri" panose="020F0502020204030204"/>
               <a:ea typeface="新細明體" panose="02020500000000000000" pitchFamily="18" charset="-120"/>
               <a:cs typeface="+mn-cs"/>
             </a:rPr>
-            <a:t>onLoginFailed()</a:t>
+            <a:t>onLoginFailed</a:t>
           </a:r>
-          <a:endParaRPr lang="zh-TW" altLang="en-US" sz="1800">
+          <a:r>
+            <a:rPr lang="en-US" altLang="zh-TW" sz="1800" dirty="0" smtClean="0">
+              <a:latin typeface="Calibri" panose="020F0502020204030204"/>
+              <a:ea typeface="新細明體" panose="02020500000000000000" pitchFamily="18" charset="-120"/>
+              <a:cs typeface="+mn-cs"/>
+            </a:rPr>
+            <a:t>()</a:t>
+          </a:r>
+          <a:endParaRPr lang="zh-TW" altLang="en-US" sz="1800" dirty="0">
             <a:latin typeface="Calibri" panose="020F0502020204030204"/>
             <a:ea typeface="新細明體" panose="02020500000000000000" pitchFamily="18" charset="-120"/>
             <a:cs typeface="+mn-cs"/>
@@ -3969,14 +3985,22 @@
         <a:lstStyle/>
         <a:p>
           <a:r>
-            <a:rPr lang="en-US" altLang="zh-TW" sz="1800" smtClean="0">
+            <a:rPr lang="en-US" altLang="zh-TW" sz="1800" dirty="0" err="1" smtClean="0">
               <a:latin typeface="Calibri" panose="020F0502020204030204"/>
               <a:ea typeface="新細明體" panose="02020500000000000000" pitchFamily="18" charset="-120"/>
               <a:cs typeface="+mn-cs"/>
             </a:rPr>
-            <a:t>createRoom()</a:t>
+            <a:t>createGameRoom</a:t>
           </a:r>
-          <a:endParaRPr lang="zh-TW" altLang="en-US" sz="1800">
+          <a:r>
+            <a:rPr lang="en-US" altLang="zh-TW" sz="1800" dirty="0" smtClean="0">
+              <a:latin typeface="Calibri" panose="020F0502020204030204"/>
+              <a:ea typeface="新細明體" panose="02020500000000000000" pitchFamily="18" charset="-120"/>
+              <a:cs typeface="+mn-cs"/>
+            </a:rPr>
+            <a:t>()</a:t>
+          </a:r>
+          <a:endParaRPr lang="zh-TW" altLang="en-US" sz="1800" dirty="0">
             <a:latin typeface="Calibri" panose="020F0502020204030204"/>
             <a:ea typeface="新細明體" panose="02020500000000000000" pitchFamily="18" charset="-120"/>
             <a:cs typeface="+mn-cs"/>
@@ -4019,12 +4043,20 @@
         <a:lstStyle/>
         <a:p>
           <a:r>
-            <a:rPr lang="en-US" altLang="zh-TW" sz="1800" smtClean="0">
+            <a:rPr lang="en-US" altLang="zh-TW" sz="1800" dirty="0" err="1" smtClean="0">
               <a:latin typeface="Calibri" panose="020F0502020204030204"/>
               <a:ea typeface="新細明體" panose="02020500000000000000" pitchFamily="18" charset="-120"/>
               <a:cs typeface="+mn-cs"/>
             </a:rPr>
-            <a:t>joinRoom()</a:t>
+            <a:t>joinGameRoom</a:t>
+          </a:r>
+          <a:r>
+            <a:rPr lang="en-US" altLang="zh-TW" sz="1800" dirty="0" smtClean="0">
+              <a:latin typeface="Calibri" panose="020F0502020204030204"/>
+              <a:ea typeface="新細明體" panose="02020500000000000000" pitchFamily="18" charset="-120"/>
+              <a:cs typeface="+mn-cs"/>
+            </a:rPr>
+            <a:t>()</a:t>
           </a:r>
           <a:endParaRPr lang="zh-TW" altLang="en-US" sz="1800" dirty="0">
             <a:latin typeface="Calibri" panose="020F0502020204030204"/>
@@ -4119,7 +4151,7 @@
         <a:lstStyle/>
         <a:p>
           <a:r>
-            <a:rPr lang="zh-TW" altLang="en-US" sz="1800" smtClean="0">
+            <a:rPr lang="zh-TW" altLang="en-US" sz="1800" dirty="0" smtClean="0">
               <a:latin typeface="Calibri" panose="020F0502020204030204"/>
               <a:ea typeface="新細明體" panose="02020500000000000000" pitchFamily="18" charset="-120"/>
               <a:cs typeface="+mn-cs"/>
@@ -4146,156 +4178,6 @@
       </dgm:t>
     </dgm:pt>
     <dgm:pt modelId="{FECB9E4F-1559-4B49-A949-8A95F8638BAA}" type="sibTrans" cxnId="{B2ECEAFD-15A3-45D6-BFDB-29B183F97513}">
-      <dgm:prSet/>
-      <dgm:spPr/>
-      <dgm:t>
-        <a:bodyPr/>
-        <a:lstStyle/>
-        <a:p>
-          <a:endParaRPr lang="zh-TW" altLang="en-US" sz="1800"/>
-        </a:p>
-      </dgm:t>
-    </dgm:pt>
-    <dgm:pt modelId="{000E37F6-3D5C-4F58-8E42-C0C836B22306}">
-      <dgm:prSet phldrT="[文字]" custT="1"/>
-      <dgm:spPr>
-        <a:xfrm>
-          <a:off x="2760315" y="1828179"/>
-          <a:ext cx="2421284" cy="1328579"/>
-        </a:xfrm>
-      </dgm:spPr>
-      <dgm:t>
-        <a:bodyPr/>
-        <a:lstStyle/>
-        <a:p>
-          <a:r>
-            <a:rPr lang="en-US" altLang="zh-TW" sz="1800" smtClean="0">
-              <a:latin typeface="Calibri" panose="020F0502020204030204"/>
-              <a:ea typeface="新細明體" panose="02020500000000000000" pitchFamily="18" charset="-120"/>
-              <a:cs typeface="+mn-cs"/>
-            </a:rPr>
-            <a:t>listRoomInfo()</a:t>
-          </a:r>
-          <a:endParaRPr lang="zh-TW" altLang="en-US" sz="1800" dirty="0">
-            <a:latin typeface="Calibri" panose="020F0502020204030204"/>
-            <a:ea typeface="新細明體" panose="02020500000000000000" pitchFamily="18" charset="-120"/>
-            <a:cs typeface="+mn-cs"/>
-          </a:endParaRPr>
-        </a:p>
-      </dgm:t>
-    </dgm:pt>
-    <dgm:pt modelId="{C8803889-E38F-4C1A-BB74-2E52A83AFFDF}" type="parTrans" cxnId="{C38CB919-EAB5-4E1F-AFC2-AE2A06B2870B}">
-      <dgm:prSet/>
-      <dgm:spPr/>
-      <dgm:t>
-        <a:bodyPr/>
-        <a:lstStyle/>
-        <a:p>
-          <a:endParaRPr lang="zh-TW" altLang="en-US" sz="1800"/>
-        </a:p>
-      </dgm:t>
-    </dgm:pt>
-    <dgm:pt modelId="{7BE10511-C548-4FED-AB79-1D566601E50E}" type="sibTrans" cxnId="{C38CB919-EAB5-4E1F-AFC2-AE2A06B2870B}">
-      <dgm:prSet/>
-      <dgm:spPr/>
-      <dgm:t>
-        <a:bodyPr/>
-        <a:lstStyle/>
-        <a:p>
-          <a:endParaRPr lang="zh-TW" altLang="en-US" sz="1800"/>
-        </a:p>
-      </dgm:t>
-    </dgm:pt>
-    <dgm:pt modelId="{CAAEC418-B47D-495E-A977-EA1CBD5C5645}">
-      <dgm:prSet phldrT="[文字]" custT="1"/>
-      <dgm:spPr>
-        <a:xfrm>
-          <a:off x="2760315" y="1828179"/>
-          <a:ext cx="2421284" cy="1328579"/>
-        </a:xfrm>
-      </dgm:spPr>
-      <dgm:t>
-        <a:bodyPr/>
-        <a:lstStyle/>
-        <a:p>
-          <a:r>
-            <a:rPr lang="en-US" altLang="zh-TW" sz="1800" smtClean="0">
-              <a:latin typeface="Calibri" panose="020F0502020204030204"/>
-              <a:ea typeface="新細明體" panose="02020500000000000000" pitchFamily="18" charset="-120"/>
-              <a:cs typeface="+mn-cs"/>
-            </a:rPr>
-            <a:t>listRoomPlayer()</a:t>
-          </a:r>
-          <a:endParaRPr lang="zh-TW" altLang="en-US" sz="1800" dirty="0">
-            <a:latin typeface="Calibri" panose="020F0502020204030204"/>
-            <a:ea typeface="新細明體" panose="02020500000000000000" pitchFamily="18" charset="-120"/>
-            <a:cs typeface="+mn-cs"/>
-          </a:endParaRPr>
-        </a:p>
-      </dgm:t>
-    </dgm:pt>
-    <dgm:pt modelId="{26126D02-32C5-49DE-915B-D6436DE4713F}" type="parTrans" cxnId="{68C831FD-9D77-49A2-9BBD-DB3118921706}">
-      <dgm:prSet/>
-      <dgm:spPr/>
-      <dgm:t>
-        <a:bodyPr/>
-        <a:lstStyle/>
-        <a:p>
-          <a:endParaRPr lang="zh-TW" altLang="en-US" sz="1800"/>
-        </a:p>
-      </dgm:t>
-    </dgm:pt>
-    <dgm:pt modelId="{EFE3B438-5D03-4237-AEE9-25F9FA78F6EC}" type="sibTrans" cxnId="{68C831FD-9D77-49A2-9BBD-DB3118921706}">
-      <dgm:prSet/>
-      <dgm:spPr/>
-      <dgm:t>
-        <a:bodyPr/>
-        <a:lstStyle/>
-        <a:p>
-          <a:endParaRPr lang="zh-TW" altLang="en-US" sz="1800"/>
-        </a:p>
-      </dgm:t>
-    </dgm:pt>
-    <dgm:pt modelId="{04F06F67-5E2B-48E7-8201-BE47791E73A8}">
-      <dgm:prSet phldrT="[文字]" custT="1"/>
-      <dgm:spPr>
-        <a:xfrm>
-          <a:off x="2760315" y="1828179"/>
-          <a:ext cx="2421284" cy="1328579"/>
-        </a:xfrm>
-      </dgm:spPr>
-      <dgm:t>
-        <a:bodyPr/>
-        <a:lstStyle/>
-        <a:p>
-          <a:r>
-            <a:rPr lang="en-US" altLang="zh-TW" sz="1800" smtClean="0">
-              <a:latin typeface="Calibri" panose="020F0502020204030204"/>
-              <a:ea typeface="新細明體" panose="02020500000000000000" pitchFamily="18" charset="-120"/>
-              <a:cs typeface="+mn-cs"/>
-            </a:rPr>
-            <a:t>leaveRoom()</a:t>
-          </a:r>
-          <a:endParaRPr lang="zh-TW" altLang="en-US" sz="1800" dirty="0">
-            <a:latin typeface="Calibri" panose="020F0502020204030204"/>
-            <a:ea typeface="新細明體" panose="02020500000000000000" pitchFamily="18" charset="-120"/>
-            <a:cs typeface="+mn-cs"/>
-          </a:endParaRPr>
-        </a:p>
-      </dgm:t>
-    </dgm:pt>
-    <dgm:pt modelId="{C47FB13F-173A-46DF-A9F7-B0665A58BDDD}" type="parTrans" cxnId="{D0B4943C-0306-47C0-ABDD-C9329F2DC7AA}">
-      <dgm:prSet/>
-      <dgm:spPr/>
-      <dgm:t>
-        <a:bodyPr/>
-        <a:lstStyle/>
-        <a:p>
-          <a:endParaRPr lang="zh-TW" altLang="en-US" sz="1800"/>
-        </a:p>
-      </dgm:t>
-    </dgm:pt>
-    <dgm:pt modelId="{034EBBB8-724F-4DFD-973E-5B06C8FD9185}" type="sibTrans" cxnId="{D0B4943C-0306-47C0-ABDD-C9329F2DC7AA}">
       <dgm:prSet/>
       <dgm:spPr/>
       <dgm:t>
@@ -4354,6 +4236,64 @@
       </dgm:t>
     </dgm:pt>
     <dgm:pt modelId="{AF8802C1-292F-4498-BCFC-67712F03D89E}" type="sibTrans" cxnId="{6BD3671E-215C-4CC3-A6B6-27DAE3A964A4}">
+      <dgm:prSet/>
+      <dgm:spPr/>
+      <dgm:t>
+        <a:bodyPr/>
+        <a:lstStyle/>
+        <a:p>
+          <a:endParaRPr lang="zh-TW" altLang="en-US" sz="1800"/>
+        </a:p>
+      </dgm:t>
+    </dgm:pt>
+    <dgm:pt modelId="{04F06F67-5E2B-48E7-8201-BE47791E73A8}">
+      <dgm:prSet phldrT="[文字]" custT="1"/>
+      <dgm:spPr>
+        <a:xfrm>
+          <a:off x="2760315" y="1828179"/>
+          <a:ext cx="2421284" cy="1328579"/>
+        </a:xfrm>
+      </dgm:spPr>
+      <dgm:t>
+        <a:bodyPr/>
+        <a:lstStyle/>
+        <a:p>
+          <a:r>
+            <a:rPr lang="en-US" altLang="zh-TW" sz="1800" dirty="0" err="1" smtClean="0">
+              <a:latin typeface="Calibri" panose="020F0502020204030204"/>
+              <a:ea typeface="新細明體" panose="02020500000000000000" pitchFamily="18" charset="-120"/>
+              <a:cs typeface="+mn-cs"/>
+            </a:rPr>
+            <a:t>leaveRoom</a:t>
+          </a:r>
+          <a:r>
+            <a:rPr lang="en-US" altLang="zh-TW" sz="1800" dirty="0" smtClean="0">
+              <a:latin typeface="Calibri" panose="020F0502020204030204"/>
+              <a:ea typeface="新細明體" panose="02020500000000000000" pitchFamily="18" charset="-120"/>
+              <a:cs typeface="+mn-cs"/>
+            </a:rPr>
+            <a:t>()</a:t>
+          </a:r>
+          <a:endParaRPr lang="zh-TW" altLang="en-US" sz="1800" dirty="0">
+            <a:latin typeface="Calibri" panose="020F0502020204030204"/>
+            <a:ea typeface="新細明體" panose="02020500000000000000" pitchFamily="18" charset="-120"/>
+            <a:cs typeface="+mn-cs"/>
+          </a:endParaRPr>
+        </a:p>
+      </dgm:t>
+    </dgm:pt>
+    <dgm:pt modelId="{034EBBB8-724F-4DFD-973E-5B06C8FD9185}" type="sibTrans" cxnId="{D0B4943C-0306-47C0-ABDD-C9329F2DC7AA}">
+      <dgm:prSet/>
+      <dgm:spPr/>
+      <dgm:t>
+        <a:bodyPr/>
+        <a:lstStyle/>
+        <a:p>
+          <a:endParaRPr lang="zh-TW" altLang="en-US" sz="1800"/>
+        </a:p>
+      </dgm:t>
+    </dgm:pt>
+    <dgm:pt modelId="{C47FB13F-173A-46DF-A9F7-B0665A58BDDD}" type="parTrans" cxnId="{D0B4943C-0306-47C0-ABDD-C9329F2DC7AA}">
       <dgm:prSet/>
       <dgm:spPr/>
       <dgm:t>
@@ -4496,33 +4436,29 @@
     </dgm:pt>
   </dgm:ptLst>
   <dgm:cxnLst>
+    <dgm:cxn modelId="{D0B4943C-0306-47C0-ABDD-C9329F2DC7AA}" srcId="{55E4103E-0FAC-4F67-959A-D23DFFD3EE13}" destId="{04F06F67-5E2B-48E7-8201-BE47791E73A8}" srcOrd="0" destOrd="0" parTransId="{C47FB13F-173A-46DF-A9F7-B0665A58BDDD}" sibTransId="{034EBBB8-724F-4DFD-973E-5B06C8FD9185}"/>
+    <dgm:cxn modelId="{20F875B6-783C-45C2-88FD-F349C5C6E974}" type="presOf" srcId="{1A4009DF-EC3F-4C26-9D56-172FE71A2222}" destId="{FA2407F3-936B-432A-92BF-F571E6ACADCD}" srcOrd="0" destOrd="0" presId="urn:microsoft.com/office/officeart/2005/8/layout/vList5"/>
+    <dgm:cxn modelId="{6BD3671E-215C-4CC3-A6B6-27DAE3A964A4}" srcId="{55E4103E-0FAC-4F67-959A-D23DFFD3EE13}" destId="{F8F718D8-BD92-4937-958C-077A3717ADC7}" srcOrd="1" destOrd="0" parTransId="{69FACFDC-3A73-4721-B104-A9DC1C836FEA}" sibTransId="{AF8802C1-292F-4498-BCFC-67712F03D89E}"/>
     <dgm:cxn modelId="{C71F4C9F-FF6E-4477-ABE7-D3FAA0EEEBC7}" srcId="{7D00303A-CC9C-4E30-BE83-018CB9CBE8EF}" destId="{05D2C431-34D0-4253-B8A8-9469EA813417}" srcOrd="0" destOrd="0" parTransId="{B7D12727-C22A-40CE-BA71-FCEFDD84BF74}" sibTransId="{1FFEBB5F-AB5F-4FCF-BF2D-B94586C052DF}"/>
+    <dgm:cxn modelId="{62BD6857-073C-4BF9-A881-AF3DEF99E7A7}" srcId="{7D00303A-CC9C-4E30-BE83-018CB9CBE8EF}" destId="{CDAC1A3C-0E01-4A9D-8A07-E878818022BB}" srcOrd="2" destOrd="0" parTransId="{442FE926-5C7E-449B-8EDE-5F31337AE4B4}" sibTransId="{B13AE5E8-4D68-4EB2-94E8-5D44E3B72329}"/>
+    <dgm:cxn modelId="{48861A03-EA90-4674-9390-CCEDAFEF83C0}" srcId="{7D00303A-CC9C-4E30-BE83-018CB9CBE8EF}" destId="{3E190EBC-CB06-43CD-A006-DE156AEE2239}" srcOrd="1" destOrd="0" parTransId="{111A4A63-57FF-45B0-B3AF-009B292F25C2}" sibTransId="{B74B803C-E803-47E3-9CE7-FD61A47BBD61}"/>
+    <dgm:cxn modelId="{E48B1069-652F-43CC-B7CA-1D1798848D87}" type="presOf" srcId="{3E190EBC-CB06-43CD-A006-DE156AEE2239}" destId="{4BF4C251-D64E-41E1-9C52-1A77BD0B3F30}" srcOrd="0" destOrd="1" presId="urn:microsoft.com/office/officeart/2005/8/layout/vList5"/>
+    <dgm:cxn modelId="{72F5DEF4-C6B7-47FA-B3DF-1DD20690EB10}" srcId="{AFA647CE-34F2-4754-BB88-0F280AC3D6AB}" destId="{7D00303A-CC9C-4E30-BE83-018CB9CBE8EF}" srcOrd="1" destOrd="0" parTransId="{B611DA4C-0EF9-4E3A-978F-60F2521BCEFE}" sibTransId="{7E42FDD0-DF9A-4CBA-A4E0-7C6B18EA24E2}"/>
+    <dgm:cxn modelId="{68DC8CED-771E-45BD-A07D-ED07ED7BE10C}" type="presOf" srcId="{55E4103E-0FAC-4F67-959A-D23DFFD3EE13}" destId="{FCD8F946-7A84-41C9-A0FC-C962C832D6D7}" srcOrd="0" destOrd="0" presId="urn:microsoft.com/office/officeart/2005/8/layout/vList5"/>
+    <dgm:cxn modelId="{483B5339-57A6-4D04-A310-FFCE525184BC}" srcId="{1A4009DF-EC3F-4C26-9D56-172FE71A2222}" destId="{1E63D8C7-65C4-4A40-84C4-6FF9BAC30596}" srcOrd="1" destOrd="0" parTransId="{942E77D9-85C6-4938-963F-95E1C0407C77}" sibTransId="{F91561CD-2685-4F56-97E6-B3767F7F898C}"/>
+    <dgm:cxn modelId="{D8D50351-AA61-40F2-8DC4-2D95B2992DA9}" srcId="{AFA647CE-34F2-4754-BB88-0F280AC3D6AB}" destId="{1A4009DF-EC3F-4C26-9D56-172FE71A2222}" srcOrd="0" destOrd="0" parTransId="{83889FFC-1C32-4B77-AAD0-7B98917C0DFB}" sibTransId="{9B979F51-5927-4C63-AEB6-089BDAE897AA}"/>
+    <dgm:cxn modelId="{4AED0B15-5E6F-41C3-9BCB-08AB04C4692A}" srcId="{1A4009DF-EC3F-4C26-9D56-172FE71A2222}" destId="{970D3354-3A4E-4CB7-BB8E-F02BA2C4FEF1}" srcOrd="2" destOrd="0" parTransId="{80070577-2936-4D65-8D5E-7B2AA90043FE}" sibTransId="{8B2CC2EA-FC87-4F09-82C7-2B2F2799677A}"/>
     <dgm:cxn modelId="{28455400-A8EA-45DC-90F7-DD79B2E1C60E}" type="presOf" srcId="{1E63D8C7-65C4-4A40-84C4-6FF9BAC30596}" destId="{2B61AAD6-E531-4121-B72F-F0BD60C35DFF}" srcOrd="0" destOrd="1" presId="urn:microsoft.com/office/officeart/2005/8/layout/vList5"/>
-    <dgm:cxn modelId="{2E77966F-9C90-4D49-ACEE-7371D220C972}" type="presOf" srcId="{000E37F6-3D5C-4F58-8E42-C0C836B22306}" destId="{97F5048E-AB88-4337-9277-5E73276002E4}" srcOrd="0" destOrd="0" presId="urn:microsoft.com/office/officeart/2005/8/layout/vList5"/>
-    <dgm:cxn modelId="{68DC8CED-771E-45BD-A07D-ED07ED7BE10C}" type="presOf" srcId="{55E4103E-0FAC-4F67-959A-D23DFFD3EE13}" destId="{FCD8F946-7A84-41C9-A0FC-C962C832D6D7}" srcOrd="0" destOrd="0" presId="urn:microsoft.com/office/officeart/2005/8/layout/vList5"/>
-    <dgm:cxn modelId="{3C0A00BC-1F66-4A1E-9C2A-6E823B75E82A}" type="presOf" srcId="{04F06F67-5E2B-48E7-8201-BE47791E73A8}" destId="{97F5048E-AB88-4337-9277-5E73276002E4}" srcOrd="0" destOrd="2" presId="urn:microsoft.com/office/officeart/2005/8/layout/vList5"/>
-    <dgm:cxn modelId="{987A152F-3F46-4867-B136-CC7670FCCA2D}" srcId="{1A4009DF-EC3F-4C26-9D56-172FE71A2222}" destId="{7233AECB-B969-4FE1-A4FA-4111BF57CBC0}" srcOrd="0" destOrd="0" parTransId="{49461D99-E6D8-4A63-8536-AAFBF401FE37}" sibTransId="{6561EDEF-907C-4484-9691-81F2B19A47CF}"/>
-    <dgm:cxn modelId="{E48B1069-652F-43CC-B7CA-1D1798848D87}" type="presOf" srcId="{3E190EBC-CB06-43CD-A006-DE156AEE2239}" destId="{4BF4C251-D64E-41E1-9C52-1A77BD0B3F30}" srcOrd="0" destOrd="1" presId="urn:microsoft.com/office/officeart/2005/8/layout/vList5"/>
-    <dgm:cxn modelId="{BB792AF6-5D62-464F-8499-D079D492D285}" type="presOf" srcId="{970D3354-3A4E-4CB7-BB8E-F02BA2C4FEF1}" destId="{2B61AAD6-E531-4121-B72F-F0BD60C35DFF}" srcOrd="0" destOrd="2" presId="urn:microsoft.com/office/officeart/2005/8/layout/vList5"/>
+    <dgm:cxn modelId="{560703E7-25AF-4B13-8A57-6A47CF3EA55B}" type="presOf" srcId="{F8F718D8-BD92-4937-958C-077A3717ADC7}" destId="{97F5048E-AB88-4337-9277-5E73276002E4}" srcOrd="0" destOrd="1" presId="urn:microsoft.com/office/officeart/2005/8/layout/vList5"/>
     <dgm:cxn modelId="{467DD670-0BDD-4518-BF8E-583551C51B6D}" type="presOf" srcId="{7D00303A-CC9C-4E30-BE83-018CB9CBE8EF}" destId="{21AF9AFE-ED21-4F8B-9812-DE2D96350964}" srcOrd="0" destOrd="0" presId="urn:microsoft.com/office/officeart/2005/8/layout/vList5"/>
-    <dgm:cxn modelId="{4AED0B15-5E6F-41C3-9BCB-08AB04C4692A}" srcId="{1A4009DF-EC3F-4C26-9D56-172FE71A2222}" destId="{970D3354-3A4E-4CB7-BB8E-F02BA2C4FEF1}" srcOrd="2" destOrd="0" parTransId="{80070577-2936-4D65-8D5E-7B2AA90043FE}" sibTransId="{8B2CC2EA-FC87-4F09-82C7-2B2F2799677A}"/>
-    <dgm:cxn modelId="{104F8966-915D-41DC-96B7-364D482132AD}" type="presOf" srcId="{AFA647CE-34F2-4754-BB88-0F280AC3D6AB}" destId="{7229C3CC-37DE-4846-9C62-5312B4F45E97}" srcOrd="0" destOrd="0" presId="urn:microsoft.com/office/officeart/2005/8/layout/vList5"/>
-    <dgm:cxn modelId="{D8D50351-AA61-40F2-8DC4-2D95B2992DA9}" srcId="{AFA647CE-34F2-4754-BB88-0F280AC3D6AB}" destId="{1A4009DF-EC3F-4C26-9D56-172FE71A2222}" srcOrd="0" destOrd="0" parTransId="{83889FFC-1C32-4B77-AAD0-7B98917C0DFB}" sibTransId="{9B979F51-5927-4C63-AEB6-089BDAE897AA}"/>
-    <dgm:cxn modelId="{C46E536E-D5DD-4D6F-8B94-0691975098B4}" type="presOf" srcId="{F8F718D8-BD92-4937-958C-077A3717ADC7}" destId="{97F5048E-AB88-4337-9277-5E73276002E4}" srcOrd="0" destOrd="3" presId="urn:microsoft.com/office/officeart/2005/8/layout/vList5"/>
-    <dgm:cxn modelId="{DB9E5162-82B2-40DD-B555-FC209DD6236E}" type="presOf" srcId="{CAAEC418-B47D-495E-A977-EA1CBD5C5645}" destId="{97F5048E-AB88-4337-9277-5E73276002E4}" srcOrd="0" destOrd="1" presId="urn:microsoft.com/office/officeart/2005/8/layout/vList5"/>
-    <dgm:cxn modelId="{62BD6857-073C-4BF9-A881-AF3DEF99E7A7}" srcId="{7D00303A-CC9C-4E30-BE83-018CB9CBE8EF}" destId="{CDAC1A3C-0E01-4A9D-8A07-E878818022BB}" srcOrd="2" destOrd="0" parTransId="{442FE926-5C7E-449B-8EDE-5F31337AE4B4}" sibTransId="{B13AE5E8-4D68-4EB2-94E8-5D44E3B72329}"/>
-    <dgm:cxn modelId="{58D460C8-9A29-41B7-9C85-A69ACEB8A918}" type="presOf" srcId="{7233AECB-B969-4FE1-A4FA-4111BF57CBC0}" destId="{2B61AAD6-E531-4121-B72F-F0BD60C35DFF}" srcOrd="0" destOrd="0" presId="urn:microsoft.com/office/officeart/2005/8/layout/vList5"/>
-    <dgm:cxn modelId="{D0B4943C-0306-47C0-ABDD-C9329F2DC7AA}" srcId="{55E4103E-0FAC-4F67-959A-D23DFFD3EE13}" destId="{04F06F67-5E2B-48E7-8201-BE47791E73A8}" srcOrd="2" destOrd="0" parTransId="{C47FB13F-173A-46DF-A9F7-B0665A58BDDD}" sibTransId="{034EBBB8-724F-4DFD-973E-5B06C8FD9185}"/>
-    <dgm:cxn modelId="{483B5339-57A6-4D04-A310-FFCE525184BC}" srcId="{1A4009DF-EC3F-4C26-9D56-172FE71A2222}" destId="{1E63D8C7-65C4-4A40-84C4-6FF9BAC30596}" srcOrd="1" destOrd="0" parTransId="{942E77D9-85C6-4938-963F-95E1C0407C77}" sibTransId="{F91561CD-2685-4F56-97E6-B3767F7F898C}"/>
-    <dgm:cxn modelId="{6BD3671E-215C-4CC3-A6B6-27DAE3A964A4}" srcId="{55E4103E-0FAC-4F67-959A-D23DFFD3EE13}" destId="{F8F718D8-BD92-4937-958C-077A3717ADC7}" srcOrd="3" destOrd="0" parTransId="{69FACFDC-3A73-4721-B104-A9DC1C836FEA}" sibTransId="{AF8802C1-292F-4498-BCFC-67712F03D89E}"/>
-    <dgm:cxn modelId="{C38CB919-EAB5-4E1F-AFC2-AE2A06B2870B}" srcId="{55E4103E-0FAC-4F67-959A-D23DFFD3EE13}" destId="{000E37F6-3D5C-4F58-8E42-C0C836B22306}" srcOrd="0" destOrd="0" parTransId="{C8803889-E38F-4C1A-BB74-2E52A83AFFDF}" sibTransId="{7BE10511-C548-4FED-AB79-1D566601E50E}"/>
-    <dgm:cxn modelId="{EDBB6D9B-C3A7-4F5C-AFC3-2A18CA902F51}" type="presOf" srcId="{05D2C431-34D0-4253-B8A8-9469EA813417}" destId="{4BF4C251-D64E-41E1-9C52-1A77BD0B3F30}" srcOrd="0" destOrd="0" presId="urn:microsoft.com/office/officeart/2005/8/layout/vList5"/>
     <dgm:cxn modelId="{B2ECEAFD-15A3-45D6-BFDB-29B183F97513}" srcId="{AFA647CE-34F2-4754-BB88-0F280AC3D6AB}" destId="{55E4103E-0FAC-4F67-959A-D23DFFD3EE13}" srcOrd="2" destOrd="0" parTransId="{56F64394-90C9-4F5D-BF16-37CA5E539719}" sibTransId="{FECB9E4F-1559-4B49-A949-8A95F8638BAA}"/>
     <dgm:cxn modelId="{89D5A890-66BE-4991-9AE4-F4D7943F0339}" type="presOf" srcId="{CDAC1A3C-0E01-4A9D-8A07-E878818022BB}" destId="{4BF4C251-D64E-41E1-9C52-1A77BD0B3F30}" srcOrd="0" destOrd="2" presId="urn:microsoft.com/office/officeart/2005/8/layout/vList5"/>
-    <dgm:cxn modelId="{68C831FD-9D77-49A2-9BBD-DB3118921706}" srcId="{55E4103E-0FAC-4F67-959A-D23DFFD3EE13}" destId="{CAAEC418-B47D-495E-A977-EA1CBD5C5645}" srcOrd="1" destOrd="0" parTransId="{26126D02-32C5-49DE-915B-D6436DE4713F}" sibTransId="{EFE3B438-5D03-4237-AEE9-25F9FA78F6EC}"/>
-    <dgm:cxn modelId="{20F875B6-783C-45C2-88FD-F349C5C6E974}" type="presOf" srcId="{1A4009DF-EC3F-4C26-9D56-172FE71A2222}" destId="{FA2407F3-936B-432A-92BF-F571E6ACADCD}" srcOrd="0" destOrd="0" presId="urn:microsoft.com/office/officeart/2005/8/layout/vList5"/>
-    <dgm:cxn modelId="{48861A03-EA90-4674-9390-CCEDAFEF83C0}" srcId="{7D00303A-CC9C-4E30-BE83-018CB9CBE8EF}" destId="{3E190EBC-CB06-43CD-A006-DE156AEE2239}" srcOrd="1" destOrd="0" parTransId="{111A4A63-57FF-45B0-B3AF-009B292F25C2}" sibTransId="{B74B803C-E803-47E3-9CE7-FD61A47BBD61}"/>
-    <dgm:cxn modelId="{72F5DEF4-C6B7-47FA-B3DF-1DD20690EB10}" srcId="{AFA647CE-34F2-4754-BB88-0F280AC3D6AB}" destId="{7D00303A-CC9C-4E30-BE83-018CB9CBE8EF}" srcOrd="1" destOrd="0" parTransId="{B611DA4C-0EF9-4E3A-978F-60F2521BCEFE}" sibTransId="{7E42FDD0-DF9A-4CBA-A4E0-7C6B18EA24E2}"/>
+    <dgm:cxn modelId="{987A152F-3F46-4867-B136-CC7670FCCA2D}" srcId="{1A4009DF-EC3F-4C26-9D56-172FE71A2222}" destId="{7233AECB-B969-4FE1-A4FA-4111BF57CBC0}" srcOrd="0" destOrd="0" parTransId="{49461D99-E6D8-4A63-8536-AAFBF401FE37}" sibTransId="{6561EDEF-907C-4484-9691-81F2B19A47CF}"/>
+    <dgm:cxn modelId="{EDBB6D9B-C3A7-4F5C-AFC3-2A18CA902F51}" type="presOf" srcId="{05D2C431-34D0-4253-B8A8-9469EA813417}" destId="{4BF4C251-D64E-41E1-9C52-1A77BD0B3F30}" srcOrd="0" destOrd="0" presId="urn:microsoft.com/office/officeart/2005/8/layout/vList5"/>
+    <dgm:cxn modelId="{BB792AF6-5D62-464F-8499-D079D492D285}" type="presOf" srcId="{970D3354-3A4E-4CB7-BB8E-F02BA2C4FEF1}" destId="{2B61AAD6-E531-4121-B72F-F0BD60C35DFF}" srcOrd="0" destOrd="2" presId="urn:microsoft.com/office/officeart/2005/8/layout/vList5"/>
+    <dgm:cxn modelId="{58D460C8-9A29-41B7-9C85-A69ACEB8A918}" type="presOf" srcId="{7233AECB-B969-4FE1-A4FA-4111BF57CBC0}" destId="{2B61AAD6-E531-4121-B72F-F0BD60C35DFF}" srcOrd="0" destOrd="0" presId="urn:microsoft.com/office/officeart/2005/8/layout/vList5"/>
+    <dgm:cxn modelId="{104F8966-915D-41DC-96B7-364D482132AD}" type="presOf" srcId="{AFA647CE-34F2-4754-BB88-0F280AC3D6AB}" destId="{7229C3CC-37DE-4846-9C62-5312B4F45E97}" srcOrd="0" destOrd="0" presId="urn:microsoft.com/office/officeart/2005/8/layout/vList5"/>
+    <dgm:cxn modelId="{A706016F-56CA-4876-9F26-E85557D7BB6F}" type="presOf" srcId="{04F06F67-5E2B-48E7-8201-BE47791E73A8}" destId="{97F5048E-AB88-4337-9277-5E73276002E4}" srcOrd="0" destOrd="0" presId="urn:microsoft.com/office/officeart/2005/8/layout/vList5"/>
     <dgm:cxn modelId="{256FE214-290D-4FC6-B1A1-EB59993EE012}" type="presParOf" srcId="{7229C3CC-37DE-4846-9C62-5312B4F45E97}" destId="{8F9D18CD-7365-423C-AB09-760E7F62AA28}" srcOrd="0" destOrd="0" presId="urn:microsoft.com/office/officeart/2005/8/layout/vList5"/>
     <dgm:cxn modelId="{ED30BB98-FB51-4ABE-95F8-DD81B50AB209}" type="presParOf" srcId="{8F9D18CD-7365-423C-AB09-760E7F62AA28}" destId="{FA2407F3-936B-432A-92BF-F571E6ACADCD}" srcOrd="0" destOrd="0" presId="urn:microsoft.com/office/officeart/2005/8/layout/vList5"/>
     <dgm:cxn modelId="{4999FA6D-B0E7-4C41-9703-87CF62C97881}" type="presParOf" srcId="{8F9D18CD-7365-423C-AB09-760E7F62AA28}" destId="{2B61AAD6-E531-4121-B72F-F0BD60C35DFF}" srcOrd="1" destOrd="0" presId="urn:microsoft.com/office/officeart/2005/8/layout/vList5"/>
@@ -4533,7 +4469,7 @@
     <dgm:cxn modelId="{2F480E28-1DB7-4429-A2A4-FE90ECF93377}" type="presParOf" srcId="{7229C3CC-37DE-4846-9C62-5312B4F45E97}" destId="{5DE82174-17D6-41D7-BDD2-371D41630D85}" srcOrd="3" destOrd="0" presId="urn:microsoft.com/office/officeart/2005/8/layout/vList5"/>
     <dgm:cxn modelId="{3FA01B17-4203-4E79-8C71-DC4D7BBAE433}" type="presParOf" srcId="{7229C3CC-37DE-4846-9C62-5312B4F45E97}" destId="{3775A931-23C9-43A0-8B9D-F98DFD2D3072}" srcOrd="4" destOrd="0" presId="urn:microsoft.com/office/officeart/2005/8/layout/vList5"/>
     <dgm:cxn modelId="{383D8C7F-4441-41FB-B0F3-D7215A338037}" type="presParOf" srcId="{3775A931-23C9-43A0-8B9D-F98DFD2D3072}" destId="{FCD8F946-7A84-41C9-A0FC-C962C832D6D7}" srcOrd="0" destOrd="0" presId="urn:microsoft.com/office/officeart/2005/8/layout/vList5"/>
-    <dgm:cxn modelId="{CC64150D-E606-4DCD-80BD-3030E17FDBB2}" type="presParOf" srcId="{3775A931-23C9-43A0-8B9D-F98DFD2D3072}" destId="{97F5048E-AB88-4337-9277-5E73276002E4}" srcOrd="1" destOrd="0" presId="urn:microsoft.com/office/officeart/2005/8/layout/vList5"/>
+    <dgm:cxn modelId="{D15F9E8B-CC09-4519-9AEA-791AA15BA9A1}" type="presParOf" srcId="{3775A931-23C9-43A0-8B9D-F98DFD2D3072}" destId="{97F5048E-AB88-4337-9277-5E73276002E4}" srcOrd="1" destOrd="0" presId="urn:microsoft.com/office/officeart/2005/8/layout/vList5"/>
   </dgm:cxnLst>
   <dgm:bg/>
   <dgm:whole/>
@@ -4578,11 +4514,15 @@
           </a:pPr>
           <a:r>
             <a:rPr lang="en-US" altLang="zh-TW" sz="1800" dirty="0" err="1" smtClean="0"/>
-            <a:t>SendMessage</a:t>
+            <a:t>doStep</a:t>
           </a:r>
           <a:r>
             <a:rPr lang="en-US" altLang="zh-TW" sz="1800" dirty="0" smtClean="0"/>
             <a:t>()</a:t>
+          </a:r>
+          <a:r>
+            <a:rPr lang="en-US" altLang="zh-TW" sz="1800" dirty="0" smtClean="0"/>
+            <a:t/>
           </a:r>
           <a:br>
             <a:rPr lang="en-US" altLang="zh-TW" sz="1800" dirty="0" smtClean="0"/>
@@ -4686,11 +4626,15 @@
           </a:pPr>
           <a:r>
             <a:rPr lang="en-US" altLang="zh-TW" sz="1800" dirty="0" err="1" smtClean="0"/>
-            <a:t>OnRecieveMessage</a:t>
+            <a:t>finishStep</a:t>
           </a:r>
           <a:r>
             <a:rPr lang="en-US" altLang="zh-TW" sz="1800" dirty="0" smtClean="0"/>
             <a:t>()</a:t>
+          </a:r>
+          <a:r>
+            <a:rPr lang="en-US" altLang="zh-TW" sz="1800" dirty="0" smtClean="0"/>
+            <a:t/>
           </a:r>
           <a:br>
             <a:rPr lang="en-US" altLang="zh-TW" sz="1800" dirty="0" smtClean="0"/>
@@ -4744,11 +4688,15 @@
           </a:pPr>
           <a:r>
             <a:rPr lang="en-US" altLang="zh-TW" sz="1800" dirty="0" err="1" smtClean="0"/>
-            <a:t>nextRound</a:t>
+            <a:t>finishGame</a:t>
           </a:r>
           <a:r>
             <a:rPr lang="en-US" altLang="zh-TW" sz="1800" dirty="0" smtClean="0"/>
             <a:t>()</a:t>
+          </a:r>
+          <a:r>
+            <a:rPr lang="en-US" altLang="zh-TW" sz="1800" dirty="0" smtClean="0"/>
+            <a:t/>
           </a:r>
           <a:br>
             <a:rPr lang="en-US" altLang="zh-TW" sz="1800" dirty="0" smtClean="0"/>
@@ -4802,11 +4750,15 @@
           </a:pPr>
           <a:r>
             <a:rPr lang="en-US" altLang="zh-TW" sz="1800" dirty="0" err="1" smtClean="0"/>
-            <a:t>onNextRound</a:t>
+            <a:t>replyCheck</a:t>
           </a:r>
           <a:r>
             <a:rPr lang="en-US" altLang="zh-TW" sz="1800" dirty="0" smtClean="0"/>
             <a:t>()</a:t>
+          </a:r>
+          <a:r>
+            <a:rPr lang="en-US" altLang="zh-TW" sz="1800" dirty="0" smtClean="0"/>
+            <a:t/>
           </a:r>
           <a:br>
             <a:rPr lang="en-US" altLang="zh-TW" sz="1800" dirty="0" smtClean="0"/>
@@ -5058,23 +5010,23 @@
     </dgm:pt>
   </dgm:ptLst>
   <dgm:cxnLst>
+    <dgm:cxn modelId="{0165778F-E334-4780-973D-BA1E3B8AD647}" srcId="{1A4009DF-EC3F-4C26-9D56-172FE71A2222}" destId="{3E5D2219-22F8-46D6-AF15-612701664DB9}" srcOrd="5" destOrd="0" parTransId="{B666DA9A-6DE3-4564-A130-77FDABCE1904}" sibTransId="{8AF279FE-15BC-496F-AE7F-237C9F7F4944}"/>
+    <dgm:cxn modelId="{5FC3FB34-F797-4AB3-B92E-FE135663B281}" type="presOf" srcId="{30EE03B3-5579-4C9F-80DA-E4E2AD8D0A6B}" destId="{2B61AAD6-E531-4121-B72F-F0BD60C35DFF}" srcOrd="0" destOrd="4" presId="urn:microsoft.com/office/officeart/2005/8/layout/vList5"/>
+    <dgm:cxn modelId="{350C712F-3A9C-4DCC-B4B6-92D222AF451C}" type="presOf" srcId="{5626118E-B487-494D-BAB0-553B366E041E}" destId="{2B61AAD6-E531-4121-B72F-F0BD60C35DFF}" srcOrd="0" destOrd="2" presId="urn:microsoft.com/office/officeart/2005/8/layout/vList5"/>
+    <dgm:cxn modelId="{5558E5BD-417A-4C7A-8E47-8685495A5104}" srcId="{1A4009DF-EC3F-4C26-9D56-172FE71A2222}" destId="{30EE03B3-5579-4C9F-80DA-E4E2AD8D0A6B}" srcOrd="4" destOrd="0" parTransId="{37E7F380-0AA6-4DE7-9066-9EC2A34A8EA3}" sibTransId="{30EF677E-7680-4923-8B42-F353E7F99CB9}"/>
     <dgm:cxn modelId="{987A152F-3F46-4867-B136-CC7670FCCA2D}" srcId="{1A4009DF-EC3F-4C26-9D56-172FE71A2222}" destId="{7233AECB-B969-4FE1-A4FA-4111BF57CBC0}" srcOrd="1" destOrd="0" parTransId="{49461D99-E6D8-4A63-8536-AAFBF401FE37}" sibTransId="{6561EDEF-907C-4484-9691-81F2B19A47CF}"/>
-    <dgm:cxn modelId="{350C712F-3A9C-4DCC-B4B6-92D222AF451C}" type="presOf" srcId="{5626118E-B487-494D-BAB0-553B366E041E}" destId="{2B61AAD6-E531-4121-B72F-F0BD60C35DFF}" srcOrd="0" destOrd="2" presId="urn:microsoft.com/office/officeart/2005/8/layout/vList5"/>
+    <dgm:cxn modelId="{D8D50351-AA61-40F2-8DC4-2D95B2992DA9}" srcId="{AFA647CE-34F2-4754-BB88-0F280AC3D6AB}" destId="{1A4009DF-EC3F-4C26-9D56-172FE71A2222}" srcOrd="0" destOrd="0" parTransId="{83889FFC-1C32-4B77-AAD0-7B98917C0DFB}" sibTransId="{9B979F51-5927-4C63-AEB6-089BDAE897AA}"/>
+    <dgm:cxn modelId="{F59396E5-4A17-4AD0-AF94-43A52F9E5C7A}" srcId="{1A4009DF-EC3F-4C26-9D56-172FE71A2222}" destId="{ACF4554A-19D0-4269-9E77-C18AC75FF5D5}" srcOrd="0" destOrd="0" parTransId="{5C4A9124-6727-4E86-BEE8-85338DA756AB}" sibTransId="{1670201E-E02F-4BBB-A919-E2F3DFAA8F11}"/>
+    <dgm:cxn modelId="{83E01E6A-382B-4878-9D17-73DF412CE66A}" type="presOf" srcId="{1A4009DF-EC3F-4C26-9D56-172FE71A2222}" destId="{FA2407F3-936B-432A-92BF-F571E6ACADCD}" srcOrd="0" destOrd="0" presId="urn:microsoft.com/office/officeart/2005/8/layout/vList5"/>
+    <dgm:cxn modelId="{032F768D-4AE7-4C86-967F-043E24FA116A}" srcId="{1A4009DF-EC3F-4C26-9D56-172FE71A2222}" destId="{6793492A-25F3-45B8-966D-2AACBD3C8DFA}" srcOrd="3" destOrd="0" parTransId="{F785F179-63EA-415E-92C0-78B44670C142}" sibTransId="{07929BE0-B7BC-436C-BB2E-E7C21C4E329D}"/>
+    <dgm:cxn modelId="{9F7D273E-F253-4C12-B057-EF67B5017B48}" srcId="{1A4009DF-EC3F-4C26-9D56-172FE71A2222}" destId="{808A5515-1CA7-4003-A440-1983B84AB80F}" srcOrd="6" destOrd="0" parTransId="{7238839E-5FAC-4BA7-87DE-8414F0249FA8}" sibTransId="{44481D22-BFBC-42CF-9BD6-3E60FAF77C7B}"/>
+    <dgm:cxn modelId="{F946FBDF-8218-4B4E-BC1F-6DF43C3D199C}" srcId="{1A4009DF-EC3F-4C26-9D56-172FE71A2222}" destId="{5626118E-B487-494D-BAB0-553B366E041E}" srcOrd="2" destOrd="0" parTransId="{1F49C337-1631-47F3-8DEC-D7FAF9026FC7}" sibTransId="{F75E6FE8-D5A9-4B1C-B025-9A27A4FCB1C9}"/>
+    <dgm:cxn modelId="{F8CC5956-6E4C-4F20-AABA-493D1D68E097}" type="presOf" srcId="{7233AECB-B969-4FE1-A4FA-4111BF57CBC0}" destId="{2B61AAD6-E531-4121-B72F-F0BD60C35DFF}" srcOrd="0" destOrd="1" presId="urn:microsoft.com/office/officeart/2005/8/layout/vList5"/>
+    <dgm:cxn modelId="{80C90051-F848-482C-ABF2-7087FFD66C70}" type="presOf" srcId="{3E5D2219-22F8-46D6-AF15-612701664DB9}" destId="{2B61AAD6-E531-4121-B72F-F0BD60C35DFF}" srcOrd="0" destOrd="5" presId="urn:microsoft.com/office/officeart/2005/8/layout/vList5"/>
+    <dgm:cxn modelId="{BCC1CD68-1927-4210-B971-397E06812709}" type="presOf" srcId="{6793492A-25F3-45B8-966D-2AACBD3C8DFA}" destId="{2B61AAD6-E531-4121-B72F-F0BD60C35DFF}" srcOrd="0" destOrd="3" presId="urn:microsoft.com/office/officeart/2005/8/layout/vList5"/>
+    <dgm:cxn modelId="{78E482AF-3A15-42B0-A69B-05BC7C5E9130}" type="presOf" srcId="{ACF4554A-19D0-4269-9E77-C18AC75FF5D5}" destId="{2B61AAD6-E531-4121-B72F-F0BD60C35DFF}" srcOrd="0" destOrd="0" presId="urn:microsoft.com/office/officeart/2005/8/layout/vList5"/>
+    <dgm:cxn modelId="{4087D22E-EB03-49A9-ACB3-EBF5940D6E14}" type="presOf" srcId="{808A5515-1CA7-4003-A440-1983B84AB80F}" destId="{2B61AAD6-E531-4121-B72F-F0BD60C35DFF}" srcOrd="0" destOrd="6" presId="urn:microsoft.com/office/officeart/2005/8/layout/vList5"/>
     <dgm:cxn modelId="{8AEFCED7-5F42-4C37-AE00-A9368099B42B}" type="presOf" srcId="{AFA647CE-34F2-4754-BB88-0F280AC3D6AB}" destId="{7229C3CC-37DE-4846-9C62-5312B4F45E97}" srcOrd="0" destOrd="0" presId="urn:microsoft.com/office/officeart/2005/8/layout/vList5"/>
-    <dgm:cxn modelId="{032F768D-4AE7-4C86-967F-043E24FA116A}" srcId="{1A4009DF-EC3F-4C26-9D56-172FE71A2222}" destId="{6793492A-25F3-45B8-966D-2AACBD3C8DFA}" srcOrd="3" destOrd="0" parTransId="{F785F179-63EA-415E-92C0-78B44670C142}" sibTransId="{07929BE0-B7BC-436C-BB2E-E7C21C4E329D}"/>
-    <dgm:cxn modelId="{5FC3FB34-F797-4AB3-B92E-FE135663B281}" type="presOf" srcId="{30EE03B3-5579-4C9F-80DA-E4E2AD8D0A6B}" destId="{2B61AAD6-E531-4121-B72F-F0BD60C35DFF}" srcOrd="0" destOrd="4" presId="urn:microsoft.com/office/officeart/2005/8/layout/vList5"/>
-    <dgm:cxn modelId="{0165778F-E334-4780-973D-BA1E3B8AD647}" srcId="{1A4009DF-EC3F-4C26-9D56-172FE71A2222}" destId="{3E5D2219-22F8-46D6-AF15-612701664DB9}" srcOrd="5" destOrd="0" parTransId="{B666DA9A-6DE3-4564-A130-77FDABCE1904}" sibTransId="{8AF279FE-15BC-496F-AE7F-237C9F7F4944}"/>
-    <dgm:cxn modelId="{BCC1CD68-1927-4210-B971-397E06812709}" type="presOf" srcId="{6793492A-25F3-45B8-966D-2AACBD3C8DFA}" destId="{2B61AAD6-E531-4121-B72F-F0BD60C35DFF}" srcOrd="0" destOrd="3" presId="urn:microsoft.com/office/officeart/2005/8/layout/vList5"/>
-    <dgm:cxn modelId="{80C90051-F848-482C-ABF2-7087FFD66C70}" type="presOf" srcId="{3E5D2219-22F8-46D6-AF15-612701664DB9}" destId="{2B61AAD6-E531-4121-B72F-F0BD60C35DFF}" srcOrd="0" destOrd="5" presId="urn:microsoft.com/office/officeart/2005/8/layout/vList5"/>
-    <dgm:cxn modelId="{F946FBDF-8218-4B4E-BC1F-6DF43C3D199C}" srcId="{1A4009DF-EC3F-4C26-9D56-172FE71A2222}" destId="{5626118E-B487-494D-BAB0-553B366E041E}" srcOrd="2" destOrd="0" parTransId="{1F49C337-1631-47F3-8DEC-D7FAF9026FC7}" sibTransId="{F75E6FE8-D5A9-4B1C-B025-9A27A4FCB1C9}"/>
-    <dgm:cxn modelId="{5558E5BD-417A-4C7A-8E47-8685495A5104}" srcId="{1A4009DF-EC3F-4C26-9D56-172FE71A2222}" destId="{30EE03B3-5579-4C9F-80DA-E4E2AD8D0A6B}" srcOrd="4" destOrd="0" parTransId="{37E7F380-0AA6-4DE7-9066-9EC2A34A8EA3}" sibTransId="{30EF677E-7680-4923-8B42-F353E7F99CB9}"/>
-    <dgm:cxn modelId="{F8CC5956-6E4C-4F20-AABA-493D1D68E097}" type="presOf" srcId="{7233AECB-B969-4FE1-A4FA-4111BF57CBC0}" destId="{2B61AAD6-E531-4121-B72F-F0BD60C35DFF}" srcOrd="0" destOrd="1" presId="urn:microsoft.com/office/officeart/2005/8/layout/vList5"/>
-    <dgm:cxn modelId="{F59396E5-4A17-4AD0-AF94-43A52F9E5C7A}" srcId="{1A4009DF-EC3F-4C26-9D56-172FE71A2222}" destId="{ACF4554A-19D0-4269-9E77-C18AC75FF5D5}" srcOrd="0" destOrd="0" parTransId="{5C4A9124-6727-4E86-BEE8-85338DA756AB}" sibTransId="{1670201E-E02F-4BBB-A919-E2F3DFAA8F11}"/>
-    <dgm:cxn modelId="{9F7D273E-F253-4C12-B057-EF67B5017B48}" srcId="{1A4009DF-EC3F-4C26-9D56-172FE71A2222}" destId="{808A5515-1CA7-4003-A440-1983B84AB80F}" srcOrd="6" destOrd="0" parTransId="{7238839E-5FAC-4BA7-87DE-8414F0249FA8}" sibTransId="{44481D22-BFBC-42CF-9BD6-3E60FAF77C7B}"/>
-    <dgm:cxn modelId="{D8D50351-AA61-40F2-8DC4-2D95B2992DA9}" srcId="{AFA647CE-34F2-4754-BB88-0F280AC3D6AB}" destId="{1A4009DF-EC3F-4C26-9D56-172FE71A2222}" srcOrd="0" destOrd="0" parTransId="{83889FFC-1C32-4B77-AAD0-7B98917C0DFB}" sibTransId="{9B979F51-5927-4C63-AEB6-089BDAE897AA}"/>
-    <dgm:cxn modelId="{4087D22E-EB03-49A9-ACB3-EBF5940D6E14}" type="presOf" srcId="{808A5515-1CA7-4003-A440-1983B84AB80F}" destId="{2B61AAD6-E531-4121-B72F-F0BD60C35DFF}" srcOrd="0" destOrd="6" presId="urn:microsoft.com/office/officeart/2005/8/layout/vList5"/>
-    <dgm:cxn modelId="{83E01E6A-382B-4878-9D17-73DF412CE66A}" type="presOf" srcId="{1A4009DF-EC3F-4C26-9D56-172FE71A2222}" destId="{FA2407F3-936B-432A-92BF-F571E6ACADCD}" srcOrd="0" destOrd="0" presId="urn:microsoft.com/office/officeart/2005/8/layout/vList5"/>
-    <dgm:cxn modelId="{78E482AF-3A15-42B0-A69B-05BC7C5E9130}" type="presOf" srcId="{ACF4554A-19D0-4269-9E77-C18AC75FF5D5}" destId="{2B61AAD6-E531-4121-B72F-F0BD60C35DFF}" srcOrd="0" destOrd="0" presId="urn:microsoft.com/office/officeart/2005/8/layout/vList5"/>
     <dgm:cxn modelId="{F492D567-AC07-414E-AB09-E673262E5D25}" type="presParOf" srcId="{7229C3CC-37DE-4846-9C62-5312B4F45E97}" destId="{8F9D18CD-7365-423C-AB09-760E7F62AA28}" srcOrd="0" destOrd="0" presId="urn:microsoft.com/office/officeart/2005/8/layout/vList5"/>
     <dgm:cxn modelId="{08F86F06-690B-48F3-AA13-E30E7DEF0129}" type="presParOf" srcId="{8F9D18CD-7365-423C-AB09-760E7F62AA28}" destId="{FA2407F3-936B-432A-92BF-F571E6ACADCD}" srcOrd="0" destOrd="0" presId="urn:microsoft.com/office/officeart/2005/8/layout/vList5"/>
     <dgm:cxn modelId="{F57A6162-9616-495F-BD3B-2C0E5D6ED4D5}" type="presParOf" srcId="{8F9D18CD-7365-423C-AB09-760E7F62AA28}" destId="{2B61AAD6-E531-4121-B72F-F0BD60C35DFF}" srcOrd="1" destOrd="0" presId="urn:microsoft.com/office/officeart/2005/8/layout/vList5"/>
@@ -5859,14 +5811,22 @@
             <a:buChar char="••"/>
           </a:pPr>
           <a:r>
-            <a:rPr lang="en-US" altLang="zh-TW" sz="1800" kern="1200" smtClean="0">
+            <a:rPr lang="en-US" altLang="zh-TW" sz="1800" kern="1200" dirty="0" err="1" smtClean="0">
               <a:latin typeface="Calibri" panose="020F0502020204030204"/>
               <a:ea typeface="新細明體" panose="02020500000000000000" pitchFamily="18" charset="-120"/>
               <a:cs typeface="+mn-cs"/>
             </a:rPr>
-            <a:t>onLoginSuccess()</a:t>
+            <a:t>onLoginSuccess</a:t>
           </a:r>
-          <a:endParaRPr lang="zh-TW" altLang="en-US" sz="1800" kern="1200">
+          <a:r>
+            <a:rPr lang="en-US" altLang="zh-TW" sz="1800" kern="1200" dirty="0" smtClean="0">
+              <a:latin typeface="Calibri" panose="020F0502020204030204"/>
+              <a:ea typeface="新細明體" panose="02020500000000000000" pitchFamily="18" charset="-120"/>
+              <a:cs typeface="+mn-cs"/>
+            </a:rPr>
+            <a:t>()</a:t>
+          </a:r>
+          <a:endParaRPr lang="zh-TW" altLang="en-US" sz="1800" kern="1200" dirty="0">
             <a:latin typeface="Calibri" panose="020F0502020204030204"/>
             <a:ea typeface="新細明體" panose="02020500000000000000" pitchFamily="18" charset="-120"/>
             <a:cs typeface="+mn-cs"/>
@@ -5886,14 +5846,22 @@
             <a:buChar char="••"/>
           </a:pPr>
           <a:r>
-            <a:rPr lang="en-US" altLang="zh-TW" sz="1800" kern="1200" smtClean="0">
+            <a:rPr lang="en-US" altLang="zh-TW" sz="1800" kern="1200" dirty="0" err="1" smtClean="0">
               <a:latin typeface="Calibri" panose="020F0502020204030204"/>
               <a:ea typeface="新細明體" panose="02020500000000000000" pitchFamily="18" charset="-120"/>
               <a:cs typeface="+mn-cs"/>
             </a:rPr>
-            <a:t>onLoginFailed()</a:t>
+            <a:t>onLoginFailed</a:t>
           </a:r>
-          <a:endParaRPr lang="zh-TW" altLang="en-US" sz="1800" kern="1200">
+          <a:r>
+            <a:rPr lang="en-US" altLang="zh-TW" sz="1800" kern="1200" dirty="0" smtClean="0">
+              <a:latin typeface="Calibri" panose="020F0502020204030204"/>
+              <a:ea typeface="新細明體" panose="02020500000000000000" pitchFamily="18" charset="-120"/>
+              <a:cs typeface="+mn-cs"/>
+            </a:rPr>
+            <a:t>()</a:t>
+          </a:r>
+          <a:endParaRPr lang="zh-TW" altLang="en-US" sz="1800" kern="1200" dirty="0">
             <a:latin typeface="Calibri" panose="020F0502020204030204"/>
             <a:ea typeface="新細明體" panose="02020500000000000000" pitchFamily="18" charset="-120"/>
             <a:cs typeface="+mn-cs"/>
@@ -6130,14 +6098,22 @@
             <a:buChar char="••"/>
           </a:pPr>
           <a:r>
-            <a:rPr lang="en-US" altLang="zh-TW" sz="1800" kern="1200" smtClean="0">
+            <a:rPr lang="en-US" altLang="zh-TW" sz="1800" kern="1200" dirty="0" err="1" smtClean="0">
               <a:latin typeface="Calibri" panose="020F0502020204030204"/>
               <a:ea typeface="新細明體" panose="02020500000000000000" pitchFamily="18" charset="-120"/>
               <a:cs typeface="+mn-cs"/>
             </a:rPr>
-            <a:t>createRoom()</a:t>
+            <a:t>createGameRoom</a:t>
           </a:r>
-          <a:endParaRPr lang="zh-TW" altLang="en-US" sz="1800" kern="1200">
+          <a:r>
+            <a:rPr lang="en-US" altLang="zh-TW" sz="1800" kern="1200" dirty="0" smtClean="0">
+              <a:latin typeface="Calibri" panose="020F0502020204030204"/>
+              <a:ea typeface="新細明體" panose="02020500000000000000" pitchFamily="18" charset="-120"/>
+              <a:cs typeface="+mn-cs"/>
+            </a:rPr>
+            <a:t>()</a:t>
+          </a:r>
+          <a:endParaRPr lang="zh-TW" altLang="en-US" sz="1800" kern="1200" dirty="0">
             <a:latin typeface="Calibri" panose="020F0502020204030204"/>
             <a:ea typeface="新細明體" panose="02020500000000000000" pitchFamily="18" charset="-120"/>
             <a:cs typeface="+mn-cs"/>
@@ -6157,12 +6133,20 @@
             <a:buChar char="••"/>
           </a:pPr>
           <a:r>
-            <a:rPr lang="en-US" altLang="zh-TW" sz="1800" kern="1200" smtClean="0">
+            <a:rPr lang="en-US" altLang="zh-TW" sz="1800" kern="1200" dirty="0" err="1" smtClean="0">
               <a:latin typeface="Calibri" panose="020F0502020204030204"/>
               <a:ea typeface="新細明體" panose="02020500000000000000" pitchFamily="18" charset="-120"/>
               <a:cs typeface="+mn-cs"/>
             </a:rPr>
-            <a:t>joinRoom()</a:t>
+            <a:t>joinGameRoom</a:t>
+          </a:r>
+          <a:r>
+            <a:rPr lang="en-US" altLang="zh-TW" sz="1800" kern="1200" dirty="0" smtClean="0">
+              <a:latin typeface="Calibri" panose="020F0502020204030204"/>
+              <a:ea typeface="新細明體" panose="02020500000000000000" pitchFamily="18" charset="-120"/>
+              <a:cs typeface="+mn-cs"/>
+            </a:rPr>
+            <a:t>()</a:t>
           </a:r>
           <a:endParaRPr lang="zh-TW" altLang="en-US" sz="1800" kern="1200" dirty="0">
             <a:latin typeface="Calibri" panose="020F0502020204030204"/>
@@ -6366,66 +6350,20 @@
             <a:buChar char="••"/>
           </a:pPr>
           <a:r>
-            <a:rPr lang="en-US" altLang="zh-TW" sz="1800" kern="1200" smtClean="0">
+            <a:rPr lang="en-US" altLang="zh-TW" sz="1800" kern="1200" dirty="0" err="1" smtClean="0">
               <a:latin typeface="Calibri" panose="020F0502020204030204"/>
               <a:ea typeface="新細明體" panose="02020500000000000000" pitchFamily="18" charset="-120"/>
               <a:cs typeface="+mn-cs"/>
             </a:rPr>
-            <a:t>listRoomInfo()</a:t>
+            <a:t>leaveRoom</a:t>
           </a:r>
-          <a:endParaRPr lang="zh-TW" altLang="en-US" sz="1800" kern="1200" dirty="0">
-            <a:latin typeface="Calibri" panose="020F0502020204030204"/>
-            <a:ea typeface="新細明體" panose="02020500000000000000" pitchFamily="18" charset="-120"/>
-            <a:cs typeface="+mn-cs"/>
-          </a:endParaRPr>
-        </a:p>
-        <a:p>
-          <a:pPr marL="171450" lvl="1" indent="-171450" algn="l" defTabSz="800100">
-            <a:lnSpc>
-              <a:spcPct val="90000"/>
-            </a:lnSpc>
-            <a:spcBef>
-              <a:spcPct val="0"/>
-            </a:spcBef>
-            <a:spcAft>
-              <a:spcPct val="15000"/>
-            </a:spcAft>
-            <a:buChar char="••"/>
-          </a:pPr>
           <a:r>
-            <a:rPr lang="en-US" altLang="zh-TW" sz="1800" kern="1200" smtClean="0">
+            <a:rPr lang="en-US" altLang="zh-TW" sz="1800" kern="1200" dirty="0" smtClean="0">
               <a:latin typeface="Calibri" panose="020F0502020204030204"/>
               <a:ea typeface="新細明體" panose="02020500000000000000" pitchFamily="18" charset="-120"/>
               <a:cs typeface="+mn-cs"/>
             </a:rPr>
-            <a:t>listRoomPlayer()</a:t>
-          </a:r>
-          <a:endParaRPr lang="zh-TW" altLang="en-US" sz="1800" kern="1200" dirty="0">
-            <a:latin typeface="Calibri" panose="020F0502020204030204"/>
-            <a:ea typeface="新細明體" panose="02020500000000000000" pitchFamily="18" charset="-120"/>
-            <a:cs typeface="+mn-cs"/>
-          </a:endParaRPr>
-        </a:p>
-        <a:p>
-          <a:pPr marL="171450" lvl="1" indent="-171450" algn="l" defTabSz="800100">
-            <a:lnSpc>
-              <a:spcPct val="90000"/>
-            </a:lnSpc>
-            <a:spcBef>
-              <a:spcPct val="0"/>
-            </a:spcBef>
-            <a:spcAft>
-              <a:spcPct val="15000"/>
-            </a:spcAft>
-            <a:buChar char="••"/>
-          </a:pPr>
-          <a:r>
-            <a:rPr lang="en-US" altLang="zh-TW" sz="1800" kern="1200" smtClean="0">
-              <a:latin typeface="Calibri" panose="020F0502020204030204"/>
-              <a:ea typeface="新細明體" panose="02020500000000000000" pitchFamily="18" charset="-120"/>
-              <a:cs typeface="+mn-cs"/>
-            </a:rPr>
-            <a:t>leaveRoom()</a:t>
+            <a:t>()</a:t>
           </a:r>
           <a:endParaRPr lang="zh-TW" altLang="en-US" sz="1800" kern="1200" dirty="0">
             <a:latin typeface="Calibri" panose="020F0502020204030204"/>
@@ -6563,7 +6501,7 @@
             </a:spcAft>
           </a:pPr>
           <a:r>
-            <a:rPr lang="zh-TW" altLang="en-US" sz="1800" kern="1200" smtClean="0">
+            <a:rPr lang="zh-TW" altLang="en-US" sz="1800" kern="1200" dirty="0" smtClean="0">
               <a:latin typeface="Calibri" panose="020F0502020204030204"/>
               <a:ea typeface="新細明體" panose="02020500000000000000" pitchFamily="18" charset="-120"/>
               <a:cs typeface="+mn-cs"/>
@@ -6696,11 +6634,15 @@
           </a:pPr>
           <a:r>
             <a:rPr lang="en-US" altLang="zh-TW" sz="1800" kern="1200" dirty="0" err="1" smtClean="0"/>
-            <a:t>SendMessage</a:t>
+            <a:t>doStep</a:t>
           </a:r>
           <a:r>
             <a:rPr lang="en-US" altLang="zh-TW" sz="1800" kern="1200" dirty="0" smtClean="0"/>
             <a:t>()</a:t>
+          </a:r>
+          <a:r>
+            <a:rPr lang="en-US" altLang="zh-TW" sz="1800" kern="1200" dirty="0" smtClean="0"/>
+            <a:t/>
           </a:r>
           <a:br>
             <a:rPr lang="en-US" altLang="zh-TW" sz="1800" kern="1200" dirty="0" smtClean="0"/>
@@ -6726,11 +6668,15 @@
           </a:pPr>
           <a:r>
             <a:rPr lang="en-US" altLang="zh-TW" sz="1800" kern="1200" dirty="0" err="1" smtClean="0"/>
-            <a:t>OnRecieveMessage</a:t>
+            <a:t>finishStep</a:t>
           </a:r>
           <a:r>
             <a:rPr lang="en-US" altLang="zh-TW" sz="1800" kern="1200" dirty="0" smtClean="0"/>
             <a:t>()</a:t>
+          </a:r>
+          <a:r>
+            <a:rPr lang="en-US" altLang="zh-TW" sz="1800" kern="1200" dirty="0" smtClean="0"/>
+            <a:t/>
           </a:r>
           <a:br>
             <a:rPr lang="en-US" altLang="zh-TW" sz="1800" kern="1200" dirty="0" smtClean="0"/>
@@ -6756,11 +6702,15 @@
           </a:pPr>
           <a:r>
             <a:rPr lang="en-US" altLang="zh-TW" sz="1800" kern="1200" dirty="0" err="1" smtClean="0"/>
-            <a:t>nextRound</a:t>
+            <a:t>finishGame</a:t>
           </a:r>
           <a:r>
             <a:rPr lang="en-US" altLang="zh-TW" sz="1800" kern="1200" dirty="0" smtClean="0"/>
             <a:t>()</a:t>
+          </a:r>
+          <a:r>
+            <a:rPr lang="en-US" altLang="zh-TW" sz="1800" kern="1200" dirty="0" smtClean="0"/>
+            <a:t/>
           </a:r>
           <a:br>
             <a:rPr lang="en-US" altLang="zh-TW" sz="1800" kern="1200" dirty="0" smtClean="0"/>
@@ -6786,11 +6736,15 @@
           </a:pPr>
           <a:r>
             <a:rPr lang="en-US" altLang="zh-TW" sz="1800" kern="1200" dirty="0" err="1" smtClean="0"/>
-            <a:t>onNextRound</a:t>
+            <a:t>replyCheck</a:t>
           </a:r>
           <a:r>
             <a:rPr lang="en-US" altLang="zh-TW" sz="1800" kern="1200" dirty="0" smtClean="0"/>
             <a:t>()</a:t>
+          </a:r>
+          <a:r>
+            <a:rPr lang="en-US" altLang="zh-TW" sz="1800" kern="1200" dirty="0" smtClean="0"/>
+            <a:t/>
           </a:r>
           <a:br>
             <a:rPr lang="en-US" altLang="zh-TW" sz="1800" kern="1200" dirty="0" smtClean="0"/>
@@ -6987,83 +6941,6 @@
       <dsp:cNvGrpSpPr/>
     </dsp:nvGrpSpPr>
     <dsp:grpSpPr/>
-    <dsp:sp modelId="{B3F73B42-CED4-4F6E-A6EF-0EF31A03ECDD}">
-      <dsp:nvSpPr>
-        <dsp:cNvPr id="0" name=""/>
-        <dsp:cNvSpPr/>
-      </dsp:nvSpPr>
-      <dsp:spPr>
-        <a:xfrm>
-          <a:off x="2926080" y="0"/>
-          <a:ext cx="3291840" cy="1655762"/>
-        </a:xfrm>
-        <a:prstGeom prst="roundRect">
-          <a:avLst/>
-        </a:prstGeom>
-        <a:solidFill>
-          <a:schemeClr val="accent1">
-            <a:hueOff val="0"/>
-            <a:satOff val="0"/>
-            <a:lumOff val="0"/>
-            <a:alphaOff val="0"/>
-          </a:schemeClr>
-        </a:solidFill>
-        <a:ln w="15875" cap="flat" cmpd="sng" algn="ctr">
-          <a:solidFill>
-            <a:schemeClr val="lt1">
-              <a:hueOff val="0"/>
-              <a:satOff val="0"/>
-              <a:lumOff val="0"/>
-              <a:alphaOff val="0"/>
-            </a:schemeClr>
-          </a:solidFill>
-          <a:prstDash val="solid"/>
-        </a:ln>
-        <a:effectLst/>
-      </dsp:spPr>
-      <dsp:style>
-        <a:lnRef idx="2">
-          <a:scrgbClr r="0" g="0" b="0"/>
-        </a:lnRef>
-        <a:fillRef idx="1">
-          <a:scrgbClr r="0" g="0" b="0"/>
-        </a:fillRef>
-        <a:effectRef idx="0">
-          <a:scrgbClr r="0" g="0" b="0"/>
-        </a:effectRef>
-        <a:fontRef idx="minor">
-          <a:schemeClr val="lt1"/>
-        </a:fontRef>
-      </dsp:style>
-      <dsp:txBody>
-        <a:bodyPr spcFirstLastPara="0" vert="horz" wrap="square" lIns="201930" tIns="100965" rIns="201930" bIns="100965" numCol="1" spcCol="1270" anchor="ctr" anchorCtr="0">
-          <a:noAutofit/>
-        </a:bodyPr>
-        <a:lstStyle/>
-        <a:p>
-          <a:pPr lvl="0" algn="ctr" defTabSz="2355850" rtl="0">
-            <a:lnSpc>
-              <a:spcPct val="90000"/>
-            </a:lnSpc>
-            <a:spcBef>
-              <a:spcPct val="0"/>
-            </a:spcBef>
-            <a:spcAft>
-              <a:spcPct val="35000"/>
-            </a:spcAft>
-          </a:pPr>
-          <a:r>
-            <a:rPr lang="zh-TW" sz="5300" kern="1200" dirty="0" smtClean="0"/>
-            <a:t>進入遊戲</a:t>
-          </a:r>
-          <a:endParaRPr lang="zh-TW" sz="5300" kern="1200" dirty="0"/>
-        </a:p>
-      </dsp:txBody>
-      <dsp:txXfrm>
-        <a:off x="3006908" y="80828"/>
-        <a:ext cx="3130184" cy="1494106"/>
-      </dsp:txXfrm>
-    </dsp:sp>
   </dsp:spTree>
 </dsp:drawing>
 </file>
@@ -20605,7 +20482,7 @@
             <p:ph sz="half" idx="2"/>
             <p:extLst>
               <p:ext uri="{D42A27DB-BD31-4B8C-83A1-F6EECF244321}">
-                <p14:modId xmlns:p14="http://schemas.microsoft.com/office/powerpoint/2010/main" val="3417647476"/>
+                <p14:modId xmlns:p14="http://schemas.microsoft.com/office/powerpoint/2010/main" val="4006500614"/>
               </p:ext>
             </p:extLst>
           </p:nvPr>
@@ -20714,7 +20591,16 @@
                 </a:solidFill>
                 <a:effectLst/>
               </a:rPr>
-              <a:t>遊戲進行實作部分則以</a:t>
+              <a:t>遊戲進行實作部分則</a:t>
+            </a:r>
+            <a:r>
+              <a:rPr lang="zh-TW" altLang="zh-TW" sz="2800" kern="1200" dirty="0" smtClean="0">
+                <a:solidFill>
+                  <a:schemeClr val="tx1"/>
+                </a:solidFill>
+                <a:effectLst/>
+              </a:rPr>
+              <a:t>以</a:t>
             </a:r>
             <a:r>
               <a:rPr lang="en-US" altLang="zh-TW" sz="2800" kern="1200" dirty="0" err="1" smtClean="0">
@@ -20723,7 +20609,7 @@
                 </a:solidFill>
                 <a:effectLst/>
               </a:rPr>
-              <a:t>SendMessage</a:t>
+              <a:t>doStep</a:t>
             </a:r>
             <a:r>
               <a:rPr lang="zh-TW" altLang="zh-TW" sz="2800" kern="1200" dirty="0" smtClean="0">
@@ -20741,7 +20627,7 @@
                 </a:solidFill>
                 <a:effectLst/>
               </a:rPr>
-              <a:t>OnRecieveMessage</a:t>
+              <a:t>OnRecieveStep</a:t>
             </a:r>
             <a:r>
               <a:rPr lang="zh-TW" altLang="zh-TW" sz="2800" kern="1200" dirty="0" smtClean="0">
@@ -20750,16 +20636,33 @@
                 </a:solidFill>
                 <a:effectLst/>
               </a:rPr>
-              <a:t>事件自行傳遞跳棋的移動指令，接受到指令之後再畫出動畫。以</a:t>
+              <a:t>事件</a:t>
             </a:r>
             <a:r>
-              <a:rPr lang="en-US" altLang="zh-TW" sz="2800" kern="1200" dirty="0" err="1" smtClean="0">
+              <a:rPr lang="zh-TW" altLang="zh-TW" sz="2800" kern="1200" dirty="0" smtClean="0">
                 <a:solidFill>
                   <a:schemeClr val="tx1"/>
                 </a:solidFill>
                 <a:effectLst/>
               </a:rPr>
-              <a:t>nextRound</a:t>
+              <a:t>自行傳遞跳棋的移動指令，接受到指令之後再畫出動畫。</a:t>
+            </a:r>
+            <a:r>
+              <a:rPr lang="zh-TW" altLang="zh-TW" sz="2800" kern="1200" dirty="0" smtClean="0">
+                <a:solidFill>
+                  <a:schemeClr val="tx1"/>
+                </a:solidFill>
+                <a:effectLst/>
+              </a:rPr>
+              <a:t>以</a:t>
+            </a:r>
+            <a:r>
+              <a:rPr lang="en-US" altLang="zh-TW" sz="2800" dirty="0" err="1" smtClean="0">
+                <a:solidFill>
+                  <a:schemeClr val="tx1"/>
+                </a:solidFill>
+              </a:rPr>
+              <a:t>finishStep</a:t>
             </a:r>
             <a:r>
               <a:rPr lang="zh-TW" altLang="zh-TW" sz="2800" kern="1200" dirty="0" smtClean="0">
@@ -20777,7 +20680,7 @@
                 </a:solidFill>
                 <a:effectLst/>
               </a:rPr>
-              <a:t>onNextRound</a:t>
+              <a:t>onChangeTurn</a:t>
             </a:r>
             <a:r>
               <a:rPr lang="zh-TW" altLang="zh-TW" sz="2800" kern="1200" dirty="0" smtClean="0">
@@ -20786,16 +20689,7 @@
                 </a:solidFill>
                 <a:effectLst/>
               </a:rPr>
-              <a:t>來實作回合控制。如果玩家抵達終點就叫用</a:t>
-            </a:r>
-            <a:r>
-              <a:rPr lang="en-US" altLang="zh-TW" sz="2800" kern="1200" dirty="0" err="1" smtClean="0">
-                <a:solidFill>
-                  <a:schemeClr val="tx1"/>
-                </a:solidFill>
-                <a:effectLst/>
-              </a:rPr>
-              <a:t>ArriveFinalStep</a:t>
+              <a:t>來</a:t>
             </a:r>
             <a:r>
               <a:rPr lang="zh-TW" altLang="zh-TW" sz="2800" kern="1200" dirty="0" smtClean="0">
@@ -20804,7 +20698,52 @@
                 </a:solidFill>
                 <a:effectLst/>
               </a:rPr>
-              <a:t>來通知其他玩家並且把該玩家從回合控制器名單移除。</a:t>
+              <a:t>實作回合控制。如果玩家抵達終點就</a:t>
+            </a:r>
+            <a:r>
+              <a:rPr lang="zh-TW" altLang="zh-TW" sz="2800" kern="1200" smtClean="0">
+                <a:solidFill>
+                  <a:schemeClr val="tx1"/>
+                </a:solidFill>
+                <a:effectLst/>
+              </a:rPr>
+              <a:t>叫</a:t>
+            </a:r>
+            <a:r>
+              <a:rPr lang="zh-TW" altLang="zh-TW" sz="2800" kern="1200" smtClean="0">
+                <a:solidFill>
+                  <a:schemeClr val="tx1"/>
+                </a:solidFill>
+                <a:effectLst/>
+              </a:rPr>
+              <a:t>用</a:t>
+            </a:r>
+            <a:r>
+              <a:rPr lang="en-US" altLang="zh-TW" sz="2800" kern="1200" smtClean="0">
+                <a:solidFill>
+                  <a:schemeClr val="tx1"/>
+                </a:solidFill>
+                <a:effectLst/>
+              </a:rPr>
+              <a:t>finishGame</a:t>
+            </a:r>
+            <a:r>
+              <a:rPr lang="zh-TW" altLang="zh-TW" sz="2800" kern="1200" dirty="0" smtClean="0">
+                <a:solidFill>
+                  <a:schemeClr val="tx1"/>
+                </a:solidFill>
+                <a:effectLst/>
+              </a:rPr>
+              <a:t>來</a:t>
+            </a:r>
+            <a:r>
+              <a:rPr lang="zh-TW" altLang="zh-TW" sz="2800" kern="1200" dirty="0" smtClean="0">
+                <a:solidFill>
+                  <a:schemeClr val="tx1"/>
+                </a:solidFill>
+                <a:effectLst/>
+              </a:rPr>
+              <a:t>通知其他玩家並且把該玩家從回合控制器名單移除。</a:t>
             </a:r>
             <a:endParaRPr lang="zh-TW" altLang="en-US" dirty="0"/>
           </a:p>
@@ -20820,7 +20759,7 @@
             <p:ph sz="half" idx="2"/>
             <p:extLst>
               <p:ext uri="{D42A27DB-BD31-4B8C-83A1-F6EECF244321}">
-                <p14:modId xmlns:p14="http://schemas.microsoft.com/office/powerpoint/2010/main" val="4158181078"/>
+                <p14:modId xmlns:p14="http://schemas.microsoft.com/office/powerpoint/2010/main" val="3032939044"/>
               </p:ext>
             </p:extLst>
           </p:nvPr>
